--- a/Site/protótipo.pptx
+++ b/Site/protótipo.pptx
@@ -2,13 +2,16 @@
 <file path=ppt/presentation.xml><?xml version="1.0" encoding="utf-8"?>
 <p:presentation xmlns:a="http://schemas.openxmlformats.org/drawingml/2006/main" xmlns:r="http://schemas.openxmlformats.org/officeDocument/2006/relationships" xmlns:p="http://schemas.openxmlformats.org/presentationml/2006/main" saveSubsetFonts="1">
   <p:sldMasterIdLst>
-    <p:sldMasterId id="2147483648" r:id="rId1"/>
+    <p:sldMasterId id="2147483678" r:id="rId1"/>
   </p:sldMasterIdLst>
   <p:sldIdLst>
     <p:sldId id="256" r:id="rId2"/>
-    <p:sldId id="257" r:id="rId3"/>
-    <p:sldId id="258" r:id="rId4"/>
-    <p:sldId id="259" r:id="rId5"/>
+    <p:sldId id="261" r:id="rId3"/>
+    <p:sldId id="260" r:id="rId4"/>
+    <p:sldId id="262" r:id="rId5"/>
+    <p:sldId id="257" r:id="rId6"/>
+    <p:sldId id="258" r:id="rId7"/>
+    <p:sldId id="259" r:id="rId8"/>
   </p:sldIdLst>
   <p:sldSz cx="12192000" cy="6858000"/>
   <p:notesSz cx="6858000" cy="9144000"/>
@@ -107,6 +110,11 @@
       </a:defRPr>
     </a:lvl9pPr>
   </p:defaultTextStyle>
+  <p:extLst>
+    <p:ext uri="{EFAFB233-063F-42B5-8137-9DF3F51BA10A}">
+      <p15:sldGuideLst xmlns:p15="http://schemas.microsoft.com/office/powerpoint/2012/main"/>
+    </p:ext>
+  </p:extLst>
 </p:presentation>
 </file>
 
@@ -129,7 +137,7 @@
       </p:grpSpPr>
       <p:sp>
         <p:nvSpPr>
-          <p:cNvPr id="2" name="Título 1"/>
+          <p:cNvPr id="2" name="Title 1"/>
           <p:cNvSpPr>
             <a:spLocks noGrp="1"/>
           </p:cNvSpPr>
@@ -139,15 +147,49 @@
         </p:nvSpPr>
         <p:spPr>
           <a:xfrm>
-            <a:off x="1524000" y="1122363"/>
-            <a:ext cx="9144000" cy="2387600"/>
-          </a:xfrm>
-        </p:spPr>
-        <p:txBody>
-          <a:bodyPr anchor="b"/>
+            <a:off x="2209800" y="4464028"/>
+            <a:ext cx="9144000" cy="1641490"/>
+          </a:xfrm>
+        </p:spPr>
+        <p:txBody>
+          <a:bodyPr wrap="none" anchor="t">
+            <a:normAutofit/>
+          </a:bodyPr>
           <a:lstStyle>
-            <a:lvl1pPr algn="ctr">
-              <a:defRPr sz="6000"/>
+            <a:lvl1pPr algn="r">
+              <a:defRPr sz="9600" b="0" spc="-300">
+                <a:gradFill flip="none" rotWithShape="1">
+                  <a:gsLst>
+                    <a:gs pos="32000">
+                      <a:schemeClr val="tx1">
+                        <a:lumMod val="89000"/>
+                      </a:schemeClr>
+                    </a:gs>
+                    <a:gs pos="0">
+                      <a:schemeClr val="bg1">
+                        <a:lumMod val="41000"/>
+                        <a:lumOff val="59000"/>
+                      </a:schemeClr>
+                    </a:gs>
+                    <a:gs pos="100000">
+                      <a:schemeClr val="tx2">
+                        <a:lumMod val="0"/>
+                        <a:lumOff val="100000"/>
+                      </a:schemeClr>
+                    </a:gs>
+                  </a:gsLst>
+                  <a:lin ang="8100000" scaled="1"/>
+                  <a:tileRect/>
+                </a:gradFill>
+                <a:effectLst>
+                  <a:outerShdw blurRad="469900" dist="342900" dir="5400000" sy="-20000" rotWithShape="0">
+                    <a:prstClr val="black">
+                      <a:alpha val="66000"/>
+                    </a:prstClr>
+                  </a:outerShdw>
+                </a:effectLst>
+                <a:latin typeface="+mj-lt"/>
+              </a:defRPr>
             </a:lvl1pPr>
           </a:lstStyle>
           <a:p>
@@ -155,13 +197,13 @@
               <a:rPr lang="pt-BR" smtClean="0"/>
               <a:t>Clique para editar o título mestre</a:t>
             </a:r>
-            <a:endParaRPr lang="pt-BR"/>
-          </a:p>
-        </p:txBody>
-      </p:sp>
-      <p:sp>
-        <p:nvSpPr>
-          <p:cNvPr id="3" name="Subtítulo 2"/>
+            <a:endParaRPr lang="en-US" dirty="0"/>
+          </a:p>
+        </p:txBody>
+      </p:sp>
+      <p:sp>
+        <p:nvSpPr>
+          <p:cNvPr id="3" name="Subtitle 2"/>
           <p:cNvSpPr>
             <a:spLocks noGrp="1"/>
           </p:cNvSpPr>
@@ -171,16 +213,47 @@
         </p:nvSpPr>
         <p:spPr>
           <a:xfrm>
-            <a:off x="1524000" y="3602038"/>
-            <a:ext cx="9144000" cy="1655762"/>
-          </a:xfrm>
-        </p:spPr>
-        <p:txBody>
-          <a:bodyPr/>
+            <a:off x="2209799" y="3694375"/>
+            <a:ext cx="9144000" cy="754025"/>
+          </a:xfrm>
+        </p:spPr>
+        <p:txBody>
+          <a:bodyPr anchor="b">
+            <a:normAutofit/>
+          </a:bodyPr>
           <a:lstStyle>
-            <a:lvl1pPr marL="0" indent="0" algn="ctr">
-              <a:buNone/>
-              <a:defRPr sz="2400"/>
+            <a:lvl1pPr marL="0" indent="0" algn="r">
+              <a:buNone/>
+              <a:defRPr sz="3200" b="0">
+                <a:gradFill flip="none" rotWithShape="1">
+                  <a:gsLst>
+                    <a:gs pos="15000">
+                      <a:schemeClr val="tx2"/>
+                    </a:gs>
+                    <a:gs pos="73000">
+                      <a:schemeClr val="tx2">
+                        <a:lumMod val="60000"/>
+                        <a:lumOff val="40000"/>
+                      </a:schemeClr>
+                    </a:gs>
+                    <a:gs pos="0">
+                      <a:schemeClr val="tx2">
+                        <a:lumMod val="90000"/>
+                        <a:lumOff val="10000"/>
+                      </a:schemeClr>
+                    </a:gs>
+                    <a:gs pos="100000">
+                      <a:schemeClr val="tx2">
+                        <a:lumMod val="0"/>
+                        <a:lumOff val="100000"/>
+                      </a:schemeClr>
+                    </a:gs>
+                  </a:gsLst>
+                  <a:lin ang="16200000" scaled="1"/>
+                  <a:tileRect/>
+                </a:gradFill>
+                <a:latin typeface="+mj-lt"/>
+              </a:defRPr>
             </a:lvl1pPr>
             <a:lvl2pPr marL="457200" indent="0" algn="ctr">
               <a:buNone/>
@@ -220,13 +293,13 @@
               <a:rPr lang="pt-BR" smtClean="0"/>
               <a:t>Clique para editar o estilo do subtítulo Mestre</a:t>
             </a:r>
-            <a:endParaRPr lang="pt-BR"/>
-          </a:p>
-        </p:txBody>
-      </p:sp>
-      <p:sp>
-        <p:nvSpPr>
-          <p:cNvPr id="4" name="Espaço Reservado para Data 3"/>
+            <a:endParaRPr lang="en-US" dirty="0"/>
+          </a:p>
+        </p:txBody>
+      </p:sp>
+      <p:sp>
+        <p:nvSpPr>
+          <p:cNvPr id="7" name="Date Placeholder 6"/>
           <p:cNvSpPr>
             <a:spLocks noGrp="1"/>
           </p:cNvSpPr>
@@ -241,7 +314,7 @@
           <a:p>
             <a:fld id="{B854FCCC-1971-4334-98E6-125E401D5C30}" type="datetimeFigureOut">
               <a:rPr lang="pt-BR" smtClean="0"/>
-              <a:t>27/08/2019</a:t>
+              <a:t>28/08/2019</a:t>
             </a:fld>
             <a:endParaRPr lang="pt-BR"/>
           </a:p>
@@ -249,7 +322,7 @@
       </p:sp>
       <p:sp>
         <p:nvSpPr>
-          <p:cNvPr id="5" name="Espaço Reservado para Rodapé 4"/>
+          <p:cNvPr id="8" name="Footer Placeholder 7"/>
           <p:cNvSpPr>
             <a:spLocks noGrp="1"/>
           </p:cNvSpPr>
@@ -268,7 +341,7 @@
       </p:sp>
       <p:sp>
         <p:nvSpPr>
-          <p:cNvPr id="6" name="Espaço Reservado para Número de Slide 5"/>
+          <p:cNvPr id="9" name="Slide Number Placeholder 8"/>
           <p:cNvSpPr>
             <a:spLocks noGrp="1"/>
           </p:cNvSpPr>
@@ -292,7 +365,7 @@
     </p:spTree>
     <p:extLst>
       <p:ext uri="{BB962C8B-B14F-4D97-AF65-F5344CB8AC3E}">
-        <p14:creationId xmlns:p14="http://schemas.microsoft.com/office/powerpoint/2010/main" val="1566951165"/>
+        <p14:creationId xmlns:p14="http://schemas.microsoft.com/office/powerpoint/2010/main" val="3255307374"/>
       </p:ext>
     </p:extLst>
   </p:cSld>
@@ -303,6 +376,2543 @@
 </file>
 
 <file path=ppt/slideLayouts/slideLayout10.xml><?xml version="1.0" encoding="utf-8"?>
+<p:sldLayout xmlns:a="http://schemas.openxmlformats.org/drawingml/2006/main" xmlns:r="http://schemas.openxmlformats.org/officeDocument/2006/relationships" xmlns:p="http://schemas.openxmlformats.org/presentationml/2006/main" preserve="1">
+  <p:cSld name="Foto Panorâmica com Legenda">
+    <p:spTree>
+      <p:nvGrpSpPr>
+        <p:cNvPr id="1" name=""/>
+        <p:cNvGrpSpPr/>
+        <p:nvPr/>
+      </p:nvGrpSpPr>
+      <p:grpSpPr>
+        <a:xfrm>
+          <a:off x="0" y="0"/>
+          <a:ext cx="0" cy="0"/>
+          <a:chOff x="0" y="0"/>
+          <a:chExt cx="0" cy="0"/>
+        </a:xfrm>
+      </p:grpSpPr>
+      <p:sp>
+        <p:nvSpPr>
+          <p:cNvPr id="2" name="Title 1"/>
+          <p:cNvSpPr>
+            <a:spLocks noGrp="1"/>
+          </p:cNvSpPr>
+          <p:nvPr>
+            <p:ph type="title"/>
+          </p:nvPr>
+        </p:nvSpPr>
+        <p:spPr>
+          <a:xfrm>
+            <a:off x="839788" y="4367160"/>
+            <a:ext cx="10515600" cy="819355"/>
+          </a:xfrm>
+        </p:spPr>
+        <p:txBody>
+          <a:bodyPr anchor="b"/>
+          <a:lstStyle>
+            <a:lvl1pPr>
+              <a:defRPr sz="3200"/>
+            </a:lvl1pPr>
+          </a:lstStyle>
+          <a:p>
+            <a:r>
+              <a:rPr lang="pt-BR" smtClean="0"/>
+              <a:t>Clique para editar o título mestre</a:t>
+            </a:r>
+            <a:endParaRPr lang="en-US" dirty="0"/>
+          </a:p>
+        </p:txBody>
+      </p:sp>
+      <p:sp>
+        <p:nvSpPr>
+          <p:cNvPr id="3" name="Picture Placeholder 2"/>
+          <p:cNvSpPr>
+            <a:spLocks noGrp="1" noChangeAspect="1"/>
+          </p:cNvSpPr>
+          <p:nvPr>
+            <p:ph type="pic" idx="1"/>
+          </p:nvPr>
+        </p:nvSpPr>
+        <p:spPr>
+          <a:xfrm>
+            <a:off x="839788" y="987425"/>
+            <a:ext cx="10515600" cy="3379735"/>
+          </a:xfrm>
+        </p:spPr>
+        <p:txBody>
+          <a:bodyPr anchor="t"/>
+          <a:lstStyle>
+            <a:lvl1pPr marL="0" indent="0">
+              <a:buNone/>
+              <a:defRPr sz="3200"/>
+            </a:lvl1pPr>
+            <a:lvl2pPr marL="457200" indent="0">
+              <a:buNone/>
+              <a:defRPr sz="2800"/>
+            </a:lvl2pPr>
+            <a:lvl3pPr marL="914400" indent="0">
+              <a:buNone/>
+              <a:defRPr sz="2400"/>
+            </a:lvl3pPr>
+            <a:lvl4pPr marL="1371600" indent="0">
+              <a:buNone/>
+              <a:defRPr sz="2000"/>
+            </a:lvl4pPr>
+            <a:lvl5pPr marL="1828800" indent="0">
+              <a:buNone/>
+              <a:defRPr sz="2000"/>
+            </a:lvl5pPr>
+            <a:lvl6pPr marL="2286000" indent="0">
+              <a:buNone/>
+              <a:defRPr sz="2000"/>
+            </a:lvl6pPr>
+            <a:lvl7pPr marL="2743200" indent="0">
+              <a:buNone/>
+              <a:defRPr sz="2000"/>
+            </a:lvl7pPr>
+            <a:lvl8pPr marL="3200400" indent="0">
+              <a:buNone/>
+              <a:defRPr sz="2000"/>
+            </a:lvl8pPr>
+            <a:lvl9pPr marL="3657600" indent="0">
+              <a:buNone/>
+              <a:defRPr sz="2000"/>
+            </a:lvl9pPr>
+          </a:lstStyle>
+          <a:p>
+            <a:r>
+              <a:rPr lang="pt-BR" smtClean="0"/>
+              <a:t>Clique no ícone para adicionar uma imagem</a:t>
+            </a:r>
+            <a:endParaRPr lang="en-US" dirty="0"/>
+          </a:p>
+        </p:txBody>
+      </p:sp>
+      <p:sp>
+        <p:nvSpPr>
+          <p:cNvPr id="4" name="Text Placeholder 3"/>
+          <p:cNvSpPr>
+            <a:spLocks noGrp="1"/>
+          </p:cNvSpPr>
+          <p:nvPr>
+            <p:ph type="body" sz="half" idx="2"/>
+          </p:nvPr>
+        </p:nvSpPr>
+        <p:spPr>
+          <a:xfrm>
+            <a:off x="839788" y="5186516"/>
+            <a:ext cx="10514012" cy="682472"/>
+          </a:xfrm>
+        </p:spPr>
+        <p:txBody>
+          <a:bodyPr/>
+          <a:lstStyle>
+            <a:lvl1pPr marL="0" indent="0">
+              <a:buNone/>
+              <a:defRPr sz="1600">
+                <a:gradFill>
+                  <a:gsLst>
+                    <a:gs pos="15000">
+                      <a:schemeClr val="tx2"/>
+                    </a:gs>
+                    <a:gs pos="73000">
+                      <a:schemeClr val="tx2">
+                        <a:lumMod val="60000"/>
+                        <a:lumOff val="40000"/>
+                      </a:schemeClr>
+                    </a:gs>
+                    <a:gs pos="0">
+                      <a:schemeClr val="tx1"/>
+                    </a:gs>
+                    <a:gs pos="100000">
+                      <a:schemeClr val="tx2">
+                        <a:lumMod val="0"/>
+                        <a:lumOff val="100000"/>
+                      </a:schemeClr>
+                    </a:gs>
+                  </a:gsLst>
+                  <a:lin ang="16200000" scaled="1"/>
+                </a:gradFill>
+              </a:defRPr>
+            </a:lvl1pPr>
+            <a:lvl2pPr marL="457200" indent="0">
+              <a:buNone/>
+              <a:defRPr sz="1400"/>
+            </a:lvl2pPr>
+            <a:lvl3pPr marL="914400" indent="0">
+              <a:buNone/>
+              <a:defRPr sz="1200"/>
+            </a:lvl3pPr>
+            <a:lvl4pPr marL="1371600" indent="0">
+              <a:buNone/>
+              <a:defRPr sz="1000"/>
+            </a:lvl4pPr>
+            <a:lvl5pPr marL="1828800" indent="0">
+              <a:buNone/>
+              <a:defRPr sz="1000"/>
+            </a:lvl5pPr>
+            <a:lvl6pPr marL="2286000" indent="0">
+              <a:buNone/>
+              <a:defRPr sz="1000"/>
+            </a:lvl6pPr>
+            <a:lvl7pPr marL="2743200" indent="0">
+              <a:buNone/>
+              <a:defRPr sz="1000"/>
+            </a:lvl7pPr>
+            <a:lvl8pPr marL="3200400" indent="0">
+              <a:buNone/>
+              <a:defRPr sz="1000"/>
+            </a:lvl8pPr>
+            <a:lvl9pPr marL="3657600" indent="0">
+              <a:buNone/>
+              <a:defRPr sz="1000"/>
+            </a:lvl9pPr>
+          </a:lstStyle>
+          <a:p>
+            <a:pPr lvl="0"/>
+            <a:r>
+              <a:rPr lang="pt-BR" smtClean="0"/>
+              <a:t>Editar estilos de texto Mestre</a:t>
+            </a:r>
+          </a:p>
+        </p:txBody>
+      </p:sp>
+      <p:sp>
+        <p:nvSpPr>
+          <p:cNvPr id="5" name="Date Placeholder 4"/>
+          <p:cNvSpPr>
+            <a:spLocks noGrp="1"/>
+          </p:cNvSpPr>
+          <p:nvPr>
+            <p:ph type="dt" sz="half" idx="10"/>
+          </p:nvPr>
+        </p:nvSpPr>
+        <p:spPr/>
+        <p:txBody>
+          <a:bodyPr/>
+          <a:lstStyle/>
+          <a:p>
+            <a:fld id="{B854FCCC-1971-4334-98E6-125E401D5C30}" type="datetimeFigureOut">
+              <a:rPr lang="pt-BR" smtClean="0"/>
+              <a:t>28/08/2019</a:t>
+            </a:fld>
+            <a:endParaRPr lang="pt-BR"/>
+          </a:p>
+        </p:txBody>
+      </p:sp>
+      <p:sp>
+        <p:nvSpPr>
+          <p:cNvPr id="6" name="Footer Placeholder 5"/>
+          <p:cNvSpPr>
+            <a:spLocks noGrp="1"/>
+          </p:cNvSpPr>
+          <p:nvPr>
+            <p:ph type="ftr" sz="quarter" idx="11"/>
+          </p:nvPr>
+        </p:nvSpPr>
+        <p:spPr/>
+        <p:txBody>
+          <a:bodyPr/>
+          <a:lstStyle/>
+          <a:p>
+            <a:endParaRPr lang="pt-BR"/>
+          </a:p>
+        </p:txBody>
+      </p:sp>
+      <p:sp>
+        <p:nvSpPr>
+          <p:cNvPr id="7" name="Slide Number Placeholder 6"/>
+          <p:cNvSpPr>
+            <a:spLocks noGrp="1"/>
+          </p:cNvSpPr>
+          <p:nvPr>
+            <p:ph type="sldNum" sz="quarter" idx="12"/>
+          </p:nvPr>
+        </p:nvSpPr>
+        <p:spPr/>
+        <p:txBody>
+          <a:bodyPr/>
+          <a:lstStyle/>
+          <a:p>
+            <a:fld id="{057F2685-83CE-445D-A6C3-78864DB6B883}" type="slidenum">
+              <a:rPr lang="pt-BR" smtClean="0"/>
+              <a:t>‹nº›</a:t>
+            </a:fld>
+            <a:endParaRPr lang="pt-BR"/>
+          </a:p>
+        </p:txBody>
+      </p:sp>
+    </p:spTree>
+    <p:extLst>
+      <p:ext uri="{BB962C8B-B14F-4D97-AF65-F5344CB8AC3E}">
+        <p14:creationId xmlns:p14="http://schemas.microsoft.com/office/powerpoint/2010/main" val="3628323937"/>
+      </p:ext>
+    </p:extLst>
+  </p:cSld>
+  <p:clrMapOvr>
+    <a:masterClrMapping/>
+  </p:clrMapOvr>
+</p:sldLayout>
+</file>
+
+<file path=ppt/slideLayouts/slideLayout11.xml><?xml version="1.0" encoding="utf-8"?>
+<p:sldLayout xmlns:a="http://schemas.openxmlformats.org/drawingml/2006/main" xmlns:r="http://schemas.openxmlformats.org/officeDocument/2006/relationships" xmlns:p="http://schemas.openxmlformats.org/presentationml/2006/main" preserve="1">
+  <p:cSld name="Título e Legenda">
+    <p:spTree>
+      <p:nvGrpSpPr>
+        <p:cNvPr id="1" name=""/>
+        <p:cNvGrpSpPr/>
+        <p:nvPr/>
+      </p:nvGrpSpPr>
+      <p:grpSpPr>
+        <a:xfrm>
+          <a:off x="0" y="0"/>
+          <a:ext cx="0" cy="0"/>
+          <a:chOff x="0" y="0"/>
+          <a:chExt cx="0" cy="0"/>
+        </a:xfrm>
+      </p:grpSpPr>
+      <p:sp>
+        <p:nvSpPr>
+          <p:cNvPr id="2" name="Title 1"/>
+          <p:cNvSpPr>
+            <a:spLocks noGrp="1"/>
+          </p:cNvSpPr>
+          <p:nvPr>
+            <p:ph type="title"/>
+          </p:nvPr>
+        </p:nvSpPr>
+        <p:spPr>
+          <a:xfrm>
+            <a:off x="839788" y="365125"/>
+            <a:ext cx="10515600" cy="3534344"/>
+          </a:xfrm>
+        </p:spPr>
+        <p:txBody>
+          <a:bodyPr anchor="ctr"/>
+          <a:lstStyle>
+            <a:lvl1pPr>
+              <a:defRPr sz="3200"/>
+            </a:lvl1pPr>
+          </a:lstStyle>
+          <a:p>
+            <a:r>
+              <a:rPr lang="pt-BR" smtClean="0"/>
+              <a:t>Clique para editar o título mestre</a:t>
+            </a:r>
+            <a:endParaRPr lang="en-US" dirty="0"/>
+          </a:p>
+        </p:txBody>
+      </p:sp>
+      <p:sp>
+        <p:nvSpPr>
+          <p:cNvPr id="4" name="Text Placeholder 3"/>
+          <p:cNvSpPr>
+            <a:spLocks noGrp="1"/>
+          </p:cNvSpPr>
+          <p:nvPr>
+            <p:ph type="body" sz="half" idx="2"/>
+          </p:nvPr>
+        </p:nvSpPr>
+        <p:spPr>
+          <a:xfrm>
+            <a:off x="839788" y="4489399"/>
+            <a:ext cx="10514012" cy="1501826"/>
+          </a:xfrm>
+        </p:spPr>
+        <p:txBody>
+          <a:bodyPr anchor="ctr"/>
+          <a:lstStyle>
+            <a:lvl1pPr marL="0" indent="0">
+              <a:buNone/>
+              <a:defRPr sz="1600"/>
+            </a:lvl1pPr>
+            <a:lvl2pPr marL="457200" indent="0">
+              <a:buNone/>
+              <a:defRPr sz="1400"/>
+            </a:lvl2pPr>
+            <a:lvl3pPr marL="914400" indent="0">
+              <a:buNone/>
+              <a:defRPr sz="1200"/>
+            </a:lvl3pPr>
+            <a:lvl4pPr marL="1371600" indent="0">
+              <a:buNone/>
+              <a:defRPr sz="1000"/>
+            </a:lvl4pPr>
+            <a:lvl5pPr marL="1828800" indent="0">
+              <a:buNone/>
+              <a:defRPr sz="1000"/>
+            </a:lvl5pPr>
+            <a:lvl6pPr marL="2286000" indent="0">
+              <a:buNone/>
+              <a:defRPr sz="1000"/>
+            </a:lvl6pPr>
+            <a:lvl7pPr marL="2743200" indent="0">
+              <a:buNone/>
+              <a:defRPr sz="1000"/>
+            </a:lvl7pPr>
+            <a:lvl8pPr marL="3200400" indent="0">
+              <a:buNone/>
+              <a:defRPr sz="1000"/>
+            </a:lvl8pPr>
+            <a:lvl9pPr marL="3657600" indent="0">
+              <a:buNone/>
+              <a:defRPr sz="1000"/>
+            </a:lvl9pPr>
+          </a:lstStyle>
+          <a:p>
+            <a:pPr lvl="0"/>
+            <a:r>
+              <a:rPr lang="pt-BR" smtClean="0"/>
+              <a:t>Editar estilos de texto Mestre</a:t>
+            </a:r>
+          </a:p>
+        </p:txBody>
+      </p:sp>
+      <p:sp>
+        <p:nvSpPr>
+          <p:cNvPr id="5" name="Date Placeholder 4"/>
+          <p:cNvSpPr>
+            <a:spLocks noGrp="1"/>
+          </p:cNvSpPr>
+          <p:nvPr>
+            <p:ph type="dt" sz="half" idx="10"/>
+          </p:nvPr>
+        </p:nvSpPr>
+        <p:spPr/>
+        <p:txBody>
+          <a:bodyPr/>
+          <a:lstStyle/>
+          <a:p>
+            <a:fld id="{B854FCCC-1971-4334-98E6-125E401D5C30}" type="datetimeFigureOut">
+              <a:rPr lang="pt-BR" smtClean="0"/>
+              <a:t>28/08/2019</a:t>
+            </a:fld>
+            <a:endParaRPr lang="pt-BR"/>
+          </a:p>
+        </p:txBody>
+      </p:sp>
+      <p:sp>
+        <p:nvSpPr>
+          <p:cNvPr id="6" name="Footer Placeholder 5"/>
+          <p:cNvSpPr>
+            <a:spLocks noGrp="1"/>
+          </p:cNvSpPr>
+          <p:nvPr>
+            <p:ph type="ftr" sz="quarter" idx="11"/>
+          </p:nvPr>
+        </p:nvSpPr>
+        <p:spPr/>
+        <p:txBody>
+          <a:bodyPr/>
+          <a:lstStyle/>
+          <a:p>
+            <a:endParaRPr lang="pt-BR"/>
+          </a:p>
+        </p:txBody>
+      </p:sp>
+      <p:sp>
+        <p:nvSpPr>
+          <p:cNvPr id="7" name="Slide Number Placeholder 6"/>
+          <p:cNvSpPr>
+            <a:spLocks noGrp="1"/>
+          </p:cNvSpPr>
+          <p:nvPr>
+            <p:ph type="sldNum" sz="quarter" idx="12"/>
+          </p:nvPr>
+        </p:nvSpPr>
+        <p:spPr/>
+        <p:txBody>
+          <a:bodyPr/>
+          <a:lstStyle/>
+          <a:p>
+            <a:fld id="{057F2685-83CE-445D-A6C3-78864DB6B883}" type="slidenum">
+              <a:rPr lang="pt-BR" smtClean="0"/>
+              <a:t>‹nº›</a:t>
+            </a:fld>
+            <a:endParaRPr lang="pt-BR"/>
+          </a:p>
+        </p:txBody>
+      </p:sp>
+    </p:spTree>
+    <p:extLst>
+      <p:ext uri="{BB962C8B-B14F-4D97-AF65-F5344CB8AC3E}">
+        <p14:creationId xmlns:p14="http://schemas.microsoft.com/office/powerpoint/2010/main" val="713760917"/>
+      </p:ext>
+    </p:extLst>
+  </p:cSld>
+  <p:clrMapOvr>
+    <a:masterClrMapping/>
+  </p:clrMapOvr>
+</p:sldLayout>
+</file>
+
+<file path=ppt/slideLayouts/slideLayout12.xml><?xml version="1.0" encoding="utf-8"?>
+<p:sldLayout xmlns:a="http://schemas.openxmlformats.org/drawingml/2006/main" xmlns:r="http://schemas.openxmlformats.org/officeDocument/2006/relationships" xmlns:p="http://schemas.openxmlformats.org/presentationml/2006/main" preserve="1">
+  <p:cSld name="Citação com Legenda">
+    <p:spTree>
+      <p:nvGrpSpPr>
+        <p:cNvPr id="1" name=""/>
+        <p:cNvGrpSpPr/>
+        <p:nvPr/>
+      </p:nvGrpSpPr>
+      <p:grpSpPr>
+        <a:xfrm>
+          <a:off x="0" y="0"/>
+          <a:ext cx="0" cy="0"/>
+          <a:chOff x="0" y="0"/>
+          <a:chExt cx="0" cy="0"/>
+        </a:xfrm>
+      </p:grpSpPr>
+      <p:sp>
+        <p:nvSpPr>
+          <p:cNvPr id="2" name="Title 1"/>
+          <p:cNvSpPr>
+            <a:spLocks noGrp="1"/>
+          </p:cNvSpPr>
+          <p:nvPr>
+            <p:ph type="title"/>
+          </p:nvPr>
+        </p:nvSpPr>
+        <p:spPr>
+          <a:xfrm>
+            <a:off x="1446212" y="365125"/>
+            <a:ext cx="9302752" cy="2992904"/>
+          </a:xfrm>
+        </p:spPr>
+        <p:txBody>
+          <a:bodyPr anchor="ctr"/>
+          <a:lstStyle>
+            <a:lvl1pPr>
+              <a:defRPr sz="4400"/>
+            </a:lvl1pPr>
+          </a:lstStyle>
+          <a:p>
+            <a:r>
+              <a:rPr lang="pt-BR" smtClean="0"/>
+              <a:t>Clique para editar o título mestre</a:t>
+            </a:r>
+            <a:endParaRPr lang="en-US" dirty="0"/>
+          </a:p>
+        </p:txBody>
+      </p:sp>
+      <p:sp>
+        <p:nvSpPr>
+          <p:cNvPr id="12" name="Text Placeholder 3"/>
+          <p:cNvSpPr>
+            <a:spLocks noGrp="1"/>
+          </p:cNvSpPr>
+          <p:nvPr>
+            <p:ph type="body" sz="half" idx="13"/>
+          </p:nvPr>
+        </p:nvSpPr>
+        <p:spPr>
+          <a:xfrm>
+            <a:off x="1720644" y="3365557"/>
+            <a:ext cx="8752299" cy="548968"/>
+          </a:xfrm>
+        </p:spPr>
+        <p:txBody>
+          <a:bodyPr anchor="t">
+            <a:normAutofit/>
+          </a:bodyPr>
+          <a:lstStyle>
+            <a:lvl1pPr marL="0" indent="0">
+              <a:buNone/>
+              <a:defRPr sz="1400"/>
+            </a:lvl1pPr>
+            <a:lvl2pPr marL="457200" indent="0">
+              <a:buNone/>
+              <a:defRPr sz="1400"/>
+            </a:lvl2pPr>
+            <a:lvl3pPr marL="914400" indent="0">
+              <a:buNone/>
+              <a:defRPr sz="1200"/>
+            </a:lvl3pPr>
+            <a:lvl4pPr marL="1371600" indent="0">
+              <a:buNone/>
+              <a:defRPr sz="1000"/>
+            </a:lvl4pPr>
+            <a:lvl5pPr marL="1828800" indent="0">
+              <a:buNone/>
+              <a:defRPr sz="1000"/>
+            </a:lvl5pPr>
+            <a:lvl6pPr marL="2286000" indent="0">
+              <a:buNone/>
+              <a:defRPr sz="1000"/>
+            </a:lvl6pPr>
+            <a:lvl7pPr marL="2743200" indent="0">
+              <a:buNone/>
+              <a:defRPr sz="1000"/>
+            </a:lvl7pPr>
+            <a:lvl8pPr marL="3200400" indent="0">
+              <a:buNone/>
+              <a:defRPr sz="1000"/>
+            </a:lvl8pPr>
+            <a:lvl9pPr marL="3657600" indent="0">
+              <a:buNone/>
+              <a:defRPr sz="1000"/>
+            </a:lvl9pPr>
+          </a:lstStyle>
+          <a:p>
+            <a:pPr lvl="0"/>
+            <a:r>
+              <a:rPr lang="pt-BR" smtClean="0"/>
+              <a:t>Editar estilos de texto Mestre</a:t>
+            </a:r>
+          </a:p>
+        </p:txBody>
+      </p:sp>
+      <p:sp>
+        <p:nvSpPr>
+          <p:cNvPr id="4" name="Text Placeholder 3"/>
+          <p:cNvSpPr>
+            <a:spLocks noGrp="1"/>
+          </p:cNvSpPr>
+          <p:nvPr>
+            <p:ph type="body" sz="half" idx="2"/>
+          </p:nvPr>
+        </p:nvSpPr>
+        <p:spPr>
+          <a:xfrm>
+            <a:off x="838200" y="4501729"/>
+            <a:ext cx="10512424" cy="1489496"/>
+          </a:xfrm>
+        </p:spPr>
+        <p:txBody>
+          <a:bodyPr anchor="ctr">
+            <a:normAutofit/>
+          </a:bodyPr>
+          <a:lstStyle>
+            <a:lvl1pPr marL="0" indent="0">
+              <a:buNone/>
+              <a:defRPr sz="1600"/>
+            </a:lvl1pPr>
+            <a:lvl2pPr marL="457200" indent="0">
+              <a:buNone/>
+              <a:defRPr sz="1400"/>
+            </a:lvl2pPr>
+            <a:lvl3pPr marL="914400" indent="0">
+              <a:buNone/>
+              <a:defRPr sz="1200"/>
+            </a:lvl3pPr>
+            <a:lvl4pPr marL="1371600" indent="0">
+              <a:buNone/>
+              <a:defRPr sz="1000"/>
+            </a:lvl4pPr>
+            <a:lvl5pPr marL="1828800" indent="0">
+              <a:buNone/>
+              <a:defRPr sz="1000"/>
+            </a:lvl5pPr>
+            <a:lvl6pPr marL="2286000" indent="0">
+              <a:buNone/>
+              <a:defRPr sz="1000"/>
+            </a:lvl6pPr>
+            <a:lvl7pPr marL="2743200" indent="0">
+              <a:buNone/>
+              <a:defRPr sz="1000"/>
+            </a:lvl7pPr>
+            <a:lvl8pPr marL="3200400" indent="0">
+              <a:buNone/>
+              <a:defRPr sz="1000"/>
+            </a:lvl8pPr>
+            <a:lvl9pPr marL="3657600" indent="0">
+              <a:buNone/>
+              <a:defRPr sz="1000"/>
+            </a:lvl9pPr>
+          </a:lstStyle>
+          <a:p>
+            <a:pPr lvl="0"/>
+            <a:r>
+              <a:rPr lang="pt-BR" smtClean="0"/>
+              <a:t>Editar estilos de texto Mestre</a:t>
+            </a:r>
+          </a:p>
+        </p:txBody>
+      </p:sp>
+      <p:sp>
+        <p:nvSpPr>
+          <p:cNvPr id="5" name="Date Placeholder 4"/>
+          <p:cNvSpPr>
+            <a:spLocks noGrp="1"/>
+          </p:cNvSpPr>
+          <p:nvPr>
+            <p:ph type="dt" sz="half" idx="10"/>
+          </p:nvPr>
+        </p:nvSpPr>
+        <p:spPr/>
+        <p:txBody>
+          <a:bodyPr/>
+          <a:lstStyle/>
+          <a:p>
+            <a:fld id="{B854FCCC-1971-4334-98E6-125E401D5C30}" type="datetimeFigureOut">
+              <a:rPr lang="pt-BR" smtClean="0"/>
+              <a:t>28/08/2019</a:t>
+            </a:fld>
+            <a:endParaRPr lang="pt-BR"/>
+          </a:p>
+        </p:txBody>
+      </p:sp>
+      <p:sp>
+        <p:nvSpPr>
+          <p:cNvPr id="6" name="Footer Placeholder 5"/>
+          <p:cNvSpPr>
+            <a:spLocks noGrp="1"/>
+          </p:cNvSpPr>
+          <p:nvPr>
+            <p:ph type="ftr" sz="quarter" idx="11"/>
+          </p:nvPr>
+        </p:nvSpPr>
+        <p:spPr/>
+        <p:txBody>
+          <a:bodyPr/>
+          <a:lstStyle/>
+          <a:p>
+            <a:endParaRPr lang="pt-BR"/>
+          </a:p>
+        </p:txBody>
+      </p:sp>
+      <p:sp>
+        <p:nvSpPr>
+          <p:cNvPr id="7" name="Slide Number Placeholder 6"/>
+          <p:cNvSpPr>
+            <a:spLocks noGrp="1"/>
+          </p:cNvSpPr>
+          <p:nvPr>
+            <p:ph type="sldNum" sz="quarter" idx="12"/>
+          </p:nvPr>
+        </p:nvSpPr>
+        <p:spPr/>
+        <p:txBody>
+          <a:bodyPr/>
+          <a:lstStyle/>
+          <a:p>
+            <a:fld id="{057F2685-83CE-445D-A6C3-78864DB6B883}" type="slidenum">
+              <a:rPr lang="pt-BR" smtClean="0"/>
+              <a:t>‹nº›</a:t>
+            </a:fld>
+            <a:endParaRPr lang="pt-BR"/>
+          </a:p>
+        </p:txBody>
+      </p:sp>
+      <p:sp>
+        <p:nvSpPr>
+          <p:cNvPr id="9" name="TextBox 8"/>
+          <p:cNvSpPr txBox="1"/>
+          <p:nvPr/>
+        </p:nvSpPr>
+        <p:spPr>
+          <a:xfrm>
+            <a:off x="1111044" y="786824"/>
+            <a:ext cx="609600" cy="584776"/>
+          </a:xfrm>
+          <a:prstGeom prst="rect">
+            <a:avLst/>
+          </a:prstGeom>
+        </p:spPr>
+        <p:txBody>
+          <a:bodyPr vert="horz" lIns="91440" tIns="45720" rIns="91440" bIns="45720" rtlCol="0" anchor="ctr">
+            <a:noAutofit/>
+          </a:bodyPr>
+          <a:lstStyle>
+            <a:lvl1pPr>
+              <a:spcBef>
+                <a:spcPct val="0"/>
+              </a:spcBef>
+              <a:buNone/>
+              <a:defRPr sz="3200" b="0" cap="all">
+                <a:ln w="3175" cmpd="sng">
+                  <a:noFill/>
+                </a:ln>
+                <a:effectLst>
+                  <a:glow rad="38100">
+                    <a:schemeClr val="bg1">
+                      <a:lumMod val="65000"/>
+                      <a:lumOff val="35000"/>
+                      <a:alpha val="40000"/>
+                    </a:schemeClr>
+                  </a:glow>
+                  <a:outerShdw blurRad="28575" dist="38100" dir="14040000" algn="tl" rotWithShape="0">
+                    <a:srgbClr val="000000">
+                      <a:alpha val="25000"/>
+                    </a:srgbClr>
+                  </a:outerShdw>
+                </a:effectLst>
+              </a:defRPr>
+            </a:lvl1pPr>
+            <a:lvl2pPr>
+              <a:defRPr>
+                <a:solidFill>
+                  <a:schemeClr val="tx2"/>
+                </a:solidFill>
+              </a:defRPr>
+            </a:lvl2pPr>
+            <a:lvl3pPr>
+              <a:defRPr>
+                <a:solidFill>
+                  <a:schemeClr val="tx2"/>
+                </a:solidFill>
+              </a:defRPr>
+            </a:lvl3pPr>
+            <a:lvl4pPr>
+              <a:defRPr>
+                <a:solidFill>
+                  <a:schemeClr val="tx2"/>
+                </a:solidFill>
+              </a:defRPr>
+            </a:lvl4pPr>
+            <a:lvl5pPr>
+              <a:defRPr>
+                <a:solidFill>
+                  <a:schemeClr val="tx2"/>
+                </a:solidFill>
+              </a:defRPr>
+            </a:lvl5pPr>
+            <a:lvl6pPr>
+              <a:defRPr>
+                <a:solidFill>
+                  <a:schemeClr val="tx2"/>
+                </a:solidFill>
+              </a:defRPr>
+            </a:lvl6pPr>
+            <a:lvl7pPr>
+              <a:defRPr>
+                <a:solidFill>
+                  <a:schemeClr val="tx2"/>
+                </a:solidFill>
+              </a:defRPr>
+            </a:lvl7pPr>
+            <a:lvl8pPr>
+              <a:defRPr>
+                <a:solidFill>
+                  <a:schemeClr val="tx2"/>
+                </a:solidFill>
+              </a:defRPr>
+            </a:lvl8pPr>
+            <a:lvl9pPr>
+              <a:defRPr>
+                <a:solidFill>
+                  <a:schemeClr val="tx2"/>
+                </a:solidFill>
+              </a:defRPr>
+            </a:lvl9pPr>
+          </a:lstStyle>
+          <a:p>
+            <a:pPr lvl="0"/>
+            <a:r>
+              <a:rPr lang="en-US" sz="8000" dirty="0">
+                <a:solidFill>
+                  <a:schemeClr val="tx1"/>
+                </a:solidFill>
+                <a:effectLst/>
+              </a:rPr>
+              <a:t>“</a:t>
+            </a:r>
+          </a:p>
+        </p:txBody>
+      </p:sp>
+      <p:sp>
+        <p:nvSpPr>
+          <p:cNvPr id="10" name="TextBox 9"/>
+          <p:cNvSpPr txBox="1"/>
+          <p:nvPr/>
+        </p:nvSpPr>
+        <p:spPr>
+          <a:xfrm>
+            <a:off x="10437812" y="2743200"/>
+            <a:ext cx="609600" cy="584776"/>
+          </a:xfrm>
+          <a:prstGeom prst="rect">
+            <a:avLst/>
+          </a:prstGeom>
+        </p:spPr>
+        <p:txBody>
+          <a:bodyPr vert="horz" lIns="91440" tIns="45720" rIns="91440" bIns="45720" rtlCol="0" anchor="ctr">
+            <a:noAutofit/>
+          </a:bodyPr>
+          <a:lstStyle>
+            <a:lvl1pPr>
+              <a:spcBef>
+                <a:spcPct val="0"/>
+              </a:spcBef>
+              <a:buNone/>
+              <a:defRPr sz="3200" b="0" cap="all">
+                <a:ln w="3175" cmpd="sng">
+                  <a:noFill/>
+                </a:ln>
+                <a:effectLst>
+                  <a:glow rad="38100">
+                    <a:schemeClr val="bg1">
+                      <a:lumMod val="65000"/>
+                      <a:lumOff val="35000"/>
+                      <a:alpha val="40000"/>
+                    </a:schemeClr>
+                  </a:glow>
+                  <a:outerShdw blurRad="28575" dist="38100" dir="14040000" algn="tl" rotWithShape="0">
+                    <a:srgbClr val="000000">
+                      <a:alpha val="25000"/>
+                    </a:srgbClr>
+                  </a:outerShdw>
+                </a:effectLst>
+              </a:defRPr>
+            </a:lvl1pPr>
+            <a:lvl2pPr>
+              <a:defRPr>
+                <a:solidFill>
+                  <a:schemeClr val="tx2"/>
+                </a:solidFill>
+              </a:defRPr>
+            </a:lvl2pPr>
+            <a:lvl3pPr>
+              <a:defRPr>
+                <a:solidFill>
+                  <a:schemeClr val="tx2"/>
+                </a:solidFill>
+              </a:defRPr>
+            </a:lvl3pPr>
+            <a:lvl4pPr>
+              <a:defRPr>
+                <a:solidFill>
+                  <a:schemeClr val="tx2"/>
+                </a:solidFill>
+              </a:defRPr>
+            </a:lvl4pPr>
+            <a:lvl5pPr>
+              <a:defRPr>
+                <a:solidFill>
+                  <a:schemeClr val="tx2"/>
+                </a:solidFill>
+              </a:defRPr>
+            </a:lvl5pPr>
+            <a:lvl6pPr>
+              <a:defRPr>
+                <a:solidFill>
+                  <a:schemeClr val="tx2"/>
+                </a:solidFill>
+              </a:defRPr>
+            </a:lvl6pPr>
+            <a:lvl7pPr>
+              <a:defRPr>
+                <a:solidFill>
+                  <a:schemeClr val="tx2"/>
+                </a:solidFill>
+              </a:defRPr>
+            </a:lvl7pPr>
+            <a:lvl8pPr>
+              <a:defRPr>
+                <a:solidFill>
+                  <a:schemeClr val="tx2"/>
+                </a:solidFill>
+              </a:defRPr>
+            </a:lvl8pPr>
+            <a:lvl9pPr>
+              <a:defRPr>
+                <a:solidFill>
+                  <a:schemeClr val="tx2"/>
+                </a:solidFill>
+              </a:defRPr>
+            </a:lvl9pPr>
+          </a:lstStyle>
+          <a:p>
+            <a:pPr lvl="0" algn="r"/>
+            <a:r>
+              <a:rPr lang="en-US" sz="8000" dirty="0">
+                <a:solidFill>
+                  <a:schemeClr val="tx1"/>
+                </a:solidFill>
+                <a:effectLst/>
+              </a:rPr>
+              <a:t>”</a:t>
+            </a:r>
+          </a:p>
+        </p:txBody>
+      </p:sp>
+    </p:spTree>
+    <p:extLst>
+      <p:ext uri="{BB962C8B-B14F-4D97-AF65-F5344CB8AC3E}">
+        <p14:creationId xmlns:p14="http://schemas.microsoft.com/office/powerpoint/2010/main" val="4086161613"/>
+      </p:ext>
+    </p:extLst>
+  </p:cSld>
+  <p:clrMapOvr>
+    <a:masterClrMapping/>
+  </p:clrMapOvr>
+</p:sldLayout>
+</file>
+
+<file path=ppt/slideLayouts/slideLayout13.xml><?xml version="1.0" encoding="utf-8"?>
+<p:sldLayout xmlns:a="http://schemas.openxmlformats.org/drawingml/2006/main" xmlns:r="http://schemas.openxmlformats.org/officeDocument/2006/relationships" xmlns:p="http://schemas.openxmlformats.org/presentationml/2006/main" preserve="1">
+  <p:cSld name="Cartão de Nome">
+    <p:spTree>
+      <p:nvGrpSpPr>
+        <p:cNvPr id="1" name=""/>
+        <p:cNvGrpSpPr/>
+        <p:nvPr/>
+      </p:nvGrpSpPr>
+      <p:grpSpPr>
+        <a:xfrm>
+          <a:off x="0" y="0"/>
+          <a:ext cx="0" cy="0"/>
+          <a:chOff x="0" y="0"/>
+          <a:chExt cx="0" cy="0"/>
+        </a:xfrm>
+      </p:grpSpPr>
+      <p:sp>
+        <p:nvSpPr>
+          <p:cNvPr id="2" name="Title 1"/>
+          <p:cNvSpPr>
+            <a:spLocks noGrp="1"/>
+          </p:cNvSpPr>
+          <p:nvPr>
+            <p:ph type="title"/>
+          </p:nvPr>
+        </p:nvSpPr>
+        <p:spPr>
+          <a:xfrm>
+            <a:off x="839788" y="2326967"/>
+            <a:ext cx="10515600" cy="2511835"/>
+          </a:xfrm>
+        </p:spPr>
+        <p:txBody>
+          <a:bodyPr anchor="b">
+            <a:normAutofit/>
+          </a:bodyPr>
+          <a:lstStyle>
+            <a:lvl1pPr>
+              <a:defRPr sz="5400"/>
+            </a:lvl1pPr>
+          </a:lstStyle>
+          <a:p>
+            <a:r>
+              <a:rPr lang="pt-BR" smtClean="0"/>
+              <a:t>Clique para editar o título mestre</a:t>
+            </a:r>
+            <a:endParaRPr lang="en-US" dirty="0"/>
+          </a:p>
+        </p:txBody>
+      </p:sp>
+      <p:sp>
+        <p:nvSpPr>
+          <p:cNvPr id="4" name="Text Placeholder 3"/>
+          <p:cNvSpPr>
+            <a:spLocks noGrp="1"/>
+          </p:cNvSpPr>
+          <p:nvPr>
+            <p:ph type="body" sz="half" idx="2"/>
+          </p:nvPr>
+        </p:nvSpPr>
+        <p:spPr>
+          <a:xfrm>
+            <a:off x="839788" y="4850581"/>
+            <a:ext cx="10514012" cy="1140644"/>
+          </a:xfrm>
+        </p:spPr>
+        <p:txBody>
+          <a:bodyPr anchor="t"/>
+          <a:lstStyle>
+            <a:lvl1pPr marL="0" indent="0">
+              <a:buNone/>
+              <a:defRPr sz="1600"/>
+            </a:lvl1pPr>
+            <a:lvl2pPr marL="457200" indent="0">
+              <a:buNone/>
+              <a:defRPr sz="1400"/>
+            </a:lvl2pPr>
+            <a:lvl3pPr marL="914400" indent="0">
+              <a:buNone/>
+              <a:defRPr sz="1200"/>
+            </a:lvl3pPr>
+            <a:lvl4pPr marL="1371600" indent="0">
+              <a:buNone/>
+              <a:defRPr sz="1000"/>
+            </a:lvl4pPr>
+            <a:lvl5pPr marL="1828800" indent="0">
+              <a:buNone/>
+              <a:defRPr sz="1000"/>
+            </a:lvl5pPr>
+            <a:lvl6pPr marL="2286000" indent="0">
+              <a:buNone/>
+              <a:defRPr sz="1000"/>
+            </a:lvl6pPr>
+            <a:lvl7pPr marL="2743200" indent="0">
+              <a:buNone/>
+              <a:defRPr sz="1000"/>
+            </a:lvl7pPr>
+            <a:lvl8pPr marL="3200400" indent="0">
+              <a:buNone/>
+              <a:defRPr sz="1000"/>
+            </a:lvl8pPr>
+            <a:lvl9pPr marL="3657600" indent="0">
+              <a:buNone/>
+              <a:defRPr sz="1000"/>
+            </a:lvl9pPr>
+          </a:lstStyle>
+          <a:p>
+            <a:pPr lvl="0"/>
+            <a:r>
+              <a:rPr lang="pt-BR" smtClean="0"/>
+              <a:t>Editar estilos de texto Mestre</a:t>
+            </a:r>
+          </a:p>
+        </p:txBody>
+      </p:sp>
+      <p:sp>
+        <p:nvSpPr>
+          <p:cNvPr id="5" name="Date Placeholder 4"/>
+          <p:cNvSpPr>
+            <a:spLocks noGrp="1"/>
+          </p:cNvSpPr>
+          <p:nvPr>
+            <p:ph type="dt" sz="half" idx="10"/>
+          </p:nvPr>
+        </p:nvSpPr>
+        <p:spPr/>
+        <p:txBody>
+          <a:bodyPr/>
+          <a:lstStyle/>
+          <a:p>
+            <a:fld id="{B854FCCC-1971-4334-98E6-125E401D5C30}" type="datetimeFigureOut">
+              <a:rPr lang="pt-BR" smtClean="0"/>
+              <a:t>28/08/2019</a:t>
+            </a:fld>
+            <a:endParaRPr lang="pt-BR"/>
+          </a:p>
+        </p:txBody>
+      </p:sp>
+      <p:sp>
+        <p:nvSpPr>
+          <p:cNvPr id="6" name="Footer Placeholder 5"/>
+          <p:cNvSpPr>
+            <a:spLocks noGrp="1"/>
+          </p:cNvSpPr>
+          <p:nvPr>
+            <p:ph type="ftr" sz="quarter" idx="11"/>
+          </p:nvPr>
+        </p:nvSpPr>
+        <p:spPr/>
+        <p:txBody>
+          <a:bodyPr/>
+          <a:lstStyle/>
+          <a:p>
+            <a:endParaRPr lang="pt-BR"/>
+          </a:p>
+        </p:txBody>
+      </p:sp>
+      <p:sp>
+        <p:nvSpPr>
+          <p:cNvPr id="7" name="Slide Number Placeholder 6"/>
+          <p:cNvSpPr>
+            <a:spLocks noGrp="1"/>
+          </p:cNvSpPr>
+          <p:nvPr>
+            <p:ph type="sldNum" sz="quarter" idx="12"/>
+          </p:nvPr>
+        </p:nvSpPr>
+        <p:spPr/>
+        <p:txBody>
+          <a:bodyPr/>
+          <a:lstStyle/>
+          <a:p>
+            <a:fld id="{057F2685-83CE-445D-A6C3-78864DB6B883}" type="slidenum">
+              <a:rPr lang="pt-BR" smtClean="0"/>
+              <a:t>‹nº›</a:t>
+            </a:fld>
+            <a:endParaRPr lang="pt-BR"/>
+          </a:p>
+        </p:txBody>
+      </p:sp>
+    </p:spTree>
+    <p:extLst>
+      <p:ext uri="{BB962C8B-B14F-4D97-AF65-F5344CB8AC3E}">
+        <p14:creationId xmlns:p14="http://schemas.microsoft.com/office/powerpoint/2010/main" val="3581146208"/>
+      </p:ext>
+    </p:extLst>
+  </p:cSld>
+  <p:clrMapOvr>
+    <a:masterClrMapping/>
+  </p:clrMapOvr>
+</p:sldLayout>
+</file>
+
+<file path=ppt/slideLayouts/slideLayout14.xml><?xml version="1.0" encoding="utf-8"?>
+<p:sldLayout xmlns:a="http://schemas.openxmlformats.org/drawingml/2006/main" xmlns:r="http://schemas.openxmlformats.org/officeDocument/2006/relationships" xmlns:p="http://schemas.openxmlformats.org/presentationml/2006/main" preserve="1">
+  <p:cSld name="3 Colunas">
+    <p:spTree>
+      <p:nvGrpSpPr>
+        <p:cNvPr id="1" name=""/>
+        <p:cNvGrpSpPr/>
+        <p:nvPr/>
+      </p:nvGrpSpPr>
+      <p:grpSpPr>
+        <a:xfrm>
+          <a:off x="0" y="0"/>
+          <a:ext cx="0" cy="0"/>
+          <a:chOff x="0" y="0"/>
+          <a:chExt cx="0" cy="0"/>
+        </a:xfrm>
+      </p:grpSpPr>
+      <p:sp>
+        <p:nvSpPr>
+          <p:cNvPr id="15" name="Title 1"/>
+          <p:cNvSpPr>
+            <a:spLocks noGrp="1"/>
+          </p:cNvSpPr>
+          <p:nvPr>
+            <p:ph type="title"/>
+          </p:nvPr>
+        </p:nvSpPr>
+        <p:spPr>
+          <a:xfrm>
+            <a:off x="838200" y="365125"/>
+            <a:ext cx="10515600" cy="1325563"/>
+          </a:xfrm>
+        </p:spPr>
+        <p:txBody>
+          <a:bodyPr/>
+          <a:lstStyle/>
+          <a:p>
+            <a:r>
+              <a:rPr lang="pt-BR" smtClean="0"/>
+              <a:t>Clique para editar o título mestre</a:t>
+            </a:r>
+            <a:endParaRPr lang="en-US" dirty="0"/>
+          </a:p>
+        </p:txBody>
+      </p:sp>
+      <p:sp>
+        <p:nvSpPr>
+          <p:cNvPr id="7" name="Text Placeholder 2"/>
+          <p:cNvSpPr>
+            <a:spLocks noGrp="1"/>
+          </p:cNvSpPr>
+          <p:nvPr>
+            <p:ph type="body" idx="1"/>
+          </p:nvPr>
+        </p:nvSpPr>
+        <p:spPr>
+          <a:xfrm>
+            <a:off x="1337282" y="1885950"/>
+            <a:ext cx="2946866" cy="576262"/>
+          </a:xfrm>
+        </p:spPr>
+        <p:txBody>
+          <a:bodyPr anchor="b">
+            <a:noAutofit/>
+          </a:bodyPr>
+          <a:lstStyle>
+            <a:lvl1pPr marL="0" indent="0">
+              <a:buNone/>
+              <a:defRPr sz="2400" b="0">
+                <a:gradFill>
+                  <a:gsLst>
+                    <a:gs pos="15000">
+                      <a:schemeClr val="tx2"/>
+                    </a:gs>
+                    <a:gs pos="73000">
+                      <a:schemeClr val="tx2">
+                        <a:lumMod val="60000"/>
+                        <a:lumOff val="40000"/>
+                      </a:schemeClr>
+                    </a:gs>
+                    <a:gs pos="0">
+                      <a:schemeClr val="tx2">
+                        <a:lumMod val="90000"/>
+                        <a:lumOff val="10000"/>
+                      </a:schemeClr>
+                    </a:gs>
+                    <a:gs pos="100000">
+                      <a:schemeClr val="tx2">
+                        <a:lumMod val="0"/>
+                        <a:lumOff val="100000"/>
+                      </a:schemeClr>
+                    </a:gs>
+                  </a:gsLst>
+                  <a:lin ang="16200000" scaled="1"/>
+                </a:gradFill>
+              </a:defRPr>
+            </a:lvl1pPr>
+            <a:lvl2pPr marL="457200" indent="0">
+              <a:buNone/>
+              <a:defRPr sz="2000" b="1"/>
+            </a:lvl2pPr>
+            <a:lvl3pPr marL="914400" indent="0">
+              <a:buNone/>
+              <a:defRPr sz="1800" b="1"/>
+            </a:lvl3pPr>
+            <a:lvl4pPr marL="1371600" indent="0">
+              <a:buNone/>
+              <a:defRPr sz="1600" b="1"/>
+            </a:lvl4pPr>
+            <a:lvl5pPr marL="1828800" indent="0">
+              <a:buNone/>
+              <a:defRPr sz="1600" b="1"/>
+            </a:lvl5pPr>
+            <a:lvl6pPr marL="2286000" indent="0">
+              <a:buNone/>
+              <a:defRPr sz="1600" b="1"/>
+            </a:lvl6pPr>
+            <a:lvl7pPr marL="2743200" indent="0">
+              <a:buNone/>
+              <a:defRPr sz="1600" b="1"/>
+            </a:lvl7pPr>
+            <a:lvl8pPr marL="3200400" indent="0">
+              <a:buNone/>
+              <a:defRPr sz="1600" b="1"/>
+            </a:lvl8pPr>
+            <a:lvl9pPr marL="3657600" indent="0">
+              <a:buNone/>
+              <a:defRPr sz="1600" b="1"/>
+            </a:lvl9pPr>
+          </a:lstStyle>
+          <a:p>
+            <a:pPr lvl="0"/>
+            <a:r>
+              <a:rPr lang="pt-BR" smtClean="0"/>
+              <a:t>Editar estilos de texto Mestre</a:t>
+            </a:r>
+          </a:p>
+        </p:txBody>
+      </p:sp>
+      <p:sp>
+        <p:nvSpPr>
+          <p:cNvPr id="8" name="Text Placeholder 3"/>
+          <p:cNvSpPr>
+            <a:spLocks noGrp="1"/>
+          </p:cNvSpPr>
+          <p:nvPr>
+            <p:ph type="body" sz="half" idx="15"/>
+          </p:nvPr>
+        </p:nvSpPr>
+        <p:spPr>
+          <a:xfrm>
+            <a:off x="1356798" y="2571750"/>
+            <a:ext cx="2927350" cy="3589338"/>
+          </a:xfrm>
+        </p:spPr>
+        <p:txBody>
+          <a:bodyPr anchor="t">
+            <a:normAutofit/>
+          </a:bodyPr>
+          <a:lstStyle>
+            <a:lvl1pPr marL="0" indent="0">
+              <a:buNone/>
+              <a:defRPr sz="1400"/>
+            </a:lvl1pPr>
+            <a:lvl2pPr marL="457200" indent="0">
+              <a:buNone/>
+              <a:defRPr sz="1200"/>
+            </a:lvl2pPr>
+            <a:lvl3pPr marL="914400" indent="0">
+              <a:buNone/>
+              <a:defRPr sz="1000"/>
+            </a:lvl3pPr>
+            <a:lvl4pPr marL="1371600" indent="0">
+              <a:buNone/>
+              <a:defRPr sz="900"/>
+            </a:lvl4pPr>
+            <a:lvl5pPr marL="1828800" indent="0">
+              <a:buNone/>
+              <a:defRPr sz="900"/>
+            </a:lvl5pPr>
+            <a:lvl6pPr marL="2286000" indent="0">
+              <a:buNone/>
+              <a:defRPr sz="900"/>
+            </a:lvl6pPr>
+            <a:lvl7pPr marL="2743200" indent="0">
+              <a:buNone/>
+              <a:defRPr sz="900"/>
+            </a:lvl7pPr>
+            <a:lvl8pPr marL="3200400" indent="0">
+              <a:buNone/>
+              <a:defRPr sz="900"/>
+            </a:lvl8pPr>
+            <a:lvl9pPr marL="3657600" indent="0">
+              <a:buNone/>
+              <a:defRPr sz="900"/>
+            </a:lvl9pPr>
+          </a:lstStyle>
+          <a:p>
+            <a:pPr lvl="0"/>
+            <a:r>
+              <a:rPr lang="pt-BR" smtClean="0"/>
+              <a:t>Editar estilos de texto Mestre</a:t>
+            </a:r>
+          </a:p>
+        </p:txBody>
+      </p:sp>
+      <p:sp>
+        <p:nvSpPr>
+          <p:cNvPr id="9" name="Text Placeholder 4"/>
+          <p:cNvSpPr>
+            <a:spLocks noGrp="1"/>
+          </p:cNvSpPr>
+          <p:nvPr>
+            <p:ph type="body" sz="quarter" idx="3"/>
+          </p:nvPr>
+        </p:nvSpPr>
+        <p:spPr>
+          <a:xfrm>
+            <a:off x="4587994" y="1885950"/>
+            <a:ext cx="2936241" cy="576262"/>
+          </a:xfrm>
+        </p:spPr>
+        <p:txBody>
+          <a:bodyPr vert="horz" lIns="91440" tIns="45720" rIns="91440" bIns="45720" rtlCol="0" anchor="b">
+            <a:noAutofit/>
+          </a:bodyPr>
+          <a:lstStyle>
+            <a:lvl1pPr>
+              <a:buNone/>
+              <a:defRPr lang="en-US" sz="2400" b="0">
+                <a:gradFill>
+                  <a:gsLst>
+                    <a:gs pos="15000">
+                      <a:schemeClr val="tx2"/>
+                    </a:gs>
+                    <a:gs pos="73000">
+                      <a:schemeClr val="tx2">
+                        <a:lumMod val="60000"/>
+                        <a:lumOff val="40000"/>
+                      </a:schemeClr>
+                    </a:gs>
+                    <a:gs pos="0">
+                      <a:schemeClr val="tx2">
+                        <a:lumMod val="90000"/>
+                        <a:lumOff val="10000"/>
+                      </a:schemeClr>
+                    </a:gs>
+                    <a:gs pos="100000">
+                      <a:schemeClr val="tx2">
+                        <a:lumMod val="0"/>
+                        <a:lumOff val="100000"/>
+                      </a:schemeClr>
+                    </a:gs>
+                  </a:gsLst>
+                  <a:lin ang="16200000" scaled="1"/>
+                </a:gradFill>
+              </a:defRPr>
+            </a:lvl1pPr>
+          </a:lstStyle>
+          <a:p>
+            <a:pPr marL="0" lvl="0" indent="0">
+              <a:buNone/>
+            </a:pPr>
+            <a:r>
+              <a:rPr lang="pt-BR" smtClean="0"/>
+              <a:t>Editar estilos de texto Mestre</a:t>
+            </a:r>
+          </a:p>
+        </p:txBody>
+      </p:sp>
+      <p:sp>
+        <p:nvSpPr>
+          <p:cNvPr id="10" name="Text Placeholder 3"/>
+          <p:cNvSpPr>
+            <a:spLocks noGrp="1"/>
+          </p:cNvSpPr>
+          <p:nvPr>
+            <p:ph type="body" sz="half" idx="16"/>
+          </p:nvPr>
+        </p:nvSpPr>
+        <p:spPr>
+          <a:xfrm>
+            <a:off x="4577441" y="2571750"/>
+            <a:ext cx="2946794" cy="3589338"/>
+          </a:xfrm>
+        </p:spPr>
+        <p:txBody>
+          <a:bodyPr anchor="t">
+            <a:normAutofit/>
+          </a:bodyPr>
+          <a:lstStyle>
+            <a:lvl1pPr marL="0" indent="0">
+              <a:buNone/>
+              <a:defRPr sz="1400"/>
+            </a:lvl1pPr>
+            <a:lvl2pPr marL="457200" indent="0">
+              <a:buNone/>
+              <a:defRPr sz="1200"/>
+            </a:lvl2pPr>
+            <a:lvl3pPr marL="914400" indent="0">
+              <a:buNone/>
+              <a:defRPr sz="1000"/>
+            </a:lvl3pPr>
+            <a:lvl4pPr marL="1371600" indent="0">
+              <a:buNone/>
+              <a:defRPr sz="900"/>
+            </a:lvl4pPr>
+            <a:lvl5pPr marL="1828800" indent="0">
+              <a:buNone/>
+              <a:defRPr sz="900"/>
+            </a:lvl5pPr>
+            <a:lvl6pPr marL="2286000" indent="0">
+              <a:buNone/>
+              <a:defRPr sz="900"/>
+            </a:lvl6pPr>
+            <a:lvl7pPr marL="2743200" indent="0">
+              <a:buNone/>
+              <a:defRPr sz="900"/>
+            </a:lvl7pPr>
+            <a:lvl8pPr marL="3200400" indent="0">
+              <a:buNone/>
+              <a:defRPr sz="900"/>
+            </a:lvl8pPr>
+            <a:lvl9pPr marL="3657600" indent="0">
+              <a:buNone/>
+              <a:defRPr sz="900"/>
+            </a:lvl9pPr>
+          </a:lstStyle>
+          <a:p>
+            <a:pPr lvl="0"/>
+            <a:r>
+              <a:rPr lang="pt-BR" smtClean="0"/>
+              <a:t>Editar estilos de texto Mestre</a:t>
+            </a:r>
+          </a:p>
+        </p:txBody>
+      </p:sp>
+      <p:sp>
+        <p:nvSpPr>
+          <p:cNvPr id="11" name="Text Placeholder 4"/>
+          <p:cNvSpPr>
+            <a:spLocks noGrp="1"/>
+          </p:cNvSpPr>
+          <p:nvPr>
+            <p:ph type="body" sz="quarter" idx="13"/>
+          </p:nvPr>
+        </p:nvSpPr>
+        <p:spPr>
+          <a:xfrm>
+            <a:off x="7829035" y="1885950"/>
+            <a:ext cx="2932113" cy="576262"/>
+          </a:xfrm>
+        </p:spPr>
+        <p:txBody>
+          <a:bodyPr vert="horz" lIns="91440" tIns="45720" rIns="91440" bIns="45720" rtlCol="0" anchor="b">
+            <a:noAutofit/>
+          </a:bodyPr>
+          <a:lstStyle>
+            <a:lvl1pPr>
+              <a:buNone/>
+              <a:defRPr lang="en-US" sz="2400" b="0" dirty="0">
+                <a:gradFill>
+                  <a:gsLst>
+                    <a:gs pos="15000">
+                      <a:schemeClr val="tx2"/>
+                    </a:gs>
+                    <a:gs pos="73000">
+                      <a:schemeClr val="tx2">
+                        <a:lumMod val="60000"/>
+                        <a:lumOff val="40000"/>
+                      </a:schemeClr>
+                    </a:gs>
+                    <a:gs pos="0">
+                      <a:schemeClr val="tx2">
+                        <a:lumMod val="90000"/>
+                        <a:lumOff val="10000"/>
+                      </a:schemeClr>
+                    </a:gs>
+                    <a:gs pos="100000">
+                      <a:schemeClr val="tx2">
+                        <a:lumMod val="0"/>
+                        <a:lumOff val="100000"/>
+                      </a:schemeClr>
+                    </a:gs>
+                  </a:gsLst>
+                  <a:lin ang="16200000" scaled="1"/>
+                </a:gradFill>
+              </a:defRPr>
+            </a:lvl1pPr>
+          </a:lstStyle>
+          <a:p>
+            <a:pPr marL="0" lvl="0" indent="0">
+              <a:buNone/>
+            </a:pPr>
+            <a:r>
+              <a:rPr lang="pt-BR" smtClean="0"/>
+              <a:t>Editar estilos de texto Mestre</a:t>
+            </a:r>
+          </a:p>
+        </p:txBody>
+      </p:sp>
+      <p:sp>
+        <p:nvSpPr>
+          <p:cNvPr id="12" name="Text Placeholder 3"/>
+          <p:cNvSpPr>
+            <a:spLocks noGrp="1"/>
+          </p:cNvSpPr>
+          <p:nvPr>
+            <p:ph type="body" sz="half" idx="17"/>
+          </p:nvPr>
+        </p:nvSpPr>
+        <p:spPr>
+          <a:xfrm>
+            <a:off x="7829035" y="2571750"/>
+            <a:ext cx="2932113" cy="3589338"/>
+          </a:xfrm>
+        </p:spPr>
+        <p:txBody>
+          <a:bodyPr anchor="t">
+            <a:normAutofit/>
+          </a:bodyPr>
+          <a:lstStyle>
+            <a:lvl1pPr marL="0" indent="0">
+              <a:buNone/>
+              <a:defRPr sz="1400"/>
+            </a:lvl1pPr>
+            <a:lvl2pPr marL="457200" indent="0">
+              <a:buNone/>
+              <a:defRPr sz="1200"/>
+            </a:lvl2pPr>
+            <a:lvl3pPr marL="914400" indent="0">
+              <a:buNone/>
+              <a:defRPr sz="1000"/>
+            </a:lvl3pPr>
+            <a:lvl4pPr marL="1371600" indent="0">
+              <a:buNone/>
+              <a:defRPr sz="900"/>
+            </a:lvl4pPr>
+            <a:lvl5pPr marL="1828800" indent="0">
+              <a:buNone/>
+              <a:defRPr sz="900"/>
+            </a:lvl5pPr>
+            <a:lvl6pPr marL="2286000" indent="0">
+              <a:buNone/>
+              <a:defRPr sz="900"/>
+            </a:lvl6pPr>
+            <a:lvl7pPr marL="2743200" indent="0">
+              <a:buNone/>
+              <a:defRPr sz="900"/>
+            </a:lvl7pPr>
+            <a:lvl8pPr marL="3200400" indent="0">
+              <a:buNone/>
+              <a:defRPr sz="900"/>
+            </a:lvl8pPr>
+            <a:lvl9pPr marL="3657600" indent="0">
+              <a:buNone/>
+              <a:defRPr sz="900"/>
+            </a:lvl9pPr>
+          </a:lstStyle>
+          <a:p>
+            <a:pPr lvl="0"/>
+            <a:r>
+              <a:rPr lang="pt-BR" smtClean="0"/>
+              <a:t>Editar estilos de texto Mestre</a:t>
+            </a:r>
+          </a:p>
+        </p:txBody>
+      </p:sp>
+      <p:sp>
+        <p:nvSpPr>
+          <p:cNvPr id="3" name="Date Placeholder 2"/>
+          <p:cNvSpPr>
+            <a:spLocks noGrp="1"/>
+          </p:cNvSpPr>
+          <p:nvPr>
+            <p:ph type="dt" sz="half" idx="10"/>
+          </p:nvPr>
+        </p:nvSpPr>
+        <p:spPr/>
+        <p:txBody>
+          <a:bodyPr/>
+          <a:lstStyle/>
+          <a:p>
+            <a:fld id="{B854FCCC-1971-4334-98E6-125E401D5C30}" type="datetimeFigureOut">
+              <a:rPr lang="pt-BR" smtClean="0"/>
+              <a:t>28/08/2019</a:t>
+            </a:fld>
+            <a:endParaRPr lang="pt-BR"/>
+          </a:p>
+        </p:txBody>
+      </p:sp>
+      <p:sp>
+        <p:nvSpPr>
+          <p:cNvPr id="4" name="Footer Placeholder 3"/>
+          <p:cNvSpPr>
+            <a:spLocks noGrp="1"/>
+          </p:cNvSpPr>
+          <p:nvPr>
+            <p:ph type="ftr" sz="quarter" idx="11"/>
+          </p:nvPr>
+        </p:nvSpPr>
+        <p:spPr/>
+        <p:txBody>
+          <a:bodyPr/>
+          <a:lstStyle/>
+          <a:p>
+            <a:endParaRPr lang="pt-BR"/>
+          </a:p>
+        </p:txBody>
+      </p:sp>
+      <p:sp>
+        <p:nvSpPr>
+          <p:cNvPr id="5" name="Slide Number Placeholder 4"/>
+          <p:cNvSpPr>
+            <a:spLocks noGrp="1"/>
+          </p:cNvSpPr>
+          <p:nvPr>
+            <p:ph type="sldNum" sz="quarter" idx="12"/>
+          </p:nvPr>
+        </p:nvSpPr>
+        <p:spPr/>
+        <p:txBody>
+          <a:bodyPr/>
+          <a:lstStyle/>
+          <a:p>
+            <a:fld id="{057F2685-83CE-445D-A6C3-78864DB6B883}" type="slidenum">
+              <a:rPr lang="pt-BR" smtClean="0"/>
+              <a:t>‹nº›</a:t>
+            </a:fld>
+            <a:endParaRPr lang="pt-BR"/>
+          </a:p>
+        </p:txBody>
+      </p:sp>
+    </p:spTree>
+    <p:extLst>
+      <p:ext uri="{BB962C8B-B14F-4D97-AF65-F5344CB8AC3E}">
+        <p14:creationId xmlns:p14="http://schemas.microsoft.com/office/powerpoint/2010/main" val="3795268197"/>
+      </p:ext>
+    </p:extLst>
+  </p:cSld>
+  <p:clrMapOvr>
+    <a:masterClrMapping/>
+  </p:clrMapOvr>
+</p:sldLayout>
+</file>
+
+<file path=ppt/slideLayouts/slideLayout15.xml><?xml version="1.0" encoding="utf-8"?>
+<p:sldLayout xmlns:a="http://schemas.openxmlformats.org/drawingml/2006/main" xmlns:r="http://schemas.openxmlformats.org/officeDocument/2006/relationships" xmlns:p="http://schemas.openxmlformats.org/presentationml/2006/main" preserve="1">
+  <p:cSld name="3 Colunas de Imagem">
+    <p:spTree>
+      <p:nvGrpSpPr>
+        <p:cNvPr id="1" name=""/>
+        <p:cNvGrpSpPr/>
+        <p:nvPr/>
+      </p:nvGrpSpPr>
+      <p:grpSpPr>
+        <a:xfrm>
+          <a:off x="0" y="0"/>
+          <a:ext cx="0" cy="0"/>
+          <a:chOff x="0" y="0"/>
+          <a:chExt cx="0" cy="0"/>
+        </a:xfrm>
+      </p:grpSpPr>
+      <p:sp>
+        <p:nvSpPr>
+          <p:cNvPr id="30" name="Title 1"/>
+          <p:cNvSpPr>
+            <a:spLocks noGrp="1"/>
+          </p:cNvSpPr>
+          <p:nvPr>
+            <p:ph type="title"/>
+          </p:nvPr>
+        </p:nvSpPr>
+        <p:spPr>
+          <a:xfrm>
+            <a:off x="838200" y="365125"/>
+            <a:ext cx="10515600" cy="1325563"/>
+          </a:xfrm>
+        </p:spPr>
+        <p:txBody>
+          <a:bodyPr/>
+          <a:lstStyle/>
+          <a:p>
+            <a:r>
+              <a:rPr lang="pt-BR" smtClean="0"/>
+              <a:t>Clique para editar o título mestre</a:t>
+            </a:r>
+            <a:endParaRPr lang="en-US" dirty="0"/>
+          </a:p>
+        </p:txBody>
+      </p:sp>
+      <p:sp>
+        <p:nvSpPr>
+          <p:cNvPr id="19" name="Text Placeholder 2"/>
+          <p:cNvSpPr>
+            <a:spLocks noGrp="1"/>
+          </p:cNvSpPr>
+          <p:nvPr>
+            <p:ph type="body" idx="1"/>
+          </p:nvPr>
+        </p:nvSpPr>
+        <p:spPr>
+          <a:xfrm>
+            <a:off x="1332085" y="4297503"/>
+            <a:ext cx="2940050" cy="576262"/>
+          </a:xfrm>
+        </p:spPr>
+        <p:txBody>
+          <a:bodyPr anchor="b">
+            <a:noAutofit/>
+          </a:bodyPr>
+          <a:lstStyle>
+            <a:lvl1pPr marL="0" indent="0">
+              <a:buNone/>
+              <a:defRPr sz="2400" b="0">
+                <a:gradFill>
+                  <a:gsLst>
+                    <a:gs pos="34000">
+                      <a:schemeClr val="tx1">
+                        <a:lumMod val="93000"/>
+                      </a:schemeClr>
+                    </a:gs>
+                    <a:gs pos="0">
+                      <a:schemeClr val="bg1">
+                        <a:lumMod val="41000"/>
+                        <a:lumOff val="59000"/>
+                      </a:schemeClr>
+                    </a:gs>
+                    <a:gs pos="100000">
+                      <a:schemeClr val="tx2">
+                        <a:lumMod val="0"/>
+                        <a:lumOff val="100000"/>
+                      </a:schemeClr>
+                    </a:gs>
+                  </a:gsLst>
+                  <a:lin ang="4800000" scaled="0"/>
+                </a:gradFill>
+              </a:defRPr>
+            </a:lvl1pPr>
+            <a:lvl2pPr marL="457200" indent="0">
+              <a:buNone/>
+              <a:defRPr sz="2000" b="1"/>
+            </a:lvl2pPr>
+            <a:lvl3pPr marL="914400" indent="0">
+              <a:buNone/>
+              <a:defRPr sz="1800" b="1"/>
+            </a:lvl3pPr>
+            <a:lvl4pPr marL="1371600" indent="0">
+              <a:buNone/>
+              <a:defRPr sz="1600" b="1"/>
+            </a:lvl4pPr>
+            <a:lvl5pPr marL="1828800" indent="0">
+              <a:buNone/>
+              <a:defRPr sz="1600" b="1"/>
+            </a:lvl5pPr>
+            <a:lvl6pPr marL="2286000" indent="0">
+              <a:buNone/>
+              <a:defRPr sz="1600" b="1"/>
+            </a:lvl6pPr>
+            <a:lvl7pPr marL="2743200" indent="0">
+              <a:buNone/>
+              <a:defRPr sz="1600" b="1"/>
+            </a:lvl7pPr>
+            <a:lvl8pPr marL="3200400" indent="0">
+              <a:buNone/>
+              <a:defRPr sz="1600" b="1"/>
+            </a:lvl8pPr>
+            <a:lvl9pPr marL="3657600" indent="0">
+              <a:buNone/>
+              <a:defRPr sz="1600" b="1"/>
+            </a:lvl9pPr>
+          </a:lstStyle>
+          <a:p>
+            <a:pPr lvl="0"/>
+            <a:r>
+              <a:rPr lang="pt-BR" smtClean="0"/>
+              <a:t>Editar estilos de texto Mestre</a:t>
+            </a:r>
+          </a:p>
+        </p:txBody>
+      </p:sp>
+      <p:sp>
+        <p:nvSpPr>
+          <p:cNvPr id="20" name="Picture Placeholder 2"/>
+          <p:cNvSpPr>
+            <a:spLocks noGrp="1" noChangeAspect="1"/>
+          </p:cNvSpPr>
+          <p:nvPr>
+            <p:ph type="pic" idx="15"/>
+          </p:nvPr>
+        </p:nvSpPr>
+        <p:spPr>
+          <a:xfrm>
+            <a:off x="1332085" y="2256354"/>
+            <a:ext cx="2940050" cy="1524000"/>
+          </a:xfrm>
+          <a:prstGeom prst="roundRect">
+            <a:avLst>
+              <a:gd name="adj" fmla="val 1858"/>
+            </a:avLst>
+          </a:prstGeom>
+          <a:effectLst>
+            <a:outerShdw blurRad="50800" dist="50800" dir="5400000" algn="tl" rotWithShape="0">
+              <a:srgbClr val="000000">
+                <a:alpha val="43000"/>
+              </a:srgbClr>
+            </a:outerShdw>
+          </a:effectLst>
+        </p:spPr>
+        <p:txBody>
+          <a:bodyPr anchor="t">
+            <a:normAutofit/>
+          </a:bodyPr>
+          <a:lstStyle>
+            <a:lvl1pPr marL="0" indent="0" algn="ctr">
+              <a:buNone/>
+              <a:defRPr sz="1600"/>
+            </a:lvl1pPr>
+            <a:lvl2pPr marL="457200" indent="0">
+              <a:buNone/>
+              <a:defRPr sz="1600"/>
+            </a:lvl2pPr>
+            <a:lvl3pPr marL="914400" indent="0">
+              <a:buNone/>
+              <a:defRPr sz="1600"/>
+            </a:lvl3pPr>
+            <a:lvl4pPr marL="1371600" indent="0">
+              <a:buNone/>
+              <a:defRPr sz="1600"/>
+            </a:lvl4pPr>
+            <a:lvl5pPr marL="1828800" indent="0">
+              <a:buNone/>
+              <a:defRPr sz="1600"/>
+            </a:lvl5pPr>
+            <a:lvl6pPr marL="2286000" indent="0">
+              <a:buNone/>
+              <a:defRPr sz="1600"/>
+            </a:lvl6pPr>
+            <a:lvl7pPr marL="2743200" indent="0">
+              <a:buNone/>
+              <a:defRPr sz="1600"/>
+            </a:lvl7pPr>
+            <a:lvl8pPr marL="3200400" indent="0">
+              <a:buNone/>
+              <a:defRPr sz="1600"/>
+            </a:lvl8pPr>
+            <a:lvl9pPr marL="3657600" indent="0">
+              <a:buNone/>
+              <a:defRPr sz="1600"/>
+            </a:lvl9pPr>
+          </a:lstStyle>
+          <a:p>
+            <a:r>
+              <a:rPr lang="pt-BR" smtClean="0"/>
+              <a:t>Clique no ícone para adicionar uma imagem</a:t>
+            </a:r>
+            <a:endParaRPr lang="en-US" dirty="0"/>
+          </a:p>
+        </p:txBody>
+      </p:sp>
+      <p:sp>
+        <p:nvSpPr>
+          <p:cNvPr id="21" name="Text Placeholder 3"/>
+          <p:cNvSpPr>
+            <a:spLocks noGrp="1"/>
+          </p:cNvSpPr>
+          <p:nvPr>
+            <p:ph type="body" sz="half" idx="18"/>
+          </p:nvPr>
+        </p:nvSpPr>
+        <p:spPr>
+          <a:xfrm>
+            <a:off x="1332085" y="4873765"/>
+            <a:ext cx="2940050" cy="659189"/>
+          </a:xfrm>
+        </p:spPr>
+        <p:txBody>
+          <a:bodyPr anchor="t">
+            <a:normAutofit/>
+          </a:bodyPr>
+          <a:lstStyle>
+            <a:lvl1pPr marL="0" indent="0">
+              <a:buNone/>
+              <a:defRPr sz="1400"/>
+            </a:lvl1pPr>
+            <a:lvl2pPr marL="457200" indent="0">
+              <a:buNone/>
+              <a:defRPr sz="1200"/>
+            </a:lvl2pPr>
+            <a:lvl3pPr marL="914400" indent="0">
+              <a:buNone/>
+              <a:defRPr sz="1000"/>
+            </a:lvl3pPr>
+            <a:lvl4pPr marL="1371600" indent="0">
+              <a:buNone/>
+              <a:defRPr sz="900"/>
+            </a:lvl4pPr>
+            <a:lvl5pPr marL="1828800" indent="0">
+              <a:buNone/>
+              <a:defRPr sz="900"/>
+            </a:lvl5pPr>
+            <a:lvl6pPr marL="2286000" indent="0">
+              <a:buNone/>
+              <a:defRPr sz="900"/>
+            </a:lvl6pPr>
+            <a:lvl7pPr marL="2743200" indent="0">
+              <a:buNone/>
+              <a:defRPr sz="900"/>
+            </a:lvl7pPr>
+            <a:lvl8pPr marL="3200400" indent="0">
+              <a:buNone/>
+              <a:defRPr sz="900"/>
+            </a:lvl8pPr>
+            <a:lvl9pPr marL="3657600" indent="0">
+              <a:buNone/>
+              <a:defRPr sz="900"/>
+            </a:lvl9pPr>
+          </a:lstStyle>
+          <a:p>
+            <a:pPr lvl="0"/>
+            <a:r>
+              <a:rPr lang="pt-BR" smtClean="0"/>
+              <a:t>Editar estilos de texto Mestre</a:t>
+            </a:r>
+          </a:p>
+        </p:txBody>
+      </p:sp>
+      <p:sp>
+        <p:nvSpPr>
+          <p:cNvPr id="22" name="Text Placeholder 4"/>
+          <p:cNvSpPr>
+            <a:spLocks noGrp="1"/>
+          </p:cNvSpPr>
+          <p:nvPr>
+            <p:ph type="body" sz="quarter" idx="3"/>
+          </p:nvPr>
+        </p:nvSpPr>
+        <p:spPr>
+          <a:xfrm>
+            <a:off x="4568997" y="4297503"/>
+            <a:ext cx="2930525" cy="576262"/>
+          </a:xfrm>
+        </p:spPr>
+        <p:txBody>
+          <a:bodyPr anchor="b">
+            <a:noAutofit/>
+          </a:bodyPr>
+          <a:lstStyle>
+            <a:lvl1pPr marL="0" indent="0">
+              <a:buNone/>
+              <a:defRPr sz="2400" b="0">
+                <a:gradFill>
+                  <a:gsLst>
+                    <a:gs pos="34000">
+                      <a:schemeClr val="tx1">
+                        <a:lumMod val="93000"/>
+                      </a:schemeClr>
+                    </a:gs>
+                    <a:gs pos="0">
+                      <a:schemeClr val="bg1">
+                        <a:lumMod val="41000"/>
+                        <a:lumOff val="59000"/>
+                      </a:schemeClr>
+                    </a:gs>
+                    <a:gs pos="100000">
+                      <a:schemeClr val="tx2">
+                        <a:lumMod val="0"/>
+                        <a:lumOff val="100000"/>
+                      </a:schemeClr>
+                    </a:gs>
+                  </a:gsLst>
+                  <a:lin ang="4800000" scaled="0"/>
+                </a:gradFill>
+              </a:defRPr>
+            </a:lvl1pPr>
+            <a:lvl2pPr marL="457200" indent="0">
+              <a:buNone/>
+              <a:defRPr sz="2000" b="1"/>
+            </a:lvl2pPr>
+            <a:lvl3pPr marL="914400" indent="0">
+              <a:buNone/>
+              <a:defRPr sz="1800" b="1"/>
+            </a:lvl3pPr>
+            <a:lvl4pPr marL="1371600" indent="0">
+              <a:buNone/>
+              <a:defRPr sz="1600" b="1"/>
+            </a:lvl4pPr>
+            <a:lvl5pPr marL="1828800" indent="0">
+              <a:buNone/>
+              <a:defRPr sz="1600" b="1"/>
+            </a:lvl5pPr>
+            <a:lvl6pPr marL="2286000" indent="0">
+              <a:buNone/>
+              <a:defRPr sz="1600" b="1"/>
+            </a:lvl6pPr>
+            <a:lvl7pPr marL="2743200" indent="0">
+              <a:buNone/>
+              <a:defRPr sz="1600" b="1"/>
+            </a:lvl7pPr>
+            <a:lvl8pPr marL="3200400" indent="0">
+              <a:buNone/>
+              <a:defRPr sz="1600" b="1"/>
+            </a:lvl8pPr>
+            <a:lvl9pPr marL="3657600" indent="0">
+              <a:buNone/>
+              <a:defRPr sz="1600" b="1"/>
+            </a:lvl9pPr>
+          </a:lstStyle>
+          <a:p>
+            <a:pPr lvl="0"/>
+            <a:r>
+              <a:rPr lang="pt-BR" smtClean="0"/>
+              <a:t>Editar estilos de texto Mestre</a:t>
+            </a:r>
+          </a:p>
+        </p:txBody>
+      </p:sp>
+      <p:sp>
+        <p:nvSpPr>
+          <p:cNvPr id="23" name="Picture Placeholder 2"/>
+          <p:cNvSpPr>
+            <a:spLocks noGrp="1" noChangeAspect="1"/>
+          </p:cNvSpPr>
+          <p:nvPr>
+            <p:ph type="pic" idx="21"/>
+          </p:nvPr>
+        </p:nvSpPr>
+        <p:spPr>
+          <a:xfrm>
+            <a:off x="4568996" y="2256354"/>
+            <a:ext cx="2930525" cy="1524000"/>
+          </a:xfrm>
+          <a:prstGeom prst="roundRect">
+            <a:avLst>
+              <a:gd name="adj" fmla="val 1858"/>
+            </a:avLst>
+          </a:prstGeom>
+          <a:effectLst>
+            <a:outerShdw blurRad="50800" dist="50800" dir="5400000" algn="tl" rotWithShape="0">
+              <a:srgbClr val="000000">
+                <a:alpha val="43000"/>
+              </a:srgbClr>
+            </a:outerShdw>
+          </a:effectLst>
+        </p:spPr>
+        <p:txBody>
+          <a:bodyPr anchor="t">
+            <a:normAutofit/>
+          </a:bodyPr>
+          <a:lstStyle>
+            <a:lvl1pPr marL="0" indent="0" algn="ctr">
+              <a:buNone/>
+              <a:defRPr sz="1600"/>
+            </a:lvl1pPr>
+            <a:lvl2pPr marL="457200" indent="0">
+              <a:buNone/>
+              <a:defRPr sz="1600"/>
+            </a:lvl2pPr>
+            <a:lvl3pPr marL="914400" indent="0">
+              <a:buNone/>
+              <a:defRPr sz="1600"/>
+            </a:lvl3pPr>
+            <a:lvl4pPr marL="1371600" indent="0">
+              <a:buNone/>
+              <a:defRPr sz="1600"/>
+            </a:lvl4pPr>
+            <a:lvl5pPr marL="1828800" indent="0">
+              <a:buNone/>
+              <a:defRPr sz="1600"/>
+            </a:lvl5pPr>
+            <a:lvl6pPr marL="2286000" indent="0">
+              <a:buNone/>
+              <a:defRPr sz="1600"/>
+            </a:lvl6pPr>
+            <a:lvl7pPr marL="2743200" indent="0">
+              <a:buNone/>
+              <a:defRPr sz="1600"/>
+            </a:lvl7pPr>
+            <a:lvl8pPr marL="3200400" indent="0">
+              <a:buNone/>
+              <a:defRPr sz="1600"/>
+            </a:lvl8pPr>
+            <a:lvl9pPr marL="3657600" indent="0">
+              <a:buNone/>
+              <a:defRPr sz="1600"/>
+            </a:lvl9pPr>
+          </a:lstStyle>
+          <a:p>
+            <a:r>
+              <a:rPr lang="pt-BR" smtClean="0"/>
+              <a:t>Clique no ícone para adicionar uma imagem</a:t>
+            </a:r>
+            <a:endParaRPr lang="en-US" dirty="0"/>
+          </a:p>
+        </p:txBody>
+      </p:sp>
+      <p:sp>
+        <p:nvSpPr>
+          <p:cNvPr id="24" name="Text Placeholder 3"/>
+          <p:cNvSpPr>
+            <a:spLocks noGrp="1"/>
+          </p:cNvSpPr>
+          <p:nvPr>
+            <p:ph type="body" sz="half" idx="19"/>
+          </p:nvPr>
+        </p:nvSpPr>
+        <p:spPr>
+          <a:xfrm>
+            <a:off x="4567644" y="4873764"/>
+            <a:ext cx="2934406" cy="659189"/>
+          </a:xfrm>
+        </p:spPr>
+        <p:txBody>
+          <a:bodyPr anchor="t">
+            <a:normAutofit/>
+          </a:bodyPr>
+          <a:lstStyle>
+            <a:lvl1pPr marL="0" indent="0">
+              <a:buNone/>
+              <a:defRPr sz="1400"/>
+            </a:lvl1pPr>
+            <a:lvl2pPr marL="457200" indent="0">
+              <a:buNone/>
+              <a:defRPr sz="1200"/>
+            </a:lvl2pPr>
+            <a:lvl3pPr marL="914400" indent="0">
+              <a:buNone/>
+              <a:defRPr sz="1000"/>
+            </a:lvl3pPr>
+            <a:lvl4pPr marL="1371600" indent="0">
+              <a:buNone/>
+              <a:defRPr sz="900"/>
+            </a:lvl4pPr>
+            <a:lvl5pPr marL="1828800" indent="0">
+              <a:buNone/>
+              <a:defRPr sz="900"/>
+            </a:lvl5pPr>
+            <a:lvl6pPr marL="2286000" indent="0">
+              <a:buNone/>
+              <a:defRPr sz="900"/>
+            </a:lvl6pPr>
+            <a:lvl7pPr marL="2743200" indent="0">
+              <a:buNone/>
+              <a:defRPr sz="900"/>
+            </a:lvl7pPr>
+            <a:lvl8pPr marL="3200400" indent="0">
+              <a:buNone/>
+              <a:defRPr sz="900"/>
+            </a:lvl8pPr>
+            <a:lvl9pPr marL="3657600" indent="0">
+              <a:buNone/>
+              <a:defRPr sz="900"/>
+            </a:lvl9pPr>
+          </a:lstStyle>
+          <a:p>
+            <a:pPr lvl="0"/>
+            <a:r>
+              <a:rPr lang="pt-BR" smtClean="0"/>
+              <a:t>Editar estilos de texto Mestre</a:t>
+            </a:r>
+          </a:p>
+        </p:txBody>
+      </p:sp>
+      <p:sp>
+        <p:nvSpPr>
+          <p:cNvPr id="25" name="Text Placeholder 4"/>
+          <p:cNvSpPr>
+            <a:spLocks noGrp="1"/>
+          </p:cNvSpPr>
+          <p:nvPr>
+            <p:ph type="body" sz="quarter" idx="13"/>
+          </p:nvPr>
+        </p:nvSpPr>
+        <p:spPr>
+          <a:xfrm>
+            <a:off x="7804322" y="4297503"/>
+            <a:ext cx="2932113" cy="576262"/>
+          </a:xfrm>
+        </p:spPr>
+        <p:txBody>
+          <a:bodyPr anchor="b">
+            <a:noAutofit/>
+          </a:bodyPr>
+          <a:lstStyle>
+            <a:lvl1pPr marL="0" indent="0">
+              <a:buNone/>
+              <a:defRPr sz="2400" b="0">
+                <a:gradFill>
+                  <a:gsLst>
+                    <a:gs pos="34000">
+                      <a:schemeClr val="tx1">
+                        <a:lumMod val="93000"/>
+                      </a:schemeClr>
+                    </a:gs>
+                    <a:gs pos="0">
+                      <a:schemeClr val="bg1">
+                        <a:lumMod val="41000"/>
+                        <a:lumOff val="59000"/>
+                      </a:schemeClr>
+                    </a:gs>
+                    <a:gs pos="100000">
+                      <a:schemeClr val="tx2">
+                        <a:lumMod val="0"/>
+                        <a:lumOff val="100000"/>
+                      </a:schemeClr>
+                    </a:gs>
+                  </a:gsLst>
+                  <a:lin ang="4800000" scaled="0"/>
+                </a:gradFill>
+              </a:defRPr>
+            </a:lvl1pPr>
+            <a:lvl2pPr marL="457200" indent="0">
+              <a:buNone/>
+              <a:defRPr sz="2000" b="1"/>
+            </a:lvl2pPr>
+            <a:lvl3pPr marL="914400" indent="0">
+              <a:buNone/>
+              <a:defRPr sz="1800" b="1"/>
+            </a:lvl3pPr>
+            <a:lvl4pPr marL="1371600" indent="0">
+              <a:buNone/>
+              <a:defRPr sz="1600" b="1"/>
+            </a:lvl4pPr>
+            <a:lvl5pPr marL="1828800" indent="0">
+              <a:buNone/>
+              <a:defRPr sz="1600" b="1"/>
+            </a:lvl5pPr>
+            <a:lvl6pPr marL="2286000" indent="0">
+              <a:buNone/>
+              <a:defRPr sz="1600" b="1"/>
+            </a:lvl6pPr>
+            <a:lvl7pPr marL="2743200" indent="0">
+              <a:buNone/>
+              <a:defRPr sz="1600" b="1"/>
+            </a:lvl7pPr>
+            <a:lvl8pPr marL="3200400" indent="0">
+              <a:buNone/>
+              <a:defRPr sz="1600" b="1"/>
+            </a:lvl8pPr>
+            <a:lvl9pPr marL="3657600" indent="0">
+              <a:buNone/>
+              <a:defRPr sz="1600" b="1"/>
+            </a:lvl9pPr>
+          </a:lstStyle>
+          <a:p>
+            <a:pPr lvl="0"/>
+            <a:r>
+              <a:rPr lang="pt-BR" smtClean="0"/>
+              <a:t>Editar estilos de texto Mestre</a:t>
+            </a:r>
+          </a:p>
+        </p:txBody>
+      </p:sp>
+      <p:sp>
+        <p:nvSpPr>
+          <p:cNvPr id="26" name="Picture Placeholder 2"/>
+          <p:cNvSpPr>
+            <a:spLocks noGrp="1" noChangeAspect="1"/>
+          </p:cNvSpPr>
+          <p:nvPr>
+            <p:ph type="pic" idx="22"/>
+          </p:nvPr>
+        </p:nvSpPr>
+        <p:spPr>
+          <a:xfrm>
+            <a:off x="7804321" y="2256354"/>
+            <a:ext cx="2932113" cy="1524000"/>
+          </a:xfrm>
+          <a:prstGeom prst="roundRect">
+            <a:avLst>
+              <a:gd name="adj" fmla="val 1858"/>
+            </a:avLst>
+          </a:prstGeom>
+          <a:effectLst>
+            <a:outerShdw blurRad="50800" dist="50800" dir="5400000" algn="tl" rotWithShape="0">
+              <a:srgbClr val="000000">
+                <a:alpha val="43000"/>
+              </a:srgbClr>
+            </a:outerShdw>
+          </a:effectLst>
+        </p:spPr>
+        <p:txBody>
+          <a:bodyPr anchor="t">
+            <a:normAutofit/>
+          </a:bodyPr>
+          <a:lstStyle>
+            <a:lvl1pPr marL="0" indent="0" algn="ctr">
+              <a:buNone/>
+              <a:defRPr sz="1600"/>
+            </a:lvl1pPr>
+            <a:lvl2pPr marL="457200" indent="0">
+              <a:buNone/>
+              <a:defRPr sz="1600"/>
+            </a:lvl2pPr>
+            <a:lvl3pPr marL="914400" indent="0">
+              <a:buNone/>
+              <a:defRPr sz="1600"/>
+            </a:lvl3pPr>
+            <a:lvl4pPr marL="1371600" indent="0">
+              <a:buNone/>
+              <a:defRPr sz="1600"/>
+            </a:lvl4pPr>
+            <a:lvl5pPr marL="1828800" indent="0">
+              <a:buNone/>
+              <a:defRPr sz="1600"/>
+            </a:lvl5pPr>
+            <a:lvl6pPr marL="2286000" indent="0">
+              <a:buNone/>
+              <a:defRPr sz="1600"/>
+            </a:lvl6pPr>
+            <a:lvl7pPr marL="2743200" indent="0">
+              <a:buNone/>
+              <a:defRPr sz="1600"/>
+            </a:lvl7pPr>
+            <a:lvl8pPr marL="3200400" indent="0">
+              <a:buNone/>
+              <a:defRPr sz="1600"/>
+            </a:lvl8pPr>
+            <a:lvl9pPr marL="3657600" indent="0">
+              <a:buNone/>
+              <a:defRPr sz="1600"/>
+            </a:lvl9pPr>
+          </a:lstStyle>
+          <a:p>
+            <a:r>
+              <a:rPr lang="pt-BR" smtClean="0"/>
+              <a:t>Clique no ícone para adicionar uma imagem</a:t>
+            </a:r>
+            <a:endParaRPr lang="en-US" dirty="0"/>
+          </a:p>
+        </p:txBody>
+      </p:sp>
+      <p:sp>
+        <p:nvSpPr>
+          <p:cNvPr id="27" name="Text Placeholder 3"/>
+          <p:cNvSpPr>
+            <a:spLocks noGrp="1"/>
+          </p:cNvSpPr>
+          <p:nvPr>
+            <p:ph type="body" sz="half" idx="20"/>
+          </p:nvPr>
+        </p:nvSpPr>
+        <p:spPr>
+          <a:xfrm>
+            <a:off x="7804197" y="4873762"/>
+            <a:ext cx="2935997" cy="659189"/>
+          </a:xfrm>
+        </p:spPr>
+        <p:txBody>
+          <a:bodyPr anchor="t">
+            <a:normAutofit/>
+          </a:bodyPr>
+          <a:lstStyle>
+            <a:lvl1pPr marL="0" indent="0">
+              <a:buNone/>
+              <a:defRPr sz="1400"/>
+            </a:lvl1pPr>
+            <a:lvl2pPr marL="457200" indent="0">
+              <a:buNone/>
+              <a:defRPr sz="1200"/>
+            </a:lvl2pPr>
+            <a:lvl3pPr marL="914400" indent="0">
+              <a:buNone/>
+              <a:defRPr sz="1000"/>
+            </a:lvl3pPr>
+            <a:lvl4pPr marL="1371600" indent="0">
+              <a:buNone/>
+              <a:defRPr sz="900"/>
+            </a:lvl4pPr>
+            <a:lvl5pPr marL="1828800" indent="0">
+              <a:buNone/>
+              <a:defRPr sz="900"/>
+            </a:lvl5pPr>
+            <a:lvl6pPr marL="2286000" indent="0">
+              <a:buNone/>
+              <a:defRPr sz="900"/>
+            </a:lvl6pPr>
+            <a:lvl7pPr marL="2743200" indent="0">
+              <a:buNone/>
+              <a:defRPr sz="900"/>
+            </a:lvl7pPr>
+            <a:lvl8pPr marL="3200400" indent="0">
+              <a:buNone/>
+              <a:defRPr sz="900"/>
+            </a:lvl8pPr>
+            <a:lvl9pPr marL="3657600" indent="0">
+              <a:buNone/>
+              <a:defRPr sz="900"/>
+            </a:lvl9pPr>
+          </a:lstStyle>
+          <a:p>
+            <a:pPr lvl="0"/>
+            <a:r>
+              <a:rPr lang="pt-BR" smtClean="0"/>
+              <a:t>Editar estilos de texto Mestre</a:t>
+            </a:r>
+          </a:p>
+        </p:txBody>
+      </p:sp>
+      <p:sp>
+        <p:nvSpPr>
+          <p:cNvPr id="3" name="Date Placeholder 2"/>
+          <p:cNvSpPr>
+            <a:spLocks noGrp="1"/>
+          </p:cNvSpPr>
+          <p:nvPr>
+            <p:ph type="dt" sz="half" idx="10"/>
+          </p:nvPr>
+        </p:nvSpPr>
+        <p:spPr/>
+        <p:txBody>
+          <a:bodyPr/>
+          <a:lstStyle/>
+          <a:p>
+            <a:fld id="{B854FCCC-1971-4334-98E6-125E401D5C30}" type="datetimeFigureOut">
+              <a:rPr lang="pt-BR" smtClean="0"/>
+              <a:t>28/08/2019</a:t>
+            </a:fld>
+            <a:endParaRPr lang="pt-BR"/>
+          </a:p>
+        </p:txBody>
+      </p:sp>
+      <p:sp>
+        <p:nvSpPr>
+          <p:cNvPr id="4" name="Footer Placeholder 3"/>
+          <p:cNvSpPr>
+            <a:spLocks noGrp="1"/>
+          </p:cNvSpPr>
+          <p:nvPr>
+            <p:ph type="ftr" sz="quarter" idx="11"/>
+          </p:nvPr>
+        </p:nvSpPr>
+        <p:spPr/>
+        <p:txBody>
+          <a:bodyPr/>
+          <a:lstStyle/>
+          <a:p>
+            <a:endParaRPr lang="pt-BR"/>
+          </a:p>
+        </p:txBody>
+      </p:sp>
+      <p:sp>
+        <p:nvSpPr>
+          <p:cNvPr id="5" name="Slide Number Placeholder 4"/>
+          <p:cNvSpPr>
+            <a:spLocks noGrp="1"/>
+          </p:cNvSpPr>
+          <p:nvPr>
+            <p:ph type="sldNum" sz="quarter" idx="12"/>
+          </p:nvPr>
+        </p:nvSpPr>
+        <p:spPr/>
+        <p:txBody>
+          <a:bodyPr/>
+          <a:lstStyle/>
+          <a:p>
+            <a:fld id="{057F2685-83CE-445D-A6C3-78864DB6B883}" type="slidenum">
+              <a:rPr lang="pt-BR" smtClean="0"/>
+              <a:t>‹nº›</a:t>
+            </a:fld>
+            <a:endParaRPr lang="pt-BR"/>
+          </a:p>
+        </p:txBody>
+      </p:sp>
+    </p:spTree>
+    <p:extLst>
+      <p:ext uri="{BB962C8B-B14F-4D97-AF65-F5344CB8AC3E}">
+        <p14:creationId xmlns:p14="http://schemas.microsoft.com/office/powerpoint/2010/main" val="768296790"/>
+      </p:ext>
+    </p:extLst>
+  </p:cSld>
+  <p:clrMapOvr>
+    <a:masterClrMapping/>
+  </p:clrMapOvr>
+</p:sldLayout>
+</file>
+
+<file path=ppt/slideLayouts/slideLayout16.xml><?xml version="1.0" encoding="utf-8"?>
 <p:sldLayout xmlns:a="http://schemas.openxmlformats.org/drawingml/2006/main" xmlns:r="http://schemas.openxmlformats.org/officeDocument/2006/relationships" xmlns:p="http://schemas.openxmlformats.org/presentationml/2006/main" type="vertTx" preserve="1">
   <p:cSld name="Título e Texto Vertical">
     <p:spTree>
@@ -321,7 +2931,7 @@
       </p:grpSpPr>
       <p:sp>
         <p:nvSpPr>
-          <p:cNvPr id="2" name="Título 1"/>
+          <p:cNvPr id="2" name="Title 1"/>
           <p:cNvSpPr>
             <a:spLocks noGrp="1"/>
           </p:cNvSpPr>
@@ -338,13 +2948,13 @@
               <a:rPr lang="pt-BR" smtClean="0"/>
               <a:t>Clique para editar o título mestre</a:t>
             </a:r>
-            <a:endParaRPr lang="pt-BR"/>
-          </a:p>
-        </p:txBody>
-      </p:sp>
-      <p:sp>
-        <p:nvSpPr>
-          <p:cNvPr id="3" name="Espaço Reservado para Texto Vertical 2"/>
+            <a:endParaRPr lang="en-US" dirty="0"/>
+          </a:p>
+        </p:txBody>
+      </p:sp>
+      <p:sp>
+        <p:nvSpPr>
+          <p:cNvPr id="3" name="Vertical Text Placeholder 2"/>
           <p:cNvSpPr>
             <a:spLocks noGrp="1"/>
           </p:cNvSpPr>
@@ -390,13 +3000,13 @@
               <a:rPr lang="pt-BR" smtClean="0"/>
               <a:t>Quinto nível</a:t>
             </a:r>
-            <a:endParaRPr lang="pt-BR"/>
-          </a:p>
-        </p:txBody>
-      </p:sp>
-      <p:sp>
-        <p:nvSpPr>
-          <p:cNvPr id="4" name="Espaço Reservado para Data 3"/>
+            <a:endParaRPr lang="en-US" dirty="0"/>
+          </a:p>
+        </p:txBody>
+      </p:sp>
+      <p:sp>
+        <p:nvSpPr>
+          <p:cNvPr id="4" name="Date Placeholder 3"/>
           <p:cNvSpPr>
             <a:spLocks noGrp="1"/>
           </p:cNvSpPr>
@@ -411,7 +3021,7 @@
           <a:p>
             <a:fld id="{B854FCCC-1971-4334-98E6-125E401D5C30}" type="datetimeFigureOut">
               <a:rPr lang="pt-BR" smtClean="0"/>
-              <a:t>27/08/2019</a:t>
+              <a:t>28/08/2019</a:t>
             </a:fld>
             <a:endParaRPr lang="pt-BR"/>
           </a:p>
@@ -419,7 +3029,7 @@
       </p:sp>
       <p:sp>
         <p:nvSpPr>
-          <p:cNvPr id="5" name="Espaço Reservado para Rodapé 4"/>
+          <p:cNvPr id="5" name="Footer Placeholder 4"/>
           <p:cNvSpPr>
             <a:spLocks noGrp="1"/>
           </p:cNvSpPr>
@@ -438,7 +3048,7 @@
       </p:sp>
       <p:sp>
         <p:nvSpPr>
-          <p:cNvPr id="6" name="Espaço Reservado para Número de Slide 5"/>
+          <p:cNvPr id="6" name="Slide Number Placeholder 5"/>
           <p:cNvSpPr>
             <a:spLocks noGrp="1"/>
           </p:cNvSpPr>
@@ -462,7 +3072,7 @@
     </p:spTree>
     <p:extLst>
       <p:ext uri="{BB962C8B-B14F-4D97-AF65-F5344CB8AC3E}">
-        <p14:creationId xmlns:p14="http://schemas.microsoft.com/office/powerpoint/2010/main" val="2949489313"/>
+        <p14:creationId xmlns:p14="http://schemas.microsoft.com/office/powerpoint/2010/main" val="2231625783"/>
       </p:ext>
     </p:extLst>
   </p:cSld>
@@ -472,7 +3082,7 @@
 </p:sldLayout>
 </file>
 
-<file path=ppt/slideLayouts/slideLayout11.xml><?xml version="1.0" encoding="utf-8"?>
+<file path=ppt/slideLayouts/slideLayout17.xml><?xml version="1.0" encoding="utf-8"?>
 <p:sldLayout xmlns:a="http://schemas.openxmlformats.org/drawingml/2006/main" xmlns:r="http://schemas.openxmlformats.org/officeDocument/2006/relationships" xmlns:p="http://schemas.openxmlformats.org/presentationml/2006/main" type="vertTitleAndTx" preserve="1">
   <p:cSld name="Texto e Título Vertical">
     <p:spTree>
@@ -491,7 +3101,7 @@
       </p:grpSpPr>
       <p:sp>
         <p:nvSpPr>
-          <p:cNvPr id="2" name="Título Vertical 1"/>
+          <p:cNvPr id="2" name="Vertical Title 1"/>
           <p:cNvSpPr>
             <a:spLocks noGrp="1"/>
           </p:cNvSpPr>
@@ -513,13 +3123,13 @@
               <a:rPr lang="pt-BR" smtClean="0"/>
               <a:t>Clique para editar o título mestre</a:t>
             </a:r>
-            <a:endParaRPr lang="pt-BR"/>
-          </a:p>
-        </p:txBody>
-      </p:sp>
-      <p:sp>
-        <p:nvSpPr>
-          <p:cNvPr id="3" name="Espaço Reservado para Texto Vertical 2"/>
+            <a:endParaRPr lang="en-US" dirty="0"/>
+          </a:p>
+        </p:txBody>
+      </p:sp>
+      <p:sp>
+        <p:nvSpPr>
+          <p:cNvPr id="3" name="Vertical Text Placeholder 2"/>
           <p:cNvSpPr>
             <a:spLocks noGrp="1"/>
           </p:cNvSpPr>
@@ -570,13 +3180,13 @@
               <a:rPr lang="pt-BR" smtClean="0"/>
               <a:t>Quinto nível</a:t>
             </a:r>
-            <a:endParaRPr lang="pt-BR"/>
-          </a:p>
-        </p:txBody>
-      </p:sp>
-      <p:sp>
-        <p:nvSpPr>
-          <p:cNvPr id="4" name="Espaço Reservado para Data 3"/>
+            <a:endParaRPr lang="en-US" dirty="0"/>
+          </a:p>
+        </p:txBody>
+      </p:sp>
+      <p:sp>
+        <p:nvSpPr>
+          <p:cNvPr id="4" name="Date Placeholder 3"/>
           <p:cNvSpPr>
             <a:spLocks noGrp="1"/>
           </p:cNvSpPr>
@@ -591,7 +3201,7 @@
           <a:p>
             <a:fld id="{B854FCCC-1971-4334-98E6-125E401D5C30}" type="datetimeFigureOut">
               <a:rPr lang="pt-BR" smtClean="0"/>
-              <a:t>27/08/2019</a:t>
+              <a:t>28/08/2019</a:t>
             </a:fld>
             <a:endParaRPr lang="pt-BR"/>
           </a:p>
@@ -599,7 +3209,7 @@
       </p:sp>
       <p:sp>
         <p:nvSpPr>
-          <p:cNvPr id="5" name="Espaço Reservado para Rodapé 4"/>
+          <p:cNvPr id="5" name="Footer Placeholder 4"/>
           <p:cNvSpPr>
             <a:spLocks noGrp="1"/>
           </p:cNvSpPr>
@@ -618,7 +3228,7 @@
       </p:sp>
       <p:sp>
         <p:nvSpPr>
-          <p:cNvPr id="6" name="Espaço Reservado para Número de Slide 5"/>
+          <p:cNvPr id="6" name="Slide Number Placeholder 5"/>
           <p:cNvSpPr>
             <a:spLocks noGrp="1"/>
           </p:cNvSpPr>
@@ -642,7 +3252,7 @@
     </p:spTree>
     <p:extLst>
       <p:ext uri="{BB962C8B-B14F-4D97-AF65-F5344CB8AC3E}">
-        <p14:creationId xmlns:p14="http://schemas.microsoft.com/office/powerpoint/2010/main" val="1575151373"/>
+        <p14:creationId xmlns:p14="http://schemas.microsoft.com/office/powerpoint/2010/main" val="2942948713"/>
       </p:ext>
     </p:extLst>
   </p:cSld>
@@ -671,7 +3281,7 @@
       </p:grpSpPr>
       <p:sp>
         <p:nvSpPr>
-          <p:cNvPr id="2" name="Título 1"/>
+          <p:cNvPr id="8" name="Title 1"/>
           <p:cNvSpPr>
             <a:spLocks noGrp="1"/>
           </p:cNvSpPr>
@@ -688,13 +3298,13 @@
               <a:rPr lang="pt-BR" smtClean="0"/>
               <a:t>Clique para editar o título mestre</a:t>
             </a:r>
-            <a:endParaRPr lang="pt-BR"/>
-          </a:p>
-        </p:txBody>
-      </p:sp>
-      <p:sp>
-        <p:nvSpPr>
-          <p:cNvPr id="3" name="Espaço Reservado para Conteúdo 2"/>
+            <a:endParaRPr lang="en-US" dirty="0"/>
+          </a:p>
+        </p:txBody>
+      </p:sp>
+      <p:sp>
+        <p:nvSpPr>
+          <p:cNvPr id="3" name="Content Placeholder 2"/>
           <p:cNvSpPr>
             <a:spLocks noGrp="1"/>
           </p:cNvSpPr>
@@ -740,13 +3350,13 @@
               <a:rPr lang="pt-BR" smtClean="0"/>
               <a:t>Quinto nível</a:t>
             </a:r>
-            <a:endParaRPr lang="pt-BR"/>
-          </a:p>
-        </p:txBody>
-      </p:sp>
-      <p:sp>
-        <p:nvSpPr>
-          <p:cNvPr id="4" name="Espaço Reservado para Data 3"/>
+            <a:endParaRPr lang="en-US" dirty="0"/>
+          </a:p>
+        </p:txBody>
+      </p:sp>
+      <p:sp>
+        <p:nvSpPr>
+          <p:cNvPr id="4" name="Date Placeholder 3"/>
           <p:cNvSpPr>
             <a:spLocks noGrp="1"/>
           </p:cNvSpPr>
@@ -761,7 +3371,7 @@
           <a:p>
             <a:fld id="{B854FCCC-1971-4334-98E6-125E401D5C30}" type="datetimeFigureOut">
               <a:rPr lang="pt-BR" smtClean="0"/>
-              <a:t>27/08/2019</a:t>
+              <a:t>28/08/2019</a:t>
             </a:fld>
             <a:endParaRPr lang="pt-BR"/>
           </a:p>
@@ -769,7 +3379,7 @@
       </p:sp>
       <p:sp>
         <p:nvSpPr>
-          <p:cNvPr id="5" name="Espaço Reservado para Rodapé 4"/>
+          <p:cNvPr id="5" name="Footer Placeholder 4"/>
           <p:cNvSpPr>
             <a:spLocks noGrp="1"/>
           </p:cNvSpPr>
@@ -788,7 +3398,7 @@
       </p:sp>
       <p:sp>
         <p:nvSpPr>
-          <p:cNvPr id="6" name="Espaço Reservado para Número de Slide 5"/>
+          <p:cNvPr id="6" name="Slide Number Placeholder 5"/>
           <p:cNvSpPr>
             <a:spLocks noGrp="1"/>
           </p:cNvSpPr>
@@ -812,7 +3422,7 @@
     </p:spTree>
     <p:extLst>
       <p:ext uri="{BB962C8B-B14F-4D97-AF65-F5344CB8AC3E}">
-        <p14:creationId xmlns:p14="http://schemas.microsoft.com/office/powerpoint/2010/main" val="2369069227"/>
+        <p14:creationId xmlns:p14="http://schemas.microsoft.com/office/powerpoint/2010/main" val="491751843"/>
       </p:ext>
     </p:extLst>
   </p:cSld>
@@ -841,25 +3451,59 @@
       </p:grpSpPr>
       <p:sp>
         <p:nvSpPr>
-          <p:cNvPr id="2" name="Título 1"/>
-          <p:cNvSpPr>
-            <a:spLocks noGrp="1"/>
-          </p:cNvSpPr>
-          <p:nvPr>
-            <p:ph type="title"/>
-          </p:nvPr>
-        </p:nvSpPr>
-        <p:spPr>
-          <a:xfrm>
-            <a:off x="831850" y="1709738"/>
-            <a:ext cx="10515600" cy="2852737"/>
-          </a:xfrm>
-        </p:spPr>
-        <p:txBody>
-          <a:bodyPr anchor="b"/>
+          <p:cNvPr id="7" name="Title 1"/>
+          <p:cNvSpPr>
+            <a:spLocks noGrp="1"/>
+          </p:cNvSpPr>
+          <p:nvPr>
+            <p:ph type="ctrTitle"/>
+          </p:nvPr>
+        </p:nvSpPr>
+        <p:spPr>
+          <a:xfrm>
+            <a:off x="854532" y="4464028"/>
+            <a:ext cx="9144000" cy="1641490"/>
+          </a:xfrm>
+        </p:spPr>
+        <p:txBody>
+          <a:bodyPr wrap="none" anchor="t">
+            <a:normAutofit/>
+          </a:bodyPr>
           <a:lstStyle>
-            <a:lvl1pPr>
-              <a:defRPr sz="6000"/>
+            <a:lvl1pPr algn="l">
+              <a:defRPr sz="9600" b="0" spc="-300">
+                <a:gradFill flip="none" rotWithShape="1">
+                  <a:gsLst>
+                    <a:gs pos="32000">
+                      <a:schemeClr val="tx1">
+                        <a:lumMod val="89000"/>
+                      </a:schemeClr>
+                    </a:gs>
+                    <a:gs pos="0">
+                      <a:schemeClr val="bg1">
+                        <a:lumMod val="47000"/>
+                        <a:lumOff val="53000"/>
+                      </a:schemeClr>
+                    </a:gs>
+                    <a:gs pos="100000">
+                      <a:schemeClr val="tx2">
+                        <a:lumMod val="0"/>
+                        <a:lumOff val="100000"/>
+                      </a:schemeClr>
+                    </a:gs>
+                  </a:gsLst>
+                  <a:lin ang="8100000" scaled="1"/>
+                  <a:tileRect/>
+                </a:gradFill>
+                <a:effectLst>
+                  <a:outerShdw blurRad="469900" dist="342900" dir="5400000" sy="-20000" rotWithShape="0">
+                    <a:prstClr val="black">
+                      <a:alpha val="66000"/>
+                    </a:prstClr>
+                  </a:outerShdw>
+                </a:effectLst>
+                <a:latin typeface="+mj-lt"/>
+              </a:defRPr>
             </a:lvl1pPr>
           </a:lstStyle>
           <a:p>
@@ -867,132 +3511,109 @@
               <a:rPr lang="pt-BR" smtClean="0"/>
               <a:t>Clique para editar o título mestre</a:t>
             </a:r>
-            <a:endParaRPr lang="pt-BR"/>
-          </a:p>
-        </p:txBody>
-      </p:sp>
-      <p:sp>
-        <p:nvSpPr>
-          <p:cNvPr id="3" name="Espaço Reservado para Texto 2"/>
-          <p:cNvSpPr>
-            <a:spLocks noGrp="1"/>
-          </p:cNvSpPr>
-          <p:nvPr>
-            <p:ph type="body" idx="1"/>
-          </p:nvPr>
-        </p:nvSpPr>
-        <p:spPr>
-          <a:xfrm>
-            <a:off x="831850" y="4589463"/>
-            <a:ext cx="10515600" cy="1500187"/>
-          </a:xfrm>
-        </p:spPr>
-        <p:txBody>
-          <a:bodyPr/>
+            <a:endParaRPr lang="en-US" dirty="0"/>
+          </a:p>
+        </p:txBody>
+      </p:sp>
+      <p:sp>
+        <p:nvSpPr>
+          <p:cNvPr id="8" name="Subtitle 2"/>
+          <p:cNvSpPr>
+            <a:spLocks noGrp="1"/>
+          </p:cNvSpPr>
+          <p:nvPr>
+            <p:ph type="subTitle" idx="1"/>
+          </p:nvPr>
+        </p:nvSpPr>
+        <p:spPr>
+          <a:xfrm>
+            <a:off x="854532" y="3693674"/>
+            <a:ext cx="9144000" cy="754025"/>
+          </a:xfrm>
+        </p:spPr>
+        <p:txBody>
+          <a:bodyPr anchor="b">
+            <a:normAutofit/>
+          </a:bodyPr>
           <a:lstStyle>
-            <a:lvl1pPr marL="0" indent="0">
-              <a:buNone/>
-              <a:defRPr sz="2400">
-                <a:solidFill>
-                  <a:schemeClr val="tx1">
-                    <a:tint val="75000"/>
-                  </a:schemeClr>
-                </a:solidFill>
+            <a:lvl1pPr marL="0" indent="0" algn="l">
+              <a:buNone/>
+              <a:defRPr sz="3200" b="0">
+                <a:gradFill flip="none" rotWithShape="1">
+                  <a:gsLst>
+                    <a:gs pos="15000">
+                      <a:schemeClr val="tx2"/>
+                    </a:gs>
+                    <a:gs pos="73000">
+                      <a:schemeClr val="tx2">
+                        <a:lumMod val="60000"/>
+                        <a:lumOff val="40000"/>
+                      </a:schemeClr>
+                    </a:gs>
+                    <a:gs pos="0">
+                      <a:schemeClr val="tx2">
+                        <a:lumMod val="90000"/>
+                        <a:lumOff val="10000"/>
+                      </a:schemeClr>
+                    </a:gs>
+                    <a:gs pos="100000">
+                      <a:schemeClr val="tx2">
+                        <a:lumMod val="0"/>
+                        <a:lumOff val="100000"/>
+                      </a:schemeClr>
+                    </a:gs>
+                  </a:gsLst>
+                  <a:lin ang="16200000" scaled="1"/>
+                  <a:tileRect/>
+                </a:gradFill>
+                <a:latin typeface="+mj-lt"/>
               </a:defRPr>
             </a:lvl1pPr>
-            <a:lvl2pPr marL="457200" indent="0">
-              <a:buNone/>
-              <a:defRPr sz="2000">
-                <a:solidFill>
-                  <a:schemeClr val="tx1">
-                    <a:tint val="75000"/>
-                  </a:schemeClr>
-                </a:solidFill>
-              </a:defRPr>
+            <a:lvl2pPr marL="457200" indent="0" algn="ctr">
+              <a:buNone/>
+              <a:defRPr sz="2000"/>
             </a:lvl2pPr>
-            <a:lvl3pPr marL="914400" indent="0">
-              <a:buNone/>
-              <a:defRPr sz="1800">
-                <a:solidFill>
-                  <a:schemeClr val="tx1">
-                    <a:tint val="75000"/>
-                  </a:schemeClr>
-                </a:solidFill>
-              </a:defRPr>
+            <a:lvl3pPr marL="914400" indent="0" algn="ctr">
+              <a:buNone/>
+              <a:defRPr sz="1800"/>
             </a:lvl3pPr>
-            <a:lvl4pPr marL="1371600" indent="0">
-              <a:buNone/>
-              <a:defRPr sz="1600">
-                <a:solidFill>
-                  <a:schemeClr val="tx1">
-                    <a:tint val="75000"/>
-                  </a:schemeClr>
-                </a:solidFill>
-              </a:defRPr>
+            <a:lvl4pPr marL="1371600" indent="0" algn="ctr">
+              <a:buNone/>
+              <a:defRPr sz="1600"/>
             </a:lvl4pPr>
-            <a:lvl5pPr marL="1828800" indent="0">
-              <a:buNone/>
-              <a:defRPr sz="1600">
-                <a:solidFill>
-                  <a:schemeClr val="tx1">
-                    <a:tint val="75000"/>
-                  </a:schemeClr>
-                </a:solidFill>
-              </a:defRPr>
+            <a:lvl5pPr marL="1828800" indent="0" algn="ctr">
+              <a:buNone/>
+              <a:defRPr sz="1600"/>
             </a:lvl5pPr>
-            <a:lvl6pPr marL="2286000" indent="0">
-              <a:buNone/>
-              <a:defRPr sz="1600">
-                <a:solidFill>
-                  <a:schemeClr val="tx1">
-                    <a:tint val="75000"/>
-                  </a:schemeClr>
-                </a:solidFill>
-              </a:defRPr>
+            <a:lvl6pPr marL="2286000" indent="0" algn="ctr">
+              <a:buNone/>
+              <a:defRPr sz="1600"/>
             </a:lvl6pPr>
-            <a:lvl7pPr marL="2743200" indent="0">
-              <a:buNone/>
-              <a:defRPr sz="1600">
-                <a:solidFill>
-                  <a:schemeClr val="tx1">
-                    <a:tint val="75000"/>
-                  </a:schemeClr>
-                </a:solidFill>
-              </a:defRPr>
+            <a:lvl7pPr marL="2743200" indent="0" algn="ctr">
+              <a:buNone/>
+              <a:defRPr sz="1600"/>
             </a:lvl7pPr>
-            <a:lvl8pPr marL="3200400" indent="0">
-              <a:buNone/>
-              <a:defRPr sz="1600">
-                <a:solidFill>
-                  <a:schemeClr val="tx1">
-                    <a:tint val="75000"/>
-                  </a:schemeClr>
-                </a:solidFill>
-              </a:defRPr>
+            <a:lvl8pPr marL="3200400" indent="0" algn="ctr">
+              <a:buNone/>
+              <a:defRPr sz="1600"/>
             </a:lvl8pPr>
-            <a:lvl9pPr marL="3657600" indent="0">
-              <a:buNone/>
-              <a:defRPr sz="1600">
-                <a:solidFill>
-                  <a:schemeClr val="tx1">
-                    <a:tint val="75000"/>
-                  </a:schemeClr>
-                </a:solidFill>
-              </a:defRPr>
+            <a:lvl9pPr marL="3657600" indent="0" algn="ctr">
+              <a:buNone/>
+              <a:defRPr sz="1600"/>
             </a:lvl9pPr>
           </a:lstStyle>
           <a:p>
-            <a:pPr lvl="0"/>
-            <a:r>
-              <a:rPr lang="pt-BR" smtClean="0"/>
-              <a:t>Editar estilos de texto Mestre</a:t>
-            </a:r>
-          </a:p>
-        </p:txBody>
-      </p:sp>
-      <p:sp>
-        <p:nvSpPr>
-          <p:cNvPr id="4" name="Espaço Reservado para Data 3"/>
+            <a:r>
+              <a:rPr lang="pt-BR" smtClean="0"/>
+              <a:t>Clique para editar o estilo do subtítulo Mestre</a:t>
+            </a:r>
+            <a:endParaRPr lang="en-US" dirty="0"/>
+          </a:p>
+        </p:txBody>
+      </p:sp>
+      <p:sp>
+        <p:nvSpPr>
+          <p:cNvPr id="4" name="Date Placeholder 3"/>
           <p:cNvSpPr>
             <a:spLocks noGrp="1"/>
           </p:cNvSpPr>
@@ -1007,7 +3628,7 @@
           <a:p>
             <a:fld id="{B854FCCC-1971-4334-98E6-125E401D5C30}" type="datetimeFigureOut">
               <a:rPr lang="pt-BR" smtClean="0"/>
-              <a:t>27/08/2019</a:t>
+              <a:t>28/08/2019</a:t>
             </a:fld>
             <a:endParaRPr lang="pt-BR"/>
           </a:p>
@@ -1015,7 +3636,7 @@
       </p:sp>
       <p:sp>
         <p:nvSpPr>
-          <p:cNvPr id="5" name="Espaço Reservado para Rodapé 4"/>
+          <p:cNvPr id="5" name="Footer Placeholder 4"/>
           <p:cNvSpPr>
             <a:spLocks noGrp="1"/>
           </p:cNvSpPr>
@@ -1034,7 +3655,7 @@
       </p:sp>
       <p:sp>
         <p:nvSpPr>
-          <p:cNvPr id="6" name="Espaço Reservado para Número de Slide 5"/>
+          <p:cNvPr id="6" name="Slide Number Placeholder 5"/>
           <p:cNvSpPr>
             <a:spLocks noGrp="1"/>
           </p:cNvSpPr>
@@ -1058,7 +3679,7 @@
     </p:spTree>
     <p:extLst>
       <p:ext uri="{BB962C8B-B14F-4D97-AF65-F5344CB8AC3E}">
-        <p14:creationId xmlns:p14="http://schemas.microsoft.com/office/powerpoint/2010/main" val="661697701"/>
+        <p14:creationId xmlns:p14="http://schemas.microsoft.com/office/powerpoint/2010/main" val="3137525918"/>
       </p:ext>
     </p:extLst>
   </p:cSld>
@@ -1087,7 +3708,7 @@
       </p:grpSpPr>
       <p:sp>
         <p:nvSpPr>
-          <p:cNvPr id="2" name="Título 1"/>
+          <p:cNvPr id="2" name="Title 1"/>
           <p:cNvSpPr>
             <a:spLocks noGrp="1"/>
           </p:cNvSpPr>
@@ -1104,13 +3725,13 @@
               <a:rPr lang="pt-BR" smtClean="0"/>
               <a:t>Clique para editar o título mestre</a:t>
             </a:r>
-            <a:endParaRPr lang="pt-BR"/>
-          </a:p>
-        </p:txBody>
-      </p:sp>
-      <p:sp>
-        <p:nvSpPr>
-          <p:cNvPr id="3" name="Espaço Reservado para Conteúdo 2"/>
+            <a:endParaRPr lang="en-US" dirty="0"/>
+          </a:p>
+        </p:txBody>
+      </p:sp>
+      <p:sp>
+        <p:nvSpPr>
+          <p:cNvPr id="3" name="Content Placeholder 2"/>
           <p:cNvSpPr>
             <a:spLocks noGrp="1"/>
           </p:cNvSpPr>
@@ -1120,8 +3741,8 @@
         </p:nvSpPr>
         <p:spPr>
           <a:xfrm>
-            <a:off x="838200" y="1825625"/>
-            <a:ext cx="5181600" cy="4351338"/>
+            <a:off x="1120000" y="1825625"/>
+            <a:ext cx="5025216" cy="4351338"/>
           </a:xfrm>
         </p:spPr>
         <p:txBody>
@@ -1161,13 +3782,13 @@
               <a:rPr lang="pt-BR" smtClean="0"/>
               <a:t>Quinto nível</a:t>
             </a:r>
-            <a:endParaRPr lang="pt-BR"/>
-          </a:p>
-        </p:txBody>
-      </p:sp>
-      <p:sp>
-        <p:nvSpPr>
-          <p:cNvPr id="4" name="Espaço Reservado para Conteúdo 3"/>
+            <a:endParaRPr lang="en-US" dirty="0"/>
+          </a:p>
+        </p:txBody>
+      </p:sp>
+      <p:sp>
+        <p:nvSpPr>
+          <p:cNvPr id="4" name="Content Placeholder 3"/>
           <p:cNvSpPr>
             <a:spLocks noGrp="1"/>
           </p:cNvSpPr>
@@ -1177,8 +3798,8 @@
         </p:nvSpPr>
         <p:spPr>
           <a:xfrm>
-            <a:off x="6172200" y="1825625"/>
-            <a:ext cx="5181600" cy="4351338"/>
+            <a:off x="6319840" y="1825625"/>
+            <a:ext cx="5033960" cy="4351338"/>
           </a:xfrm>
         </p:spPr>
         <p:txBody>
@@ -1218,13 +3839,13 @@
               <a:rPr lang="pt-BR" smtClean="0"/>
               <a:t>Quinto nível</a:t>
             </a:r>
-            <a:endParaRPr lang="pt-BR"/>
-          </a:p>
-        </p:txBody>
-      </p:sp>
-      <p:sp>
-        <p:nvSpPr>
-          <p:cNvPr id="5" name="Espaço Reservado para Data 4"/>
+            <a:endParaRPr lang="en-US" dirty="0"/>
+          </a:p>
+        </p:txBody>
+      </p:sp>
+      <p:sp>
+        <p:nvSpPr>
+          <p:cNvPr id="5" name="Date Placeholder 4"/>
           <p:cNvSpPr>
             <a:spLocks noGrp="1"/>
           </p:cNvSpPr>
@@ -1239,7 +3860,7 @@
           <a:p>
             <a:fld id="{B854FCCC-1971-4334-98E6-125E401D5C30}" type="datetimeFigureOut">
               <a:rPr lang="pt-BR" smtClean="0"/>
-              <a:t>27/08/2019</a:t>
+              <a:t>28/08/2019</a:t>
             </a:fld>
             <a:endParaRPr lang="pt-BR"/>
           </a:p>
@@ -1247,7 +3868,7 @@
       </p:sp>
       <p:sp>
         <p:nvSpPr>
-          <p:cNvPr id="6" name="Espaço Reservado para Rodapé 5"/>
+          <p:cNvPr id="6" name="Footer Placeholder 5"/>
           <p:cNvSpPr>
             <a:spLocks noGrp="1"/>
           </p:cNvSpPr>
@@ -1266,7 +3887,7 @@
       </p:sp>
       <p:sp>
         <p:nvSpPr>
-          <p:cNvPr id="7" name="Espaço Reservado para Número de Slide 6"/>
+          <p:cNvPr id="7" name="Slide Number Placeholder 6"/>
           <p:cNvSpPr>
             <a:spLocks noGrp="1"/>
           </p:cNvSpPr>
@@ -1290,7 +3911,7 @@
     </p:spTree>
     <p:extLst>
       <p:ext uri="{BB962C8B-B14F-4D97-AF65-F5344CB8AC3E}">
-        <p14:creationId xmlns:p14="http://schemas.microsoft.com/office/powerpoint/2010/main" val="2244417889"/>
+        <p14:creationId xmlns:p14="http://schemas.microsoft.com/office/powerpoint/2010/main" val="3359462504"/>
       </p:ext>
     </p:extLst>
   </p:cSld>
@@ -1319,7 +3940,7 @@
       </p:grpSpPr>
       <p:sp>
         <p:nvSpPr>
-          <p:cNvPr id="2" name="Título 1"/>
+          <p:cNvPr id="2" name="Title 1"/>
           <p:cNvSpPr>
             <a:spLocks noGrp="1"/>
           </p:cNvSpPr>
@@ -1341,13 +3962,13 @@
               <a:rPr lang="pt-BR" smtClean="0"/>
               <a:t>Clique para editar o título mestre</a:t>
             </a:r>
-            <a:endParaRPr lang="pt-BR"/>
-          </a:p>
-        </p:txBody>
-      </p:sp>
-      <p:sp>
-        <p:nvSpPr>
-          <p:cNvPr id="3" name="Espaço Reservado para Texto 2"/>
+            <a:endParaRPr lang="en-US" dirty="0"/>
+          </a:p>
+        </p:txBody>
+      </p:sp>
+      <p:sp>
+        <p:nvSpPr>
+          <p:cNvPr id="3" name="Text Placeholder 2"/>
           <p:cNvSpPr>
             <a:spLocks noGrp="1"/>
           </p:cNvSpPr>
@@ -1357,8 +3978,8 @@
         </p:nvSpPr>
         <p:spPr>
           <a:xfrm>
-            <a:off x="839788" y="1681163"/>
-            <a:ext cx="5157787" cy="823912"/>
+            <a:off x="1120000" y="1681163"/>
+            <a:ext cx="5025216" cy="823912"/>
           </a:xfrm>
         </p:spPr>
         <p:txBody>
@@ -1366,7 +3987,34 @@
           <a:lstStyle>
             <a:lvl1pPr marL="0" indent="0">
               <a:buNone/>
-              <a:defRPr sz="2400" b="1"/>
+              <a:defRPr sz="2400" b="0">
+                <a:gradFill>
+                  <a:gsLst>
+                    <a:gs pos="15000">
+                      <a:schemeClr val="tx2"/>
+                    </a:gs>
+                    <a:gs pos="73000">
+                      <a:schemeClr val="tx2">
+                        <a:lumMod val="60000"/>
+                        <a:lumOff val="40000"/>
+                      </a:schemeClr>
+                    </a:gs>
+                    <a:gs pos="0">
+                      <a:schemeClr val="tx2">
+                        <a:lumMod val="90000"/>
+                        <a:lumOff val="10000"/>
+                      </a:schemeClr>
+                    </a:gs>
+                    <a:gs pos="100000">
+                      <a:schemeClr val="tx2">
+                        <a:lumMod val="0"/>
+                        <a:lumOff val="100000"/>
+                      </a:schemeClr>
+                    </a:gs>
+                  </a:gsLst>
+                  <a:lin ang="16200000" scaled="1"/>
+                </a:gradFill>
+              </a:defRPr>
             </a:lvl1pPr>
             <a:lvl2pPr marL="457200" indent="0">
               <a:buNone/>
@@ -1412,7 +4060,7 @@
       </p:sp>
       <p:sp>
         <p:nvSpPr>
-          <p:cNvPr id="4" name="Espaço Reservado para Conteúdo 3"/>
+          <p:cNvPr id="4" name="Content Placeholder 3"/>
           <p:cNvSpPr>
             <a:spLocks noGrp="1"/>
           </p:cNvSpPr>
@@ -1422,8 +4070,8 @@
         </p:nvSpPr>
         <p:spPr>
           <a:xfrm>
-            <a:off x="839788" y="2505075"/>
-            <a:ext cx="5157787" cy="3684588"/>
+            <a:off x="1120000" y="2505075"/>
+            <a:ext cx="5025216" cy="3684588"/>
           </a:xfrm>
         </p:spPr>
         <p:txBody>
@@ -1463,13 +4111,13 @@
               <a:rPr lang="pt-BR" smtClean="0"/>
               <a:t>Quinto nível</a:t>
             </a:r>
-            <a:endParaRPr lang="pt-BR"/>
-          </a:p>
-        </p:txBody>
-      </p:sp>
-      <p:sp>
-        <p:nvSpPr>
-          <p:cNvPr id="5" name="Espaço Reservado para Texto 4"/>
+            <a:endParaRPr lang="en-US" dirty="0"/>
+          </a:p>
+        </p:txBody>
+      </p:sp>
+      <p:sp>
+        <p:nvSpPr>
+          <p:cNvPr id="5" name="Text Placeholder 4"/>
           <p:cNvSpPr>
             <a:spLocks noGrp="1"/>
           </p:cNvSpPr>
@@ -1479,134 +4127,133 @@
         </p:nvSpPr>
         <p:spPr>
           <a:xfrm>
-            <a:off x="6172200" y="1681163"/>
-            <a:ext cx="5183188" cy="823912"/>
-          </a:xfrm>
-        </p:spPr>
-        <p:txBody>
-          <a:bodyPr anchor="b"/>
+            <a:off x="6319840" y="1681163"/>
+            <a:ext cx="5035548" cy="823912"/>
+          </a:xfrm>
+        </p:spPr>
+        <p:txBody>
+          <a:bodyPr vert="horz" lIns="91440" tIns="45720" rIns="91440" bIns="45720" rtlCol="0" anchor="b">
+            <a:normAutofit/>
+          </a:bodyPr>
           <a:lstStyle>
-            <a:lvl1pPr marL="0" indent="0">
-              <a:buNone/>
-              <a:defRPr sz="2400" b="1"/>
+            <a:lvl1pPr>
+              <a:buNone/>
+              <a:defRPr lang="en-US" sz="2400" b="0">
+                <a:gradFill>
+                  <a:gsLst>
+                    <a:gs pos="15000">
+                      <a:schemeClr val="tx2"/>
+                    </a:gs>
+                    <a:gs pos="73000">
+                      <a:schemeClr val="tx2">
+                        <a:lumMod val="60000"/>
+                        <a:lumOff val="40000"/>
+                      </a:schemeClr>
+                    </a:gs>
+                    <a:gs pos="0">
+                      <a:schemeClr val="tx2">
+                        <a:lumMod val="90000"/>
+                        <a:lumOff val="10000"/>
+                      </a:schemeClr>
+                    </a:gs>
+                    <a:gs pos="100000">
+                      <a:schemeClr val="tx2">
+                        <a:lumMod val="0"/>
+                        <a:lumOff val="100000"/>
+                      </a:schemeClr>
+                    </a:gs>
+                  </a:gsLst>
+                  <a:lin ang="16200000" scaled="1"/>
+                </a:gradFill>
+              </a:defRPr>
             </a:lvl1pPr>
-            <a:lvl2pPr marL="457200" indent="0">
-              <a:buNone/>
-              <a:defRPr sz="2000" b="1"/>
-            </a:lvl2pPr>
-            <a:lvl3pPr marL="914400" indent="0">
-              <a:buNone/>
-              <a:defRPr sz="1800" b="1"/>
-            </a:lvl3pPr>
-            <a:lvl4pPr marL="1371600" indent="0">
-              <a:buNone/>
-              <a:defRPr sz="1600" b="1"/>
-            </a:lvl4pPr>
-            <a:lvl5pPr marL="1828800" indent="0">
-              <a:buNone/>
-              <a:defRPr sz="1600" b="1"/>
-            </a:lvl5pPr>
-            <a:lvl6pPr marL="2286000" indent="0">
-              <a:buNone/>
-              <a:defRPr sz="1600" b="1"/>
-            </a:lvl6pPr>
-            <a:lvl7pPr marL="2743200" indent="0">
-              <a:buNone/>
-              <a:defRPr sz="1600" b="1"/>
-            </a:lvl7pPr>
-            <a:lvl8pPr marL="3200400" indent="0">
-              <a:buNone/>
-              <a:defRPr sz="1600" b="1"/>
-            </a:lvl8pPr>
-            <a:lvl9pPr marL="3657600" indent="0">
-              <a:buNone/>
-              <a:defRPr sz="1600" b="1"/>
-            </a:lvl9pPr>
           </a:lstStyle>
           <a:p>
+            <a:pPr marL="0" lvl="0" indent="0">
+              <a:buNone/>
+            </a:pPr>
+            <a:r>
+              <a:rPr lang="pt-BR" smtClean="0"/>
+              <a:t>Editar estilos de texto Mestre</a:t>
+            </a:r>
+          </a:p>
+        </p:txBody>
+      </p:sp>
+      <p:sp>
+        <p:nvSpPr>
+          <p:cNvPr id="6" name="Content Placeholder 5"/>
+          <p:cNvSpPr>
+            <a:spLocks noGrp="1"/>
+          </p:cNvSpPr>
+          <p:nvPr>
+            <p:ph sz="quarter" idx="4"/>
+          </p:nvPr>
+        </p:nvSpPr>
+        <p:spPr>
+          <a:xfrm>
+            <a:off x="6319840" y="2505075"/>
+            <a:ext cx="5035548" cy="3684588"/>
+          </a:xfrm>
+        </p:spPr>
+        <p:txBody>
+          <a:bodyPr/>
+          <a:lstStyle/>
+          <a:p>
             <a:pPr lvl="0"/>
             <a:r>
               <a:rPr lang="pt-BR" smtClean="0"/>
               <a:t>Editar estilos de texto Mestre</a:t>
             </a:r>
           </a:p>
-        </p:txBody>
-      </p:sp>
-      <p:sp>
-        <p:nvSpPr>
-          <p:cNvPr id="6" name="Espaço Reservado para Conteúdo 5"/>
-          <p:cNvSpPr>
-            <a:spLocks noGrp="1"/>
-          </p:cNvSpPr>
-          <p:nvPr>
-            <p:ph sz="quarter" idx="4"/>
-          </p:nvPr>
-        </p:nvSpPr>
-        <p:spPr>
-          <a:xfrm>
-            <a:off x="6172200" y="2505075"/>
-            <a:ext cx="5183188" cy="3684588"/>
-          </a:xfrm>
-        </p:spPr>
+          <a:p>
+            <a:pPr lvl="1"/>
+            <a:r>
+              <a:rPr lang="pt-BR" smtClean="0"/>
+              <a:t>Segundo nível</a:t>
+            </a:r>
+          </a:p>
+          <a:p>
+            <a:pPr lvl="2"/>
+            <a:r>
+              <a:rPr lang="pt-BR" smtClean="0"/>
+              <a:t>Terceiro nível</a:t>
+            </a:r>
+          </a:p>
+          <a:p>
+            <a:pPr lvl="3"/>
+            <a:r>
+              <a:rPr lang="pt-BR" smtClean="0"/>
+              <a:t>Quarto nível</a:t>
+            </a:r>
+          </a:p>
+          <a:p>
+            <a:pPr lvl="4"/>
+            <a:r>
+              <a:rPr lang="pt-BR" smtClean="0"/>
+              <a:t>Quinto nível</a:t>
+            </a:r>
+            <a:endParaRPr lang="en-US" dirty="0"/>
+          </a:p>
+        </p:txBody>
+      </p:sp>
+      <p:sp>
+        <p:nvSpPr>
+          <p:cNvPr id="7" name="Date Placeholder 6"/>
+          <p:cNvSpPr>
+            <a:spLocks noGrp="1"/>
+          </p:cNvSpPr>
+          <p:nvPr>
+            <p:ph type="dt" sz="half" idx="10"/>
+          </p:nvPr>
+        </p:nvSpPr>
+        <p:spPr/>
         <p:txBody>
           <a:bodyPr/>
           <a:lstStyle/>
           <a:p>
-            <a:pPr lvl="0"/>
-            <a:r>
-              <a:rPr lang="pt-BR" smtClean="0"/>
-              <a:t>Editar estilos de texto Mestre</a:t>
-            </a:r>
-          </a:p>
-          <a:p>
-            <a:pPr lvl="1"/>
-            <a:r>
-              <a:rPr lang="pt-BR" smtClean="0"/>
-              <a:t>Segundo nível</a:t>
-            </a:r>
-          </a:p>
-          <a:p>
-            <a:pPr lvl="2"/>
-            <a:r>
-              <a:rPr lang="pt-BR" smtClean="0"/>
-              <a:t>Terceiro nível</a:t>
-            </a:r>
-          </a:p>
-          <a:p>
-            <a:pPr lvl="3"/>
-            <a:r>
-              <a:rPr lang="pt-BR" smtClean="0"/>
-              <a:t>Quarto nível</a:t>
-            </a:r>
-          </a:p>
-          <a:p>
-            <a:pPr lvl="4"/>
-            <a:r>
-              <a:rPr lang="pt-BR" smtClean="0"/>
-              <a:t>Quinto nível</a:t>
-            </a:r>
-            <a:endParaRPr lang="pt-BR"/>
-          </a:p>
-        </p:txBody>
-      </p:sp>
-      <p:sp>
-        <p:nvSpPr>
-          <p:cNvPr id="7" name="Espaço Reservado para Data 6"/>
-          <p:cNvSpPr>
-            <a:spLocks noGrp="1"/>
-          </p:cNvSpPr>
-          <p:nvPr>
-            <p:ph type="dt" sz="half" idx="10"/>
-          </p:nvPr>
-        </p:nvSpPr>
-        <p:spPr/>
-        <p:txBody>
-          <a:bodyPr/>
-          <a:lstStyle/>
-          <a:p>
             <a:fld id="{B854FCCC-1971-4334-98E6-125E401D5C30}" type="datetimeFigureOut">
               <a:rPr lang="pt-BR" smtClean="0"/>
-              <a:t>27/08/2019</a:t>
+              <a:t>28/08/2019</a:t>
             </a:fld>
             <a:endParaRPr lang="pt-BR"/>
           </a:p>
@@ -1614,7 +4261,7 @@
       </p:sp>
       <p:sp>
         <p:nvSpPr>
-          <p:cNvPr id="8" name="Espaço Reservado para Rodapé 7"/>
+          <p:cNvPr id="8" name="Footer Placeholder 7"/>
           <p:cNvSpPr>
             <a:spLocks noGrp="1"/>
           </p:cNvSpPr>
@@ -1633,7 +4280,7 @@
       </p:sp>
       <p:sp>
         <p:nvSpPr>
-          <p:cNvPr id="9" name="Espaço Reservado para Número de Slide 8"/>
+          <p:cNvPr id="9" name="Slide Number Placeholder 8"/>
           <p:cNvSpPr>
             <a:spLocks noGrp="1"/>
           </p:cNvSpPr>
@@ -1657,7 +4304,7 @@
     </p:spTree>
     <p:extLst>
       <p:ext uri="{BB962C8B-B14F-4D97-AF65-F5344CB8AC3E}">
-        <p14:creationId xmlns:p14="http://schemas.microsoft.com/office/powerpoint/2010/main" val="2332598856"/>
+        <p14:creationId xmlns:p14="http://schemas.microsoft.com/office/powerpoint/2010/main" val="1020816088"/>
       </p:ext>
     </p:extLst>
   </p:cSld>
@@ -1686,7 +4333,7 @@
       </p:grpSpPr>
       <p:sp>
         <p:nvSpPr>
-          <p:cNvPr id="2" name="Título 1"/>
+          <p:cNvPr id="2" name="Title 1"/>
           <p:cNvSpPr>
             <a:spLocks noGrp="1"/>
           </p:cNvSpPr>
@@ -1703,13 +4350,13 @@
               <a:rPr lang="pt-BR" smtClean="0"/>
               <a:t>Clique para editar o título mestre</a:t>
             </a:r>
-            <a:endParaRPr lang="pt-BR"/>
-          </a:p>
-        </p:txBody>
-      </p:sp>
-      <p:sp>
-        <p:nvSpPr>
-          <p:cNvPr id="3" name="Espaço Reservado para Data 2"/>
+            <a:endParaRPr lang="en-US" dirty="0"/>
+          </a:p>
+        </p:txBody>
+      </p:sp>
+      <p:sp>
+        <p:nvSpPr>
+          <p:cNvPr id="3" name="Date Placeholder 2"/>
           <p:cNvSpPr>
             <a:spLocks noGrp="1"/>
           </p:cNvSpPr>
@@ -1724,7 +4371,7 @@
           <a:p>
             <a:fld id="{B854FCCC-1971-4334-98E6-125E401D5C30}" type="datetimeFigureOut">
               <a:rPr lang="pt-BR" smtClean="0"/>
-              <a:t>27/08/2019</a:t>
+              <a:t>28/08/2019</a:t>
             </a:fld>
             <a:endParaRPr lang="pt-BR"/>
           </a:p>
@@ -1732,7 +4379,7 @@
       </p:sp>
       <p:sp>
         <p:nvSpPr>
-          <p:cNvPr id="4" name="Espaço Reservado para Rodapé 3"/>
+          <p:cNvPr id="4" name="Footer Placeholder 3"/>
           <p:cNvSpPr>
             <a:spLocks noGrp="1"/>
           </p:cNvSpPr>
@@ -1751,7 +4398,7 @@
       </p:sp>
       <p:sp>
         <p:nvSpPr>
-          <p:cNvPr id="5" name="Espaço Reservado para Número de Slide 4"/>
+          <p:cNvPr id="5" name="Slide Number Placeholder 4"/>
           <p:cNvSpPr>
             <a:spLocks noGrp="1"/>
           </p:cNvSpPr>
@@ -1775,7 +4422,7 @@
     </p:spTree>
     <p:extLst>
       <p:ext uri="{BB962C8B-B14F-4D97-AF65-F5344CB8AC3E}">
-        <p14:creationId xmlns:p14="http://schemas.microsoft.com/office/powerpoint/2010/main" val="176138294"/>
+        <p14:creationId xmlns:p14="http://schemas.microsoft.com/office/powerpoint/2010/main" val="783865357"/>
       </p:ext>
     </p:extLst>
   </p:cSld>
@@ -1804,7 +4451,7 @@
       </p:grpSpPr>
       <p:sp>
         <p:nvSpPr>
-          <p:cNvPr id="2" name="Espaço Reservado para Data 1"/>
+          <p:cNvPr id="2" name="Date Placeholder 1"/>
           <p:cNvSpPr>
             <a:spLocks noGrp="1"/>
           </p:cNvSpPr>
@@ -1819,7 +4466,7 @@
           <a:p>
             <a:fld id="{B854FCCC-1971-4334-98E6-125E401D5C30}" type="datetimeFigureOut">
               <a:rPr lang="pt-BR" smtClean="0"/>
-              <a:t>27/08/2019</a:t>
+              <a:t>28/08/2019</a:t>
             </a:fld>
             <a:endParaRPr lang="pt-BR"/>
           </a:p>
@@ -1827,7 +4474,7 @@
       </p:sp>
       <p:sp>
         <p:nvSpPr>
-          <p:cNvPr id="3" name="Espaço Reservado para Rodapé 2"/>
+          <p:cNvPr id="3" name="Footer Placeholder 2"/>
           <p:cNvSpPr>
             <a:spLocks noGrp="1"/>
           </p:cNvSpPr>
@@ -1846,7 +4493,7 @@
       </p:sp>
       <p:sp>
         <p:nvSpPr>
-          <p:cNvPr id="4" name="Espaço Reservado para Número de Slide 3"/>
+          <p:cNvPr id="4" name="Slide Number Placeholder 3"/>
           <p:cNvSpPr>
             <a:spLocks noGrp="1"/>
           </p:cNvSpPr>
@@ -1870,7 +4517,7 @@
     </p:spTree>
     <p:extLst>
       <p:ext uri="{BB962C8B-B14F-4D97-AF65-F5344CB8AC3E}">
-        <p14:creationId xmlns:p14="http://schemas.microsoft.com/office/powerpoint/2010/main" val="4059979002"/>
+        <p14:creationId xmlns:p14="http://schemas.microsoft.com/office/powerpoint/2010/main" val="2403377095"/>
       </p:ext>
     </p:extLst>
   </p:cSld>
@@ -1899,7 +4546,7 @@
       </p:grpSpPr>
       <p:sp>
         <p:nvSpPr>
-          <p:cNvPr id="2" name="Título 1"/>
+          <p:cNvPr id="2" name="Title 1"/>
           <p:cNvSpPr>
             <a:spLocks noGrp="1"/>
           </p:cNvSpPr>
@@ -1925,13 +4572,13 @@
               <a:rPr lang="pt-BR" smtClean="0"/>
               <a:t>Clique para editar o título mestre</a:t>
             </a:r>
-            <a:endParaRPr lang="pt-BR"/>
-          </a:p>
-        </p:txBody>
-      </p:sp>
-      <p:sp>
-        <p:nvSpPr>
-          <p:cNvPr id="3" name="Espaço Reservado para Conteúdo 2"/>
+            <a:endParaRPr lang="en-US" dirty="0"/>
+          </a:p>
+        </p:txBody>
+      </p:sp>
+      <p:sp>
+        <p:nvSpPr>
+          <p:cNvPr id="3" name="Content Placeholder 2"/>
           <p:cNvSpPr>
             <a:spLocks noGrp="1"/>
           </p:cNvSpPr>
@@ -1947,35 +4594,7 @@
         </p:spPr>
         <p:txBody>
           <a:bodyPr/>
-          <a:lstStyle>
-            <a:lvl1pPr>
-              <a:defRPr sz="3200"/>
-            </a:lvl1pPr>
-            <a:lvl2pPr>
-              <a:defRPr sz="2800"/>
-            </a:lvl2pPr>
-            <a:lvl3pPr>
-              <a:defRPr sz="2400"/>
-            </a:lvl3pPr>
-            <a:lvl4pPr>
-              <a:defRPr sz="2000"/>
-            </a:lvl4pPr>
-            <a:lvl5pPr>
-              <a:defRPr sz="2000"/>
-            </a:lvl5pPr>
-            <a:lvl6pPr>
-              <a:defRPr sz="2000"/>
-            </a:lvl6pPr>
-            <a:lvl7pPr>
-              <a:defRPr sz="2000"/>
-            </a:lvl7pPr>
-            <a:lvl8pPr>
-              <a:defRPr sz="2000"/>
-            </a:lvl8pPr>
-            <a:lvl9pPr>
-              <a:defRPr sz="2000"/>
-            </a:lvl9pPr>
-          </a:lstStyle>
+          <a:lstStyle/>
           <a:p>
             <a:pPr lvl="0"/>
             <a:r>
@@ -2010,13 +4629,13 @@
               <a:rPr lang="pt-BR" smtClean="0"/>
               <a:t>Quinto nível</a:t>
             </a:r>
-            <a:endParaRPr lang="pt-BR"/>
-          </a:p>
-        </p:txBody>
-      </p:sp>
-      <p:sp>
-        <p:nvSpPr>
-          <p:cNvPr id="4" name="Espaço Reservado para Texto 3"/>
+            <a:endParaRPr lang="en-US" dirty="0"/>
+          </a:p>
+        </p:txBody>
+      </p:sp>
+      <p:sp>
+        <p:nvSpPr>
+          <p:cNvPr id="4" name="Text Placeholder 3"/>
           <p:cNvSpPr>
             <a:spLocks noGrp="1"/>
           </p:cNvSpPr>
@@ -2026,8 +4645,8 @@
         </p:nvSpPr>
         <p:spPr>
           <a:xfrm>
-            <a:off x="839788" y="2057400"/>
-            <a:ext cx="3932237" cy="3811588"/>
+            <a:off x="1120000" y="2057400"/>
+            <a:ext cx="3652025" cy="3811588"/>
           </a:xfrm>
         </p:spPr>
         <p:txBody>
@@ -2035,7 +4654,31 @@
           <a:lstStyle>
             <a:lvl1pPr marL="0" indent="0">
               <a:buNone/>
-              <a:defRPr sz="1600"/>
+              <a:defRPr sz="1600">
+                <a:gradFill>
+                  <a:gsLst>
+                    <a:gs pos="15000">
+                      <a:schemeClr val="tx2"/>
+                    </a:gs>
+                    <a:gs pos="73000">
+                      <a:schemeClr val="tx2">
+                        <a:lumMod val="60000"/>
+                        <a:lumOff val="40000"/>
+                      </a:schemeClr>
+                    </a:gs>
+                    <a:gs pos="0">
+                      <a:schemeClr val="tx1"/>
+                    </a:gs>
+                    <a:gs pos="100000">
+                      <a:schemeClr val="tx2">
+                        <a:lumMod val="0"/>
+                        <a:lumOff val="100000"/>
+                      </a:schemeClr>
+                    </a:gs>
+                  </a:gsLst>
+                  <a:lin ang="16200000" scaled="1"/>
+                </a:gradFill>
+              </a:defRPr>
             </a:lvl1pPr>
             <a:lvl2pPr marL="457200" indent="0">
               <a:buNone/>
@@ -2081,7 +4724,7 @@
       </p:sp>
       <p:sp>
         <p:nvSpPr>
-          <p:cNvPr id="5" name="Espaço Reservado para Data 4"/>
+          <p:cNvPr id="5" name="Date Placeholder 4"/>
           <p:cNvSpPr>
             <a:spLocks noGrp="1"/>
           </p:cNvSpPr>
@@ -2096,7 +4739,7 @@
           <a:p>
             <a:fld id="{B854FCCC-1971-4334-98E6-125E401D5C30}" type="datetimeFigureOut">
               <a:rPr lang="pt-BR" smtClean="0"/>
-              <a:t>27/08/2019</a:t>
+              <a:t>28/08/2019</a:t>
             </a:fld>
             <a:endParaRPr lang="pt-BR"/>
           </a:p>
@@ -2104,7 +4747,7 @@
       </p:sp>
       <p:sp>
         <p:nvSpPr>
-          <p:cNvPr id="6" name="Espaço Reservado para Rodapé 5"/>
+          <p:cNvPr id="6" name="Footer Placeholder 5"/>
           <p:cNvSpPr>
             <a:spLocks noGrp="1"/>
           </p:cNvSpPr>
@@ -2123,7 +4766,7 @@
       </p:sp>
       <p:sp>
         <p:nvSpPr>
-          <p:cNvPr id="7" name="Espaço Reservado para Número de Slide 6"/>
+          <p:cNvPr id="7" name="Slide Number Placeholder 6"/>
           <p:cNvSpPr>
             <a:spLocks noGrp="1"/>
           </p:cNvSpPr>
@@ -2147,7 +4790,7 @@
     </p:spTree>
     <p:extLst>
       <p:ext uri="{BB962C8B-B14F-4D97-AF65-F5344CB8AC3E}">
-        <p14:creationId xmlns:p14="http://schemas.microsoft.com/office/powerpoint/2010/main" val="2524001830"/>
+        <p14:creationId xmlns:p14="http://schemas.microsoft.com/office/powerpoint/2010/main" val="3677018380"/>
       </p:ext>
     </p:extLst>
   </p:cSld>
@@ -2176,7 +4819,7 @@
       </p:grpSpPr>
       <p:sp>
         <p:nvSpPr>
-          <p:cNvPr id="2" name="Título 1"/>
+          <p:cNvPr id="2" name="Title 1"/>
           <p:cNvSpPr>
             <a:spLocks noGrp="1"/>
           </p:cNvSpPr>
@@ -2202,15 +4845,15 @@
               <a:rPr lang="pt-BR" smtClean="0"/>
               <a:t>Clique para editar o título mestre</a:t>
             </a:r>
-            <a:endParaRPr lang="pt-BR"/>
-          </a:p>
-        </p:txBody>
-      </p:sp>
-      <p:sp>
-        <p:nvSpPr>
-          <p:cNvPr id="3" name="Espaço Reservado para Imagem 2"/>
-          <p:cNvSpPr>
-            <a:spLocks noGrp="1"/>
+            <a:endParaRPr lang="en-US" dirty="0"/>
+          </a:p>
+        </p:txBody>
+      </p:sp>
+      <p:sp>
+        <p:nvSpPr>
+          <p:cNvPr id="3" name="Picture Placeholder 2"/>
+          <p:cNvSpPr>
+            <a:spLocks noGrp="1" noChangeAspect="1"/>
           </p:cNvSpPr>
           <p:nvPr>
             <p:ph type="pic" idx="1"/>
@@ -2220,6 +4863,71 @@
           <a:xfrm>
             <a:off x="5183188" y="987425"/>
             <a:ext cx="6172200" cy="4873625"/>
+          </a:xfrm>
+        </p:spPr>
+        <p:txBody>
+          <a:bodyPr anchor="t"/>
+          <a:lstStyle>
+            <a:lvl1pPr marL="0" indent="0">
+              <a:buNone/>
+              <a:defRPr sz="3200"/>
+            </a:lvl1pPr>
+            <a:lvl2pPr marL="457200" indent="0">
+              <a:buNone/>
+              <a:defRPr sz="2800"/>
+            </a:lvl2pPr>
+            <a:lvl3pPr marL="914400" indent="0">
+              <a:buNone/>
+              <a:defRPr sz="2400"/>
+            </a:lvl3pPr>
+            <a:lvl4pPr marL="1371600" indent="0">
+              <a:buNone/>
+              <a:defRPr sz="2000"/>
+            </a:lvl4pPr>
+            <a:lvl5pPr marL="1828800" indent="0">
+              <a:buNone/>
+              <a:defRPr sz="2000"/>
+            </a:lvl5pPr>
+            <a:lvl6pPr marL="2286000" indent="0">
+              <a:buNone/>
+              <a:defRPr sz="2000"/>
+            </a:lvl6pPr>
+            <a:lvl7pPr marL="2743200" indent="0">
+              <a:buNone/>
+              <a:defRPr sz="2000"/>
+            </a:lvl7pPr>
+            <a:lvl8pPr marL="3200400" indent="0">
+              <a:buNone/>
+              <a:defRPr sz="2000"/>
+            </a:lvl8pPr>
+            <a:lvl9pPr marL="3657600" indent="0">
+              <a:buNone/>
+              <a:defRPr sz="2000"/>
+            </a:lvl9pPr>
+          </a:lstStyle>
+          <a:p>
+            <a:r>
+              <a:rPr lang="pt-BR" smtClean="0"/>
+              <a:t>Clique no ícone para adicionar uma imagem</a:t>
+            </a:r>
+            <a:endParaRPr lang="en-US" dirty="0"/>
+          </a:p>
+        </p:txBody>
+      </p:sp>
+      <p:sp>
+        <p:nvSpPr>
+          <p:cNvPr id="4" name="Text Placeholder 3"/>
+          <p:cNvSpPr>
+            <a:spLocks noGrp="1"/>
+          </p:cNvSpPr>
+          <p:nvPr>
+            <p:ph type="body" sz="half" idx="2"/>
+          </p:nvPr>
+        </p:nvSpPr>
+        <p:spPr>
+          <a:xfrm>
+            <a:off x="1120000" y="2057400"/>
+            <a:ext cx="3652025" cy="3811588"/>
           </a:xfrm>
         </p:spPr>
         <p:txBody>
@@ -2227,68 +4935,31 @@
           <a:lstStyle>
             <a:lvl1pPr marL="0" indent="0">
               <a:buNone/>
-              <a:defRPr sz="3200"/>
-            </a:lvl1pPr>
-            <a:lvl2pPr marL="457200" indent="0">
-              <a:buNone/>
-              <a:defRPr sz="2800"/>
-            </a:lvl2pPr>
-            <a:lvl3pPr marL="914400" indent="0">
-              <a:buNone/>
-              <a:defRPr sz="2400"/>
-            </a:lvl3pPr>
-            <a:lvl4pPr marL="1371600" indent="0">
-              <a:buNone/>
-              <a:defRPr sz="2000"/>
-            </a:lvl4pPr>
-            <a:lvl5pPr marL="1828800" indent="0">
-              <a:buNone/>
-              <a:defRPr sz="2000"/>
-            </a:lvl5pPr>
-            <a:lvl6pPr marL="2286000" indent="0">
-              <a:buNone/>
-              <a:defRPr sz="2000"/>
-            </a:lvl6pPr>
-            <a:lvl7pPr marL="2743200" indent="0">
-              <a:buNone/>
-              <a:defRPr sz="2000"/>
-            </a:lvl7pPr>
-            <a:lvl8pPr marL="3200400" indent="0">
-              <a:buNone/>
-              <a:defRPr sz="2000"/>
-            </a:lvl8pPr>
-            <a:lvl9pPr marL="3657600" indent="0">
-              <a:buNone/>
-              <a:defRPr sz="2000"/>
-            </a:lvl9pPr>
-          </a:lstStyle>
-          <a:p>
-            <a:endParaRPr lang="pt-BR"/>
-          </a:p>
-        </p:txBody>
-      </p:sp>
-      <p:sp>
-        <p:nvSpPr>
-          <p:cNvPr id="4" name="Espaço Reservado para Texto 3"/>
-          <p:cNvSpPr>
-            <a:spLocks noGrp="1"/>
-          </p:cNvSpPr>
-          <p:nvPr>
-            <p:ph type="body" sz="half" idx="2"/>
-          </p:nvPr>
-        </p:nvSpPr>
-        <p:spPr>
-          <a:xfrm>
-            <a:off x="839788" y="2057400"/>
-            <a:ext cx="3932237" cy="3811588"/>
-          </a:xfrm>
-        </p:spPr>
-        <p:txBody>
-          <a:bodyPr/>
-          <a:lstStyle>
-            <a:lvl1pPr marL="0" indent="0">
-              <a:buNone/>
-              <a:defRPr sz="1600"/>
+              <a:defRPr sz="1600">
+                <a:gradFill>
+                  <a:gsLst>
+                    <a:gs pos="15000">
+                      <a:schemeClr val="tx2"/>
+                    </a:gs>
+                    <a:gs pos="73000">
+                      <a:schemeClr val="tx2">
+                        <a:lumMod val="60000"/>
+                        <a:lumOff val="40000"/>
+                      </a:schemeClr>
+                    </a:gs>
+                    <a:gs pos="0">
+                      <a:schemeClr val="tx1"/>
+                    </a:gs>
+                    <a:gs pos="100000">
+                      <a:schemeClr val="tx2">
+                        <a:lumMod val="0"/>
+                        <a:lumOff val="100000"/>
+                      </a:schemeClr>
+                    </a:gs>
+                  </a:gsLst>
+                  <a:lin ang="16200000" scaled="1"/>
+                </a:gradFill>
+              </a:defRPr>
             </a:lvl1pPr>
             <a:lvl2pPr marL="457200" indent="0">
               <a:buNone/>
@@ -2334,7 +5005,7 @@
       </p:sp>
       <p:sp>
         <p:nvSpPr>
-          <p:cNvPr id="5" name="Espaço Reservado para Data 4"/>
+          <p:cNvPr id="5" name="Date Placeholder 4"/>
           <p:cNvSpPr>
             <a:spLocks noGrp="1"/>
           </p:cNvSpPr>
@@ -2349,7 +5020,7 @@
           <a:p>
             <a:fld id="{B854FCCC-1971-4334-98E6-125E401D5C30}" type="datetimeFigureOut">
               <a:rPr lang="pt-BR" smtClean="0"/>
-              <a:t>27/08/2019</a:t>
+              <a:t>28/08/2019</a:t>
             </a:fld>
             <a:endParaRPr lang="pt-BR"/>
           </a:p>
@@ -2357,7 +5028,7 @@
       </p:sp>
       <p:sp>
         <p:nvSpPr>
-          <p:cNvPr id="6" name="Espaço Reservado para Rodapé 5"/>
+          <p:cNvPr id="6" name="Footer Placeholder 5"/>
           <p:cNvSpPr>
             <a:spLocks noGrp="1"/>
           </p:cNvSpPr>
@@ -2376,7 +5047,7 @@
       </p:sp>
       <p:sp>
         <p:nvSpPr>
-          <p:cNvPr id="7" name="Espaço Reservado para Número de Slide 6"/>
+          <p:cNvPr id="7" name="Slide Number Placeholder 6"/>
           <p:cNvSpPr>
             <a:spLocks noGrp="1"/>
           </p:cNvSpPr>
@@ -2400,7 +5071,7 @@
     </p:spTree>
     <p:extLst>
       <p:ext uri="{BB962C8B-B14F-4D97-AF65-F5344CB8AC3E}">
-        <p14:creationId xmlns:p14="http://schemas.microsoft.com/office/powerpoint/2010/main" val="1495106233"/>
+        <p14:creationId xmlns:p14="http://schemas.microsoft.com/office/powerpoint/2010/main" val="397725692"/>
       </p:ext>
     </p:extLst>
   </p:cSld>
@@ -2414,9 +5085,18 @@
 <p:sldMaster xmlns:a="http://schemas.openxmlformats.org/drawingml/2006/main" xmlns:r="http://schemas.openxmlformats.org/officeDocument/2006/relationships" xmlns:p="http://schemas.openxmlformats.org/presentationml/2006/main">
   <p:cSld>
     <p:bg>
-      <p:bgRef idx="1001">
-        <a:schemeClr val="bg1"/>
-      </p:bgRef>
+      <p:bgPr>
+        <a:blipFill dpi="0" rotWithShape="1">
+          <a:blip r:embed="rId19">
+            <a:lum/>
+          </a:blip>
+          <a:srcRect/>
+          <a:stretch>
+            <a:fillRect/>
+          </a:stretch>
+        </a:blipFill>
+        <a:effectLst/>
+      </p:bgPr>
     </p:bg>
     <p:spTree>
       <p:nvGrpSpPr>
@@ -2434,7 +5114,7 @@
       </p:grpSpPr>
       <p:sp>
         <p:nvSpPr>
-          <p:cNvPr id="2" name="Espaço Reservado para Título 1"/>
+          <p:cNvPr id="2" name="Title Placeholder 1"/>
           <p:cNvSpPr>
             <a:spLocks noGrp="1"/>
           </p:cNvSpPr>
@@ -2461,13 +5141,13 @@
               <a:rPr lang="pt-BR" smtClean="0"/>
               <a:t>Clique para editar o título mestre</a:t>
             </a:r>
-            <a:endParaRPr lang="pt-BR"/>
-          </a:p>
-        </p:txBody>
-      </p:sp>
-      <p:sp>
-        <p:nvSpPr>
-          <p:cNvPr id="3" name="Espaço Reservado para Texto 2"/>
+            <a:endParaRPr lang="en-US" dirty="0"/>
+          </a:p>
+        </p:txBody>
+      </p:sp>
+      <p:sp>
+        <p:nvSpPr>
+          <p:cNvPr id="3" name="Text Placeholder 2"/>
           <p:cNvSpPr>
             <a:spLocks noGrp="1"/>
           </p:cNvSpPr>
@@ -2477,8 +5157,8 @@
         </p:nvSpPr>
         <p:spPr>
           <a:xfrm>
-            <a:off x="838200" y="1825625"/>
-            <a:ext cx="10515600" cy="4351338"/>
+            <a:off x="1120000" y="1825625"/>
+            <a:ext cx="10233800" cy="4351338"/>
           </a:xfrm>
           <a:prstGeom prst="rect">
             <a:avLst/>
@@ -2523,13 +5203,13 @@
               <a:rPr lang="pt-BR" smtClean="0"/>
               <a:t>Quinto nível</a:t>
             </a:r>
-            <a:endParaRPr lang="pt-BR"/>
-          </a:p>
-        </p:txBody>
-      </p:sp>
-      <p:sp>
-        <p:nvSpPr>
-          <p:cNvPr id="4" name="Espaço Reservado para Data 3"/>
+            <a:endParaRPr lang="en-US" dirty="0"/>
+          </a:p>
+        </p:txBody>
+      </p:sp>
+      <p:sp>
+        <p:nvSpPr>
+          <p:cNvPr id="4" name="Date Placeholder 3"/>
           <p:cNvSpPr>
             <a:spLocks noGrp="1"/>
           </p:cNvSpPr>
@@ -2551,18 +5231,36 @@
           <a:lstStyle>
             <a:lvl1pPr algn="l">
               <a:defRPr sz="1200">
-                <a:solidFill>
-                  <a:schemeClr val="tx1">
-                    <a:tint val="75000"/>
-                  </a:schemeClr>
-                </a:solidFill>
+                <a:gradFill flip="none" rotWithShape="1">
+                  <a:gsLst>
+                    <a:gs pos="28000">
+                      <a:schemeClr val="tx1">
+                        <a:lumMod val="93000"/>
+                      </a:schemeClr>
+                    </a:gs>
+                    <a:gs pos="0">
+                      <a:schemeClr val="bg1">
+                        <a:lumMod val="38000"/>
+                        <a:lumOff val="62000"/>
+                      </a:schemeClr>
+                    </a:gs>
+                    <a:gs pos="100000">
+                      <a:schemeClr val="tx2">
+                        <a:lumMod val="0"/>
+                        <a:lumOff val="100000"/>
+                      </a:schemeClr>
+                    </a:gs>
+                  </a:gsLst>
+                  <a:lin ang="5400000" scaled="1"/>
+                  <a:tileRect/>
+                </a:gradFill>
               </a:defRPr>
             </a:lvl1pPr>
           </a:lstStyle>
           <a:p>
             <a:fld id="{B854FCCC-1971-4334-98E6-125E401D5C30}" type="datetimeFigureOut">
               <a:rPr lang="pt-BR" smtClean="0"/>
-              <a:t>27/08/2019</a:t>
+              <a:t>28/08/2019</a:t>
             </a:fld>
             <a:endParaRPr lang="pt-BR"/>
           </a:p>
@@ -2570,7 +5268,7 @@
       </p:sp>
       <p:sp>
         <p:nvSpPr>
-          <p:cNvPr id="5" name="Espaço Reservado para Rodapé 4"/>
+          <p:cNvPr id="5" name="Footer Placeholder 4"/>
           <p:cNvSpPr>
             <a:spLocks noGrp="1"/>
           </p:cNvSpPr>
@@ -2592,11 +5290,29 @@
           <a:lstStyle>
             <a:lvl1pPr algn="ctr">
               <a:defRPr sz="1200">
-                <a:solidFill>
-                  <a:schemeClr val="tx1">
-                    <a:tint val="75000"/>
-                  </a:schemeClr>
-                </a:solidFill>
+                <a:gradFill flip="none" rotWithShape="1">
+                  <a:gsLst>
+                    <a:gs pos="28000">
+                      <a:schemeClr val="tx1">
+                        <a:lumMod val="93000"/>
+                      </a:schemeClr>
+                    </a:gs>
+                    <a:gs pos="0">
+                      <a:schemeClr val="bg1">
+                        <a:lumMod val="38000"/>
+                        <a:lumOff val="62000"/>
+                      </a:schemeClr>
+                    </a:gs>
+                    <a:gs pos="100000">
+                      <a:schemeClr val="tx2">
+                        <a:lumMod val="0"/>
+                        <a:lumOff val="100000"/>
+                      </a:schemeClr>
+                    </a:gs>
+                  </a:gsLst>
+                  <a:lin ang="5400000" scaled="1"/>
+                  <a:tileRect/>
+                </a:gradFill>
               </a:defRPr>
             </a:lvl1pPr>
           </a:lstStyle>
@@ -2607,7 +5323,7 @@
       </p:sp>
       <p:sp>
         <p:nvSpPr>
-          <p:cNvPr id="6" name="Espaço Reservado para Número de Slide 5"/>
+          <p:cNvPr id="6" name="Slide Number Placeholder 5"/>
           <p:cNvSpPr>
             <a:spLocks noGrp="1"/>
           </p:cNvSpPr>
@@ -2629,11 +5345,29 @@
           <a:lstStyle>
             <a:lvl1pPr algn="r">
               <a:defRPr sz="1200">
-                <a:solidFill>
-                  <a:schemeClr val="tx1">
-                    <a:tint val="75000"/>
-                  </a:schemeClr>
-                </a:solidFill>
+                <a:gradFill flip="none" rotWithShape="1">
+                  <a:gsLst>
+                    <a:gs pos="28000">
+                      <a:schemeClr val="tx1">
+                        <a:lumMod val="93000"/>
+                      </a:schemeClr>
+                    </a:gs>
+                    <a:gs pos="0">
+                      <a:schemeClr val="bg1">
+                        <a:lumMod val="38000"/>
+                        <a:lumOff val="62000"/>
+                      </a:schemeClr>
+                    </a:gs>
+                    <a:gs pos="100000">
+                      <a:schemeClr val="tx2">
+                        <a:lumMod val="0"/>
+                        <a:lumOff val="100000"/>
+                      </a:schemeClr>
+                    </a:gs>
+                  </a:gsLst>
+                  <a:lin ang="5400000" scaled="1"/>
+                  <a:tileRect/>
+                </a:gradFill>
               </a:defRPr>
             </a:lvl1pPr>
           </a:lstStyle>
@@ -2649,23 +5383,29 @@
     </p:spTree>
     <p:extLst>
       <p:ext uri="{BB962C8B-B14F-4D97-AF65-F5344CB8AC3E}">
-        <p14:creationId xmlns:p14="http://schemas.microsoft.com/office/powerpoint/2010/main" val="794843902"/>
+        <p14:creationId xmlns:p14="http://schemas.microsoft.com/office/powerpoint/2010/main" val="1563705299"/>
       </p:ext>
     </p:extLst>
   </p:cSld>
-  <p:clrMap bg1="lt1" tx1="dk1" bg2="lt2" tx2="dk2" accent1="accent1" accent2="accent2" accent3="accent3" accent4="accent4" accent5="accent5" accent6="accent6" hlink="hlink" folHlink="folHlink"/>
+  <p:clrMap bg1="dk1" tx1="lt1" bg2="dk2" tx2="lt2" accent1="accent1" accent2="accent2" accent3="accent3" accent4="accent4" accent5="accent5" accent6="accent6" hlink="hlink" folHlink="folHlink"/>
   <p:sldLayoutIdLst>
-    <p:sldLayoutId id="2147483649" r:id="rId1"/>
-    <p:sldLayoutId id="2147483650" r:id="rId2"/>
-    <p:sldLayoutId id="2147483651" r:id="rId3"/>
-    <p:sldLayoutId id="2147483652" r:id="rId4"/>
-    <p:sldLayoutId id="2147483653" r:id="rId5"/>
-    <p:sldLayoutId id="2147483654" r:id="rId6"/>
-    <p:sldLayoutId id="2147483655" r:id="rId7"/>
-    <p:sldLayoutId id="2147483656" r:id="rId8"/>
-    <p:sldLayoutId id="2147483657" r:id="rId9"/>
-    <p:sldLayoutId id="2147483658" r:id="rId10"/>
-    <p:sldLayoutId id="2147483659" r:id="rId11"/>
+    <p:sldLayoutId id="2147483679" r:id="rId1"/>
+    <p:sldLayoutId id="2147483680" r:id="rId2"/>
+    <p:sldLayoutId id="2147483681" r:id="rId3"/>
+    <p:sldLayoutId id="2147483682" r:id="rId4"/>
+    <p:sldLayoutId id="2147483683" r:id="rId5"/>
+    <p:sldLayoutId id="2147483684" r:id="rId6"/>
+    <p:sldLayoutId id="2147483685" r:id="rId7"/>
+    <p:sldLayoutId id="2147483686" r:id="rId8"/>
+    <p:sldLayoutId id="2147483687" r:id="rId9"/>
+    <p:sldLayoutId id="2147483688" r:id="rId10"/>
+    <p:sldLayoutId id="2147483689" r:id="rId11"/>
+    <p:sldLayoutId id="2147483690" r:id="rId12"/>
+    <p:sldLayoutId id="2147483691" r:id="rId13"/>
+    <p:sldLayoutId id="2147483692" r:id="rId14"/>
+    <p:sldLayoutId id="2147483693" r:id="rId15"/>
+    <p:sldLayoutId id="2147483694" r:id="rId16"/>
+    <p:sldLayoutId id="2147483695" r:id="rId17"/>
   </p:sldLayoutIdLst>
   <p:txStyles>
     <p:titleStyle>
@@ -2677,10 +5417,30 @@
           <a:spcPct val="0"/>
         </a:spcBef>
         <a:buNone/>
-        <a:defRPr sz="4400" kern="1200">
-          <a:solidFill>
-            <a:schemeClr val="tx1"/>
-          </a:solidFill>
+        <a:defRPr sz="5400" b="0" kern="1200">
+          <a:gradFill flip="none" rotWithShape="1">
+            <a:gsLst>
+              <a:gs pos="28000">
+                <a:schemeClr val="tx1">
+                  <a:lumMod val="93000"/>
+                </a:schemeClr>
+              </a:gs>
+              <a:gs pos="0">
+                <a:schemeClr val="bg1">
+                  <a:lumMod val="25000"/>
+                  <a:lumOff val="75000"/>
+                </a:schemeClr>
+              </a:gs>
+              <a:gs pos="100000">
+                <a:schemeClr val="tx2">
+                  <a:lumMod val="0"/>
+                  <a:lumOff val="100000"/>
+                </a:schemeClr>
+              </a:gs>
+            </a:gsLst>
+            <a:lin ang="4800000" scaled="0"/>
+            <a:tileRect/>
+          </a:gradFill>
           <a:latin typeface="+mj-lt"/>
           <a:ea typeface="+mj-ea"/>
           <a:cs typeface="+mj-cs"/>
@@ -2698,9 +5458,28 @@
         <a:buFont typeface="Arial" panose="020B0604020202020204" pitchFamily="34" charset="0"/>
         <a:buChar char="•"/>
         <a:defRPr sz="2800" kern="1200">
-          <a:solidFill>
-            <a:schemeClr val="tx1"/>
-          </a:solidFill>
+          <a:gradFill>
+            <a:gsLst>
+              <a:gs pos="34000">
+                <a:schemeClr val="tx1">
+                  <a:lumMod val="93000"/>
+                </a:schemeClr>
+              </a:gs>
+              <a:gs pos="0">
+                <a:schemeClr val="bg1">
+                  <a:lumMod val="25000"/>
+                  <a:lumOff val="75000"/>
+                </a:schemeClr>
+              </a:gs>
+              <a:gs pos="100000">
+                <a:schemeClr val="tx2">
+                  <a:lumMod val="0"/>
+                  <a:lumOff val="100000"/>
+                </a:schemeClr>
+              </a:gs>
+            </a:gsLst>
+            <a:lin ang="4800000" scaled="0"/>
+          </a:gradFill>
           <a:latin typeface="+mn-lt"/>
           <a:ea typeface="+mn-ea"/>
           <a:cs typeface="+mn-cs"/>
@@ -2716,9 +5495,28 @@
         <a:buFont typeface="Arial" panose="020B0604020202020204" pitchFamily="34" charset="0"/>
         <a:buChar char="•"/>
         <a:defRPr sz="2400" kern="1200">
-          <a:solidFill>
-            <a:schemeClr val="tx1"/>
-          </a:solidFill>
+          <a:gradFill>
+            <a:gsLst>
+              <a:gs pos="34000">
+                <a:schemeClr val="tx1">
+                  <a:lumMod val="93000"/>
+                </a:schemeClr>
+              </a:gs>
+              <a:gs pos="0">
+                <a:schemeClr val="bg1">
+                  <a:lumMod val="25000"/>
+                  <a:lumOff val="75000"/>
+                </a:schemeClr>
+              </a:gs>
+              <a:gs pos="100000">
+                <a:schemeClr val="tx2">
+                  <a:lumMod val="0"/>
+                  <a:lumOff val="100000"/>
+                </a:schemeClr>
+              </a:gs>
+            </a:gsLst>
+            <a:lin ang="4800000" scaled="0"/>
+          </a:gradFill>
           <a:latin typeface="+mn-lt"/>
           <a:ea typeface="+mn-ea"/>
           <a:cs typeface="+mn-cs"/>
@@ -2734,9 +5532,28 @@
         <a:buFont typeface="Arial" panose="020B0604020202020204" pitchFamily="34" charset="0"/>
         <a:buChar char="•"/>
         <a:defRPr sz="2000" kern="1200">
-          <a:solidFill>
-            <a:schemeClr val="tx1"/>
-          </a:solidFill>
+          <a:gradFill>
+            <a:gsLst>
+              <a:gs pos="34000">
+                <a:schemeClr val="tx1">
+                  <a:lumMod val="93000"/>
+                </a:schemeClr>
+              </a:gs>
+              <a:gs pos="0">
+                <a:schemeClr val="bg1">
+                  <a:lumMod val="25000"/>
+                  <a:lumOff val="75000"/>
+                </a:schemeClr>
+              </a:gs>
+              <a:gs pos="100000">
+                <a:schemeClr val="tx2">
+                  <a:lumMod val="0"/>
+                  <a:lumOff val="100000"/>
+                </a:schemeClr>
+              </a:gs>
+            </a:gsLst>
+            <a:lin ang="4800000" scaled="0"/>
+          </a:gradFill>
           <a:latin typeface="+mn-lt"/>
           <a:ea typeface="+mn-ea"/>
           <a:cs typeface="+mn-cs"/>
@@ -2752,9 +5569,28 @@
         <a:buFont typeface="Arial" panose="020B0604020202020204" pitchFamily="34" charset="0"/>
         <a:buChar char="•"/>
         <a:defRPr sz="1800" kern="1200">
-          <a:solidFill>
-            <a:schemeClr val="tx1"/>
-          </a:solidFill>
+          <a:gradFill>
+            <a:gsLst>
+              <a:gs pos="34000">
+                <a:schemeClr val="tx1">
+                  <a:lumMod val="93000"/>
+                </a:schemeClr>
+              </a:gs>
+              <a:gs pos="0">
+                <a:schemeClr val="bg1">
+                  <a:lumMod val="25000"/>
+                  <a:lumOff val="75000"/>
+                </a:schemeClr>
+              </a:gs>
+              <a:gs pos="100000">
+                <a:schemeClr val="tx2">
+                  <a:lumMod val="0"/>
+                  <a:lumOff val="100000"/>
+                </a:schemeClr>
+              </a:gs>
+            </a:gsLst>
+            <a:lin ang="4800000" scaled="0"/>
+          </a:gradFill>
           <a:latin typeface="+mn-lt"/>
           <a:ea typeface="+mn-ea"/>
           <a:cs typeface="+mn-cs"/>
@@ -2770,9 +5606,28 @@
         <a:buFont typeface="Arial" panose="020B0604020202020204" pitchFamily="34" charset="0"/>
         <a:buChar char="•"/>
         <a:defRPr sz="1800" kern="1200">
-          <a:solidFill>
-            <a:schemeClr val="tx1"/>
-          </a:solidFill>
+          <a:gradFill>
+            <a:gsLst>
+              <a:gs pos="34000">
+                <a:schemeClr val="tx1">
+                  <a:lumMod val="93000"/>
+                </a:schemeClr>
+              </a:gs>
+              <a:gs pos="0">
+                <a:schemeClr val="bg1">
+                  <a:lumMod val="25000"/>
+                  <a:lumOff val="75000"/>
+                </a:schemeClr>
+              </a:gs>
+              <a:gs pos="100000">
+                <a:schemeClr val="tx2">
+                  <a:lumMod val="0"/>
+                  <a:lumOff val="100000"/>
+                </a:schemeClr>
+              </a:gs>
+            </a:gsLst>
+            <a:lin ang="4800000" scaled="0"/>
+          </a:gradFill>
           <a:latin typeface="+mn-lt"/>
           <a:ea typeface="+mn-ea"/>
           <a:cs typeface="+mn-cs"/>
@@ -2853,7 +5708,7 @@
     </p:bodyStyle>
     <p:otherStyle>
       <a:defPPr>
-        <a:defRPr lang="pt-BR"/>
+        <a:defRPr lang="en-US"/>
       </a:defPPr>
       <a:lvl1pPr marL="0" algn="l" defTabSz="914400" rtl="0" eaLnBrk="1" latinLnBrk="0" hangingPunct="1">
         <a:defRPr sz="1800" kern="1200">
@@ -2983,8 +5838,8 @@
         </p:blipFill>
         <p:spPr>
           <a:xfrm>
-            <a:off x="2304506" y="2217268"/>
-            <a:ext cx="7793083" cy="4387773"/>
+            <a:off x="2220686" y="1327220"/>
+            <a:ext cx="9335952" cy="5256461"/>
           </a:xfrm>
           <a:prstGeom prst="rect">
             <a:avLst/>
@@ -2999,8 +5854,8 @@
         </p:nvSpPr>
         <p:spPr>
           <a:xfrm>
-            <a:off x="2772229" y="3657600"/>
-            <a:ext cx="4717142" cy="2612571"/>
+            <a:off x="2438870" y="3069392"/>
+            <a:ext cx="5651038" cy="3025602"/>
           </a:xfrm>
           <a:prstGeom prst="rect">
             <a:avLst/>
@@ -3047,8 +5902,8 @@
         </p:nvSpPr>
         <p:spPr>
           <a:xfrm>
-            <a:off x="3106057" y="4411154"/>
-            <a:ext cx="4252685" cy="769441"/>
+            <a:off x="3047205" y="4021048"/>
+            <a:ext cx="4434368" cy="769441"/>
           </a:xfrm>
           <a:prstGeom prst="rect">
             <a:avLst/>
@@ -3062,10 +5917,18 @@
           <a:lstStyle/>
           <a:p>
             <a:r>
-              <a:rPr lang="pt-BR" sz="4400" dirty="0" smtClean="0"/>
+              <a:rPr lang="pt-BR" sz="4400" dirty="0" smtClean="0">
+                <a:solidFill>
+                  <a:schemeClr val="bg1"/>
+                </a:solidFill>
+              </a:rPr>
               <a:t>TEXTO DA HOME</a:t>
             </a:r>
-            <a:endParaRPr lang="pt-BR" sz="4400" dirty="0"/>
+            <a:endParaRPr lang="pt-BR" sz="4400" dirty="0">
+              <a:solidFill>
+                <a:schemeClr val="bg1"/>
+              </a:solidFill>
+            </a:endParaRPr>
           </a:p>
         </p:txBody>
       </p:sp>
@@ -3077,8 +5940,8 @@
         </p:nvSpPr>
         <p:spPr>
           <a:xfrm>
-            <a:off x="7765143" y="3657600"/>
-            <a:ext cx="2148114" cy="2612571"/>
+            <a:off x="8570462" y="3069392"/>
+            <a:ext cx="2573396" cy="3025602"/>
           </a:xfrm>
           <a:prstGeom prst="rect">
             <a:avLst/>
@@ -3123,8 +5986,8 @@
         </p:nvSpPr>
         <p:spPr>
           <a:xfrm>
-            <a:off x="7888514" y="4534264"/>
-            <a:ext cx="1901371" cy="646331"/>
+            <a:off x="8818820" y="4082604"/>
+            <a:ext cx="2079171" cy="646331"/>
           </a:xfrm>
           <a:prstGeom prst="rect">
             <a:avLst/>
@@ -3138,13 +6001,234 @@
           <a:lstStyle/>
           <a:p>
             <a:r>
+              <a:rPr lang="pt-BR" sz="3600" dirty="0" smtClean="0">
+                <a:solidFill>
+                  <a:schemeClr val="bg1"/>
+                </a:solidFill>
+              </a:rPr>
+              <a:t>IMAGEM</a:t>
+            </a:r>
+            <a:endParaRPr lang="pt-BR" sz="3600" dirty="0">
+              <a:solidFill>
+                <a:schemeClr val="bg1"/>
+              </a:solidFill>
+            </a:endParaRPr>
+          </a:p>
+        </p:txBody>
+      </p:sp>
+      <p:sp>
+        <p:nvSpPr>
+          <p:cNvPr id="8" name="CaixaDeTexto 7"/>
+          <p:cNvSpPr txBox="1"/>
+          <p:nvPr/>
+        </p:nvSpPr>
+        <p:spPr>
+          <a:xfrm>
+            <a:off x="931713" y="416461"/>
+            <a:ext cx="1430127" cy="646331"/>
+          </a:xfrm>
+          <a:prstGeom prst="rect">
+            <a:avLst/>
+          </a:prstGeom>
+          <a:noFill/>
+        </p:spPr>
+        <p:txBody>
+          <a:bodyPr wrap="square" rtlCol="0">
+            <a:spAutoFit/>
+          </a:bodyPr>
+          <a:lstStyle/>
+          <a:p>
+            <a:r>
               <a:rPr lang="pt-BR" sz="3600" dirty="0" smtClean="0"/>
-              <a:t>IMAGEM</a:t>
+              <a:t>LOGO</a:t>
             </a:r>
             <a:endParaRPr lang="pt-BR" sz="3600" dirty="0"/>
           </a:p>
         </p:txBody>
       </p:sp>
+      <p:sp>
+        <p:nvSpPr>
+          <p:cNvPr id="14" name="CaixaDeTexto 13"/>
+          <p:cNvSpPr txBox="1"/>
+          <p:nvPr/>
+        </p:nvSpPr>
+        <p:spPr>
+          <a:xfrm>
+            <a:off x="9696269" y="225510"/>
+            <a:ext cx="1968862" cy="646331"/>
+          </a:xfrm>
+          <a:prstGeom prst="rect">
+            <a:avLst/>
+          </a:prstGeom>
+          <a:noFill/>
+        </p:spPr>
+        <p:txBody>
+          <a:bodyPr wrap="square" rtlCol="0">
+            <a:spAutoFit/>
+          </a:bodyPr>
+          <a:lstStyle/>
+          <a:p>
+            <a:r>
+              <a:rPr lang="pt-BR" sz="3600" dirty="0" smtClean="0"/>
+              <a:t>SLOGAN</a:t>
+            </a:r>
+            <a:endParaRPr lang="pt-BR" sz="3600" dirty="0"/>
+          </a:p>
+        </p:txBody>
+      </p:sp>
+      <p:sp>
+        <p:nvSpPr>
+          <p:cNvPr id="15" name="CaixaDeTexto 14"/>
+          <p:cNvSpPr txBox="1"/>
+          <p:nvPr/>
+        </p:nvSpPr>
+        <p:spPr>
+          <a:xfrm>
+            <a:off x="69199" y="3001343"/>
+            <a:ext cx="2369671" cy="954107"/>
+          </a:xfrm>
+          <a:prstGeom prst="rect">
+            <a:avLst/>
+          </a:prstGeom>
+          <a:noFill/>
+        </p:spPr>
+        <p:txBody>
+          <a:bodyPr wrap="square" rtlCol="0">
+            <a:spAutoFit/>
+          </a:bodyPr>
+          <a:lstStyle/>
+          <a:p>
+            <a:r>
+              <a:rPr lang="pt-BR" sz="2800" dirty="0" smtClean="0"/>
+              <a:t>MENU DE NAVEGAÇÃO</a:t>
+            </a:r>
+            <a:endParaRPr lang="pt-BR" sz="2800" dirty="0"/>
+          </a:p>
+        </p:txBody>
+      </p:sp>
+      <p:cxnSp>
+        <p:nvCxnSpPr>
+          <p:cNvPr id="19" name="Conector de Seta Reta 18"/>
+          <p:cNvCxnSpPr/>
+          <p:nvPr/>
+        </p:nvCxnSpPr>
+        <p:spPr>
+          <a:xfrm flipH="1" flipV="1">
+            <a:off x="2438870" y="871841"/>
+            <a:ext cx="879096" cy="455379"/>
+          </a:xfrm>
+          <a:prstGeom prst="straightConnector1">
+            <a:avLst/>
+          </a:prstGeom>
+          <a:ln w="38100">
+            <a:tailEnd type="triangle"/>
+          </a:ln>
+        </p:spPr>
+        <p:style>
+          <a:lnRef idx="1">
+            <a:schemeClr val="dk1"/>
+          </a:lnRef>
+          <a:fillRef idx="0">
+            <a:schemeClr val="dk1"/>
+          </a:fillRef>
+          <a:effectRef idx="0">
+            <a:schemeClr val="dk1"/>
+          </a:effectRef>
+          <a:fontRef idx="minor">
+            <a:schemeClr val="tx1"/>
+          </a:fontRef>
+        </p:style>
+      </p:cxnSp>
+      <p:cxnSp>
+        <p:nvCxnSpPr>
+          <p:cNvPr id="21" name="Conector de Seta Reta 20"/>
+          <p:cNvCxnSpPr/>
+          <p:nvPr/>
+        </p:nvCxnSpPr>
+        <p:spPr>
+          <a:xfrm flipV="1">
+            <a:off x="9696269" y="871841"/>
+            <a:ext cx="518885" cy="643450"/>
+          </a:xfrm>
+          <a:prstGeom prst="straightConnector1">
+            <a:avLst/>
+          </a:prstGeom>
+          <a:ln w="38100">
+            <a:tailEnd type="triangle"/>
+          </a:ln>
+        </p:spPr>
+        <p:style>
+          <a:lnRef idx="1">
+            <a:schemeClr val="dk1"/>
+          </a:lnRef>
+          <a:fillRef idx="0">
+            <a:schemeClr val="dk1"/>
+          </a:fillRef>
+          <a:effectRef idx="0">
+            <a:schemeClr val="dk1"/>
+          </a:effectRef>
+          <a:fontRef idx="minor">
+            <a:schemeClr val="tx1"/>
+          </a:fontRef>
+        </p:style>
+      </p:cxnSp>
+      <p:cxnSp>
+        <p:nvCxnSpPr>
+          <p:cNvPr id="23" name="Conector de Seta Reta 22"/>
+          <p:cNvCxnSpPr/>
+          <p:nvPr/>
+        </p:nvCxnSpPr>
+        <p:spPr>
+          <a:xfrm flipH="1">
+            <a:off x="1891200" y="2673528"/>
+            <a:ext cx="1071753" cy="547198"/>
+          </a:xfrm>
+          <a:prstGeom prst="straightConnector1">
+            <a:avLst/>
+          </a:prstGeom>
+          <a:ln w="38100">
+            <a:tailEnd type="triangle"/>
+          </a:ln>
+        </p:spPr>
+        <p:style>
+          <a:lnRef idx="1">
+            <a:schemeClr val="dk1"/>
+          </a:lnRef>
+          <a:fillRef idx="0">
+            <a:schemeClr val="dk1"/>
+          </a:fillRef>
+          <a:effectRef idx="0">
+            <a:schemeClr val="dk1"/>
+          </a:effectRef>
+          <a:fontRef idx="minor">
+            <a:schemeClr val="tx1"/>
+          </a:fontRef>
+        </p:style>
+      </p:cxnSp>
+      <p:pic>
+        <p:nvPicPr>
+          <p:cNvPr id="2" name="Imagem 1"/>
+          <p:cNvPicPr>
+            <a:picLocks noChangeAspect="1"/>
+          </p:cNvPicPr>
+          <p:nvPr/>
+        </p:nvPicPr>
+        <p:blipFill>
+          <a:blip r:embed="rId3"/>
+          <a:stretch>
+            <a:fillRect/>
+          </a:stretch>
+        </p:blipFill>
+        <p:spPr>
+          <a:xfrm>
+            <a:off x="0" y="-8937"/>
+            <a:ext cx="12191999" cy="6875872"/>
+          </a:xfrm>
+          <a:prstGeom prst="rect">
+            <a:avLst/>
+          </a:prstGeom>
+        </p:spPr>
+      </p:pic>
     </p:spTree>
     <p:extLst>
       <p:ext uri="{BB962C8B-B14F-4D97-AF65-F5344CB8AC3E}">
@@ -3155,10 +6239,695 @@
   <p:clrMapOvr>
     <a:masterClrMapping/>
   </p:clrMapOvr>
+  <p:timing>
+    <p:tnLst>
+      <p:par>
+        <p:cTn id="1" dur="indefinite" restart="never" nodeType="tmRoot"/>
+      </p:par>
+    </p:tnLst>
+  </p:timing>
 </p:sld>
 </file>
 
 <file path=ppt/slides/slide2.xml><?xml version="1.0" encoding="utf-8"?>
+<p:sld xmlns:a="http://schemas.openxmlformats.org/drawingml/2006/main" xmlns:r="http://schemas.openxmlformats.org/officeDocument/2006/relationships" xmlns:p="http://schemas.openxmlformats.org/presentationml/2006/main">
+  <p:cSld>
+    <p:spTree>
+      <p:nvGrpSpPr>
+        <p:cNvPr id="1" name=""/>
+        <p:cNvGrpSpPr/>
+        <p:nvPr/>
+      </p:nvGrpSpPr>
+      <p:grpSpPr>
+        <a:xfrm>
+          <a:off x="0" y="0"/>
+          <a:ext cx="0" cy="0"/>
+          <a:chOff x="0" y="0"/>
+          <a:chExt cx="0" cy="0"/>
+        </a:xfrm>
+      </p:grpSpPr>
+      <p:pic>
+        <p:nvPicPr>
+          <p:cNvPr id="4" name="Imagem 3"/>
+          <p:cNvPicPr>
+            <a:picLocks noChangeAspect="1"/>
+          </p:cNvPicPr>
+          <p:nvPr/>
+        </p:nvPicPr>
+        <p:blipFill>
+          <a:blip r:embed="rId2"/>
+          <a:stretch>
+            <a:fillRect/>
+          </a:stretch>
+        </p:blipFill>
+        <p:spPr>
+          <a:xfrm>
+            <a:off x="1397726" y="726329"/>
+            <a:ext cx="9335952" cy="5256461"/>
+          </a:xfrm>
+          <a:prstGeom prst="rect">
+            <a:avLst/>
+          </a:prstGeom>
+        </p:spPr>
+      </p:pic>
+      <p:sp>
+        <p:nvSpPr>
+          <p:cNvPr id="5" name="Retângulo 4"/>
+          <p:cNvSpPr/>
+          <p:nvPr/>
+        </p:nvSpPr>
+        <p:spPr>
+          <a:xfrm>
+            <a:off x="1681224" y="2442375"/>
+            <a:ext cx="5651038" cy="3025602"/>
+          </a:xfrm>
+          <a:prstGeom prst="rect">
+            <a:avLst/>
+          </a:prstGeom>
+          <a:solidFill>
+            <a:srgbClr val="FFFFFF"/>
+          </a:solidFill>
+          <a:ln w="28575">
+            <a:solidFill>
+              <a:srgbClr val="27457B"/>
+            </a:solidFill>
+          </a:ln>
+        </p:spPr>
+        <p:style>
+          <a:lnRef idx="2">
+            <a:schemeClr val="accent1">
+              <a:shade val="50000"/>
+            </a:schemeClr>
+          </a:lnRef>
+          <a:fillRef idx="1">
+            <a:schemeClr val="accent1"/>
+          </a:fillRef>
+          <a:effectRef idx="0">
+            <a:schemeClr val="accent1"/>
+          </a:effectRef>
+          <a:fontRef idx="minor">
+            <a:schemeClr val="lt1"/>
+          </a:fontRef>
+        </p:style>
+        <p:txBody>
+          <a:bodyPr rtlCol="0" anchor="ctr"/>
+          <a:lstStyle/>
+          <a:p>
+            <a:pPr algn="ctr"/>
+            <a:endParaRPr lang="pt-BR"/>
+          </a:p>
+        </p:txBody>
+      </p:sp>
+      <p:sp>
+        <p:nvSpPr>
+          <p:cNvPr id="6" name="CaixaDeTexto 5"/>
+          <p:cNvSpPr txBox="1"/>
+          <p:nvPr/>
+        </p:nvSpPr>
+        <p:spPr>
+          <a:xfrm>
+            <a:off x="2054872" y="3413803"/>
+            <a:ext cx="5277390" cy="769441"/>
+          </a:xfrm>
+          <a:prstGeom prst="rect">
+            <a:avLst/>
+          </a:prstGeom>
+          <a:noFill/>
+        </p:spPr>
+        <p:txBody>
+          <a:bodyPr wrap="square" rtlCol="0">
+            <a:spAutoFit/>
+          </a:bodyPr>
+          <a:lstStyle/>
+          <a:p>
+            <a:r>
+              <a:rPr lang="pt-BR" sz="4400" dirty="0" smtClean="0">
+                <a:solidFill>
+                  <a:schemeClr val="bg1"/>
+                </a:solidFill>
+              </a:rPr>
+              <a:t>TEXTO SOBRE NÓS</a:t>
+            </a:r>
+            <a:endParaRPr lang="pt-BR" sz="4400" dirty="0">
+              <a:solidFill>
+                <a:schemeClr val="bg1"/>
+              </a:solidFill>
+            </a:endParaRPr>
+          </a:p>
+        </p:txBody>
+      </p:sp>
+      <p:sp>
+        <p:nvSpPr>
+          <p:cNvPr id="7" name="Retângulo 6"/>
+          <p:cNvSpPr/>
+          <p:nvPr/>
+        </p:nvSpPr>
+        <p:spPr>
+          <a:xfrm>
+            <a:off x="7812816" y="2442375"/>
+            <a:ext cx="2573396" cy="3025602"/>
+          </a:xfrm>
+          <a:prstGeom prst="rect">
+            <a:avLst/>
+          </a:prstGeom>
+          <a:noFill/>
+          <a:ln w="19050">
+            <a:solidFill>
+              <a:srgbClr val="002287"/>
+            </a:solidFill>
+          </a:ln>
+        </p:spPr>
+        <p:style>
+          <a:lnRef idx="2">
+            <a:schemeClr val="accent1">
+              <a:shade val="50000"/>
+            </a:schemeClr>
+          </a:lnRef>
+          <a:fillRef idx="1">
+            <a:schemeClr val="accent1"/>
+          </a:fillRef>
+          <a:effectRef idx="0">
+            <a:schemeClr val="accent1"/>
+          </a:effectRef>
+          <a:fontRef idx="minor">
+            <a:schemeClr val="lt1"/>
+          </a:fontRef>
+        </p:style>
+        <p:txBody>
+          <a:bodyPr rtlCol="0" anchor="ctr"/>
+          <a:lstStyle/>
+          <a:p>
+            <a:pPr algn="ctr"/>
+            <a:endParaRPr lang="pt-BR"/>
+          </a:p>
+        </p:txBody>
+      </p:sp>
+      <p:sp>
+        <p:nvSpPr>
+          <p:cNvPr id="8" name="CaixaDeTexto 7"/>
+          <p:cNvSpPr txBox="1"/>
+          <p:nvPr/>
+        </p:nvSpPr>
+        <p:spPr>
+          <a:xfrm>
+            <a:off x="8061174" y="3455587"/>
+            <a:ext cx="2079171" cy="646331"/>
+          </a:xfrm>
+          <a:prstGeom prst="rect">
+            <a:avLst/>
+          </a:prstGeom>
+          <a:noFill/>
+        </p:spPr>
+        <p:txBody>
+          <a:bodyPr wrap="square" rtlCol="0">
+            <a:spAutoFit/>
+          </a:bodyPr>
+          <a:lstStyle/>
+          <a:p>
+            <a:r>
+              <a:rPr lang="pt-BR" sz="3600" dirty="0" smtClean="0">
+                <a:solidFill>
+                  <a:schemeClr val="bg1"/>
+                </a:solidFill>
+              </a:rPr>
+              <a:t>IMAGEM</a:t>
+            </a:r>
+            <a:endParaRPr lang="pt-BR" sz="3600" dirty="0">
+              <a:solidFill>
+                <a:schemeClr val="bg1"/>
+              </a:solidFill>
+            </a:endParaRPr>
+          </a:p>
+        </p:txBody>
+      </p:sp>
+      <p:pic>
+        <p:nvPicPr>
+          <p:cNvPr id="2" name="Imagem 1"/>
+          <p:cNvPicPr>
+            <a:picLocks noChangeAspect="1"/>
+          </p:cNvPicPr>
+          <p:nvPr/>
+        </p:nvPicPr>
+        <p:blipFill>
+          <a:blip r:embed="rId3"/>
+          <a:stretch>
+            <a:fillRect/>
+          </a:stretch>
+        </p:blipFill>
+        <p:spPr>
+          <a:xfrm>
+            <a:off x="0" y="-26788"/>
+            <a:ext cx="12192000" cy="6871855"/>
+          </a:xfrm>
+          <a:prstGeom prst="rect">
+            <a:avLst/>
+          </a:prstGeom>
+        </p:spPr>
+      </p:pic>
+    </p:spTree>
+    <p:extLst>
+      <p:ext uri="{BB962C8B-B14F-4D97-AF65-F5344CB8AC3E}">
+        <p14:creationId xmlns:p14="http://schemas.microsoft.com/office/powerpoint/2010/main" val="3319528594"/>
+      </p:ext>
+    </p:extLst>
+  </p:cSld>
+  <p:clrMapOvr>
+    <a:masterClrMapping/>
+  </p:clrMapOvr>
+  <p:timing>
+    <p:tnLst>
+      <p:par>
+        <p:cTn id="1" dur="indefinite" restart="never" nodeType="tmRoot"/>
+      </p:par>
+    </p:tnLst>
+  </p:timing>
+</p:sld>
+</file>
+
+<file path=ppt/slides/slide3.xml><?xml version="1.0" encoding="utf-8"?>
+<p:sld xmlns:a="http://schemas.openxmlformats.org/drawingml/2006/main" xmlns:r="http://schemas.openxmlformats.org/officeDocument/2006/relationships" xmlns:p="http://schemas.openxmlformats.org/presentationml/2006/main">
+  <p:cSld>
+    <p:spTree>
+      <p:nvGrpSpPr>
+        <p:cNvPr id="1" name=""/>
+        <p:cNvGrpSpPr/>
+        <p:nvPr/>
+      </p:nvGrpSpPr>
+      <p:grpSpPr>
+        <a:xfrm>
+          <a:off x="0" y="0"/>
+          <a:ext cx="0" cy="0"/>
+          <a:chOff x="0" y="0"/>
+          <a:chExt cx="0" cy="0"/>
+        </a:xfrm>
+      </p:grpSpPr>
+      <p:pic>
+        <p:nvPicPr>
+          <p:cNvPr id="4" name="Imagem 3"/>
+          <p:cNvPicPr>
+            <a:picLocks noChangeAspect="1"/>
+          </p:cNvPicPr>
+          <p:nvPr/>
+        </p:nvPicPr>
+        <p:blipFill>
+          <a:blip r:embed="rId2"/>
+          <a:stretch>
+            <a:fillRect/>
+          </a:stretch>
+        </p:blipFill>
+        <p:spPr>
+          <a:xfrm>
+            <a:off x="1199470" y="0"/>
+            <a:ext cx="9840354" cy="5564777"/>
+          </a:xfrm>
+          <a:prstGeom prst="rect">
+            <a:avLst/>
+          </a:prstGeom>
+        </p:spPr>
+      </p:pic>
+      <p:sp>
+        <p:nvSpPr>
+          <p:cNvPr id="5" name="Retângulo 4"/>
+          <p:cNvSpPr/>
+          <p:nvPr/>
+        </p:nvSpPr>
+        <p:spPr>
+          <a:xfrm>
+            <a:off x="1881053" y="2782388"/>
+            <a:ext cx="4957074" cy="783771"/>
+          </a:xfrm>
+          <a:prstGeom prst="rect">
+            <a:avLst/>
+          </a:prstGeom>
+          <a:ln>
+            <a:solidFill>
+              <a:srgbClr val="FFFFFF"/>
+            </a:solidFill>
+          </a:ln>
+        </p:spPr>
+        <p:style>
+          <a:lnRef idx="2">
+            <a:schemeClr val="accent6"/>
+          </a:lnRef>
+          <a:fillRef idx="1">
+            <a:schemeClr val="lt1"/>
+          </a:fillRef>
+          <a:effectRef idx="0">
+            <a:schemeClr val="accent6"/>
+          </a:effectRef>
+          <a:fontRef idx="minor">
+            <a:schemeClr val="dk1"/>
+          </a:fontRef>
+        </p:style>
+        <p:txBody>
+          <a:bodyPr rtlCol="0" anchor="ctr"/>
+          <a:lstStyle/>
+          <a:p>
+            <a:pPr algn="ctr"/>
+            <a:endParaRPr lang="pt-BR"/>
+          </a:p>
+        </p:txBody>
+      </p:sp>
+      <p:sp>
+        <p:nvSpPr>
+          <p:cNvPr id="6" name="CaixaDeTexto 5"/>
+          <p:cNvSpPr txBox="1"/>
+          <p:nvPr/>
+        </p:nvSpPr>
+        <p:spPr>
+          <a:xfrm>
+            <a:off x="1881053" y="3129354"/>
+            <a:ext cx="5839096" cy="523220"/>
+          </a:xfrm>
+          <a:prstGeom prst="rect">
+            <a:avLst/>
+          </a:prstGeom>
+          <a:noFill/>
+        </p:spPr>
+        <p:txBody>
+          <a:bodyPr wrap="square" rtlCol="0">
+            <a:spAutoFit/>
+          </a:bodyPr>
+          <a:lstStyle/>
+          <a:p>
+            <a:r>
+              <a:rPr lang="pt-BR" sz="2800" dirty="0" smtClean="0">
+                <a:solidFill>
+                  <a:schemeClr val="bg1"/>
+                </a:solidFill>
+              </a:rPr>
+              <a:t>TEXTO EXPLICANDO O PRODUTO</a:t>
+            </a:r>
+            <a:endParaRPr lang="pt-BR" sz="2800" dirty="0">
+              <a:solidFill>
+                <a:schemeClr val="bg1"/>
+              </a:solidFill>
+            </a:endParaRPr>
+          </a:p>
+        </p:txBody>
+      </p:sp>
+      <p:pic>
+        <p:nvPicPr>
+          <p:cNvPr id="2" name="Imagem 1"/>
+          <p:cNvPicPr>
+            <a:picLocks noChangeAspect="1"/>
+          </p:cNvPicPr>
+          <p:nvPr/>
+        </p:nvPicPr>
+        <p:blipFill>
+          <a:blip r:embed="rId3"/>
+          <a:stretch>
+            <a:fillRect/>
+          </a:stretch>
+        </p:blipFill>
+        <p:spPr>
+          <a:xfrm>
+            <a:off x="0" y="-32277"/>
+            <a:ext cx="12192000" cy="6890277"/>
+          </a:xfrm>
+          <a:prstGeom prst="rect">
+            <a:avLst/>
+          </a:prstGeom>
+        </p:spPr>
+      </p:pic>
+    </p:spTree>
+    <p:extLst>
+      <p:ext uri="{BB962C8B-B14F-4D97-AF65-F5344CB8AC3E}">
+        <p14:creationId xmlns:p14="http://schemas.microsoft.com/office/powerpoint/2010/main" val="2221422283"/>
+      </p:ext>
+    </p:extLst>
+  </p:cSld>
+  <p:clrMapOvr>
+    <a:masterClrMapping/>
+  </p:clrMapOvr>
+  <p:timing>
+    <p:tnLst>
+      <p:par>
+        <p:cTn id="1" dur="indefinite" restart="never" nodeType="tmRoot"/>
+      </p:par>
+    </p:tnLst>
+  </p:timing>
+</p:sld>
+</file>
+
+<file path=ppt/slides/slide4.xml><?xml version="1.0" encoding="utf-8"?>
+<p:sld xmlns:a="http://schemas.openxmlformats.org/drawingml/2006/main" xmlns:r="http://schemas.openxmlformats.org/officeDocument/2006/relationships" xmlns:p="http://schemas.openxmlformats.org/presentationml/2006/main">
+  <p:cSld>
+    <p:spTree>
+      <p:nvGrpSpPr>
+        <p:cNvPr id="1" name=""/>
+        <p:cNvGrpSpPr/>
+        <p:nvPr/>
+      </p:nvGrpSpPr>
+      <p:grpSpPr>
+        <a:xfrm>
+          <a:off x="0" y="0"/>
+          <a:ext cx="0" cy="0"/>
+          <a:chOff x="0" y="0"/>
+          <a:chExt cx="0" cy="0"/>
+        </a:xfrm>
+      </p:grpSpPr>
+      <p:pic>
+        <p:nvPicPr>
+          <p:cNvPr id="4" name="Imagem 3"/>
+          <p:cNvPicPr>
+            <a:picLocks noChangeAspect="1"/>
+          </p:cNvPicPr>
+          <p:nvPr/>
+        </p:nvPicPr>
+        <p:blipFill>
+          <a:blip r:embed="rId2"/>
+          <a:stretch>
+            <a:fillRect/>
+          </a:stretch>
+        </p:blipFill>
+        <p:spPr>
+          <a:xfrm>
+            <a:off x="1528355" y="765517"/>
+            <a:ext cx="9335952" cy="5256461"/>
+          </a:xfrm>
+          <a:prstGeom prst="rect">
+            <a:avLst/>
+          </a:prstGeom>
+        </p:spPr>
+      </p:pic>
+      <p:sp>
+        <p:nvSpPr>
+          <p:cNvPr id="5" name="Retângulo 4"/>
+          <p:cNvSpPr/>
+          <p:nvPr/>
+        </p:nvSpPr>
+        <p:spPr>
+          <a:xfrm>
+            <a:off x="1798790" y="2429312"/>
+            <a:ext cx="5651038" cy="3025602"/>
+          </a:xfrm>
+          <a:prstGeom prst="rect">
+            <a:avLst/>
+          </a:prstGeom>
+          <a:solidFill>
+            <a:srgbClr val="FFFFFF"/>
+          </a:solidFill>
+          <a:ln w="28575">
+            <a:solidFill>
+              <a:srgbClr val="27457B"/>
+            </a:solidFill>
+          </a:ln>
+        </p:spPr>
+        <p:style>
+          <a:lnRef idx="2">
+            <a:schemeClr val="accent1">
+              <a:shade val="50000"/>
+            </a:schemeClr>
+          </a:lnRef>
+          <a:fillRef idx="1">
+            <a:schemeClr val="accent1"/>
+          </a:fillRef>
+          <a:effectRef idx="0">
+            <a:schemeClr val="accent1"/>
+          </a:effectRef>
+          <a:fontRef idx="minor">
+            <a:schemeClr val="lt1"/>
+          </a:fontRef>
+        </p:style>
+        <p:txBody>
+          <a:bodyPr rtlCol="0" anchor="ctr"/>
+          <a:lstStyle/>
+          <a:p>
+            <a:pPr algn="ctr"/>
+            <a:endParaRPr lang="pt-BR"/>
+          </a:p>
+        </p:txBody>
+      </p:sp>
+      <p:sp>
+        <p:nvSpPr>
+          <p:cNvPr id="6" name="CaixaDeTexto 5"/>
+          <p:cNvSpPr txBox="1"/>
+          <p:nvPr/>
+        </p:nvSpPr>
+        <p:spPr>
+          <a:xfrm>
+            <a:off x="2327025" y="3218838"/>
+            <a:ext cx="4594567" cy="1446550"/>
+          </a:xfrm>
+          <a:prstGeom prst="rect">
+            <a:avLst/>
+          </a:prstGeom>
+          <a:noFill/>
+        </p:spPr>
+        <p:txBody>
+          <a:bodyPr wrap="square" rtlCol="0">
+            <a:spAutoFit/>
+          </a:bodyPr>
+          <a:lstStyle/>
+          <a:p>
+            <a:pPr algn="ctr"/>
+            <a:r>
+              <a:rPr lang="pt-BR" sz="4400" dirty="0" smtClean="0">
+                <a:solidFill>
+                  <a:schemeClr val="bg1"/>
+                </a:solidFill>
+              </a:rPr>
+              <a:t>TEXTO SOBRE A EQUIPE</a:t>
+            </a:r>
+            <a:endParaRPr lang="pt-BR" sz="4400" dirty="0">
+              <a:solidFill>
+                <a:schemeClr val="bg1"/>
+              </a:solidFill>
+            </a:endParaRPr>
+          </a:p>
+        </p:txBody>
+      </p:sp>
+      <p:sp>
+        <p:nvSpPr>
+          <p:cNvPr id="7" name="Retângulo 6"/>
+          <p:cNvSpPr/>
+          <p:nvPr/>
+        </p:nvSpPr>
+        <p:spPr>
+          <a:xfrm>
+            <a:off x="7930382" y="2429312"/>
+            <a:ext cx="2573396" cy="3025602"/>
+          </a:xfrm>
+          <a:prstGeom prst="rect">
+            <a:avLst/>
+          </a:prstGeom>
+          <a:noFill/>
+          <a:ln w="19050">
+            <a:solidFill>
+              <a:srgbClr val="002287"/>
+            </a:solidFill>
+          </a:ln>
+        </p:spPr>
+        <p:style>
+          <a:lnRef idx="2">
+            <a:schemeClr val="accent1">
+              <a:shade val="50000"/>
+            </a:schemeClr>
+          </a:lnRef>
+          <a:fillRef idx="1">
+            <a:schemeClr val="accent1"/>
+          </a:fillRef>
+          <a:effectRef idx="0">
+            <a:schemeClr val="accent1"/>
+          </a:effectRef>
+          <a:fontRef idx="minor">
+            <a:schemeClr val="lt1"/>
+          </a:fontRef>
+        </p:style>
+        <p:txBody>
+          <a:bodyPr rtlCol="0" anchor="ctr"/>
+          <a:lstStyle/>
+          <a:p>
+            <a:pPr algn="ctr"/>
+            <a:endParaRPr lang="pt-BR"/>
+          </a:p>
+        </p:txBody>
+      </p:sp>
+      <p:sp>
+        <p:nvSpPr>
+          <p:cNvPr id="8" name="CaixaDeTexto 7"/>
+          <p:cNvSpPr txBox="1"/>
+          <p:nvPr/>
+        </p:nvSpPr>
+        <p:spPr>
+          <a:xfrm>
+            <a:off x="8177494" y="3033955"/>
+            <a:ext cx="2079171" cy="1754326"/>
+          </a:xfrm>
+          <a:prstGeom prst="rect">
+            <a:avLst/>
+          </a:prstGeom>
+          <a:noFill/>
+        </p:spPr>
+        <p:txBody>
+          <a:bodyPr wrap="square" rtlCol="0">
+            <a:spAutoFit/>
+          </a:bodyPr>
+          <a:lstStyle/>
+          <a:p>
+            <a:pPr algn="ctr"/>
+            <a:r>
+              <a:rPr lang="pt-BR" sz="3600" dirty="0" smtClean="0">
+                <a:solidFill>
+                  <a:schemeClr val="bg1"/>
+                </a:solidFill>
+              </a:rPr>
+              <a:t>FOTOS DA EQUIPE</a:t>
+            </a:r>
+            <a:endParaRPr lang="pt-BR" sz="3600" dirty="0">
+              <a:solidFill>
+                <a:schemeClr val="bg1"/>
+              </a:solidFill>
+            </a:endParaRPr>
+          </a:p>
+        </p:txBody>
+      </p:sp>
+      <p:pic>
+        <p:nvPicPr>
+          <p:cNvPr id="2" name="Imagem 1"/>
+          <p:cNvPicPr>
+            <a:picLocks noChangeAspect="1"/>
+          </p:cNvPicPr>
+          <p:nvPr/>
+        </p:nvPicPr>
+        <p:blipFill>
+          <a:blip r:embed="rId3"/>
+          <a:stretch>
+            <a:fillRect/>
+          </a:stretch>
+        </p:blipFill>
+        <p:spPr>
+          <a:xfrm>
+            <a:off x="17318" y="-9769"/>
+            <a:ext cx="12174682" cy="6867769"/>
+          </a:xfrm>
+          <a:prstGeom prst="rect">
+            <a:avLst/>
+          </a:prstGeom>
+        </p:spPr>
+      </p:pic>
+    </p:spTree>
+    <p:extLst>
+      <p:ext uri="{BB962C8B-B14F-4D97-AF65-F5344CB8AC3E}">
+        <p14:creationId xmlns:p14="http://schemas.microsoft.com/office/powerpoint/2010/main" val="1333879497"/>
+      </p:ext>
+    </p:extLst>
+  </p:cSld>
+  <p:clrMapOvr>
+    <a:masterClrMapping/>
+  </p:clrMapOvr>
+  <p:timing>
+    <p:tnLst>
+      <p:par>
+        <p:cTn id="1" dur="indefinite" restart="never" nodeType="tmRoot"/>
+      </p:par>
+    </p:tnLst>
+  </p:timing>
+</p:sld>
+</file>
+
+<file path=ppt/slides/slide5.xml><?xml version="1.0" encoding="utf-8"?>
 <p:sld xmlns:a="http://schemas.openxmlformats.org/drawingml/2006/main" xmlns:r="http://schemas.openxmlformats.org/officeDocument/2006/relationships" xmlns:p="http://schemas.openxmlformats.org/presentationml/2006/main">
   <p:cSld>
     <p:spTree>
@@ -3191,8 +6960,8 @@
         </p:blipFill>
         <p:spPr>
           <a:xfrm>
-            <a:off x="2110240" y="2066698"/>
-            <a:ext cx="8029575" cy="4524375"/>
+            <a:off x="3150581" y="927463"/>
+            <a:ext cx="9041419" cy="5094513"/>
           </a:xfrm>
           <a:prstGeom prst="rect">
             <a:avLst/>
@@ -3201,22 +6970,19 @@
       </p:pic>
       <p:sp>
         <p:nvSpPr>
-          <p:cNvPr id="17" name="Retângulo 16"/>
+          <p:cNvPr id="2" name="Retângulo 1"/>
           <p:cNvSpPr/>
           <p:nvPr/>
         </p:nvSpPr>
         <p:spPr>
           <a:xfrm>
-            <a:off x="6183086" y="3730171"/>
-            <a:ext cx="3614057" cy="2670629"/>
+            <a:off x="7759955" y="2762036"/>
+            <a:ext cx="3814562" cy="2918227"/>
           </a:xfrm>
           <a:prstGeom prst="rect">
             <a:avLst/>
           </a:prstGeom>
-          <a:solidFill>
-            <a:srgbClr val="FFFFFF"/>
-          </a:solidFill>
-          <a:ln w="28575">
+          <a:ln w="19050">
             <a:solidFill>
               <a:srgbClr val="002287"/>
             </a:solidFill>
@@ -3224,18 +6990,16 @@
         </p:spPr>
         <p:style>
           <a:lnRef idx="2">
-            <a:schemeClr val="accent1">
-              <a:shade val="50000"/>
-            </a:schemeClr>
+            <a:schemeClr val="accent6"/>
           </a:lnRef>
           <a:fillRef idx="1">
-            <a:schemeClr val="accent1"/>
+            <a:schemeClr val="lt1"/>
           </a:fillRef>
           <a:effectRef idx="0">
-            <a:schemeClr val="accent1"/>
+            <a:schemeClr val="accent6"/>
           </a:effectRef>
           <a:fontRef idx="minor">
-            <a:schemeClr val="lt1"/>
+            <a:schemeClr val="dk1"/>
           </a:fontRef>
         </p:style>
         <p:txBody>
@@ -3249,14 +7013,14 @@
       </p:sp>
       <p:sp>
         <p:nvSpPr>
-          <p:cNvPr id="18" name="CaixaDeTexto 17"/>
+          <p:cNvPr id="3" name="CaixaDeTexto 2"/>
           <p:cNvSpPr txBox="1"/>
           <p:nvPr/>
         </p:nvSpPr>
         <p:spPr>
           <a:xfrm>
-            <a:off x="6676571" y="4542972"/>
-            <a:ext cx="2627086" cy="830997"/>
+            <a:off x="8775499" y="3801291"/>
+            <a:ext cx="1783474" cy="584775"/>
           </a:xfrm>
           <a:prstGeom prst="rect">
             <a:avLst/>
@@ -3270,21 +7034,109 @@
           <a:lstStyle/>
           <a:p>
             <a:r>
-              <a:rPr lang="pt-BR" sz="4800" dirty="0" smtClean="0">
+              <a:rPr lang="pt-BR" sz="3200" dirty="0" smtClean="0">
                 <a:solidFill>
-                  <a:srgbClr val="0F273D"/>
+                  <a:schemeClr val="bg1"/>
                 </a:solidFill>
               </a:rPr>
               <a:t>IMAGEM</a:t>
             </a:r>
-            <a:endParaRPr lang="pt-BR" sz="4800" dirty="0">
+            <a:endParaRPr lang="pt-BR" sz="3200" dirty="0">
               <a:solidFill>
-                <a:srgbClr val="0F273D"/>
+                <a:schemeClr val="bg1"/>
               </a:solidFill>
             </a:endParaRPr>
           </a:p>
         </p:txBody>
       </p:sp>
+      <p:cxnSp>
+        <p:nvCxnSpPr>
+          <p:cNvPr id="5" name="Conector de Seta Reta 4"/>
+          <p:cNvCxnSpPr/>
+          <p:nvPr/>
+        </p:nvCxnSpPr>
+        <p:spPr>
+          <a:xfrm flipH="1">
+            <a:off x="2638697" y="3383280"/>
+            <a:ext cx="875212" cy="418011"/>
+          </a:xfrm>
+          <a:prstGeom prst="straightConnector1">
+            <a:avLst/>
+          </a:prstGeom>
+          <a:ln w="38100">
+            <a:tailEnd type="triangle"/>
+          </a:ln>
+        </p:spPr>
+        <p:style>
+          <a:lnRef idx="1">
+            <a:schemeClr val="dk1"/>
+          </a:lnRef>
+          <a:fillRef idx="0">
+            <a:schemeClr val="dk1"/>
+          </a:fillRef>
+          <a:effectRef idx="0">
+            <a:schemeClr val="dk1"/>
+          </a:effectRef>
+          <a:fontRef idx="minor">
+            <a:schemeClr val="tx1"/>
+          </a:fontRef>
+        </p:style>
+      </p:cxnSp>
+      <p:sp>
+        <p:nvSpPr>
+          <p:cNvPr id="8" name="CaixaDeTexto 7"/>
+          <p:cNvSpPr txBox="1"/>
+          <p:nvPr/>
+        </p:nvSpPr>
+        <p:spPr>
+          <a:xfrm>
+            <a:off x="378825" y="3317964"/>
+            <a:ext cx="2364376" cy="1569660"/>
+          </a:xfrm>
+          <a:prstGeom prst="rect">
+            <a:avLst/>
+          </a:prstGeom>
+          <a:noFill/>
+        </p:spPr>
+        <p:txBody>
+          <a:bodyPr wrap="square" rtlCol="0">
+            <a:spAutoFit/>
+          </a:bodyPr>
+          <a:lstStyle/>
+          <a:p>
+            <a:pPr algn="ctr"/>
+            <a:r>
+              <a:rPr lang="pt-BR" sz="3200" dirty="0" smtClean="0"/>
+              <a:t>CAMPO DE CADASTRO DO SITE</a:t>
+            </a:r>
+            <a:endParaRPr lang="pt-BR" sz="3200" dirty="0"/>
+          </a:p>
+        </p:txBody>
+      </p:sp>
+      <p:pic>
+        <p:nvPicPr>
+          <p:cNvPr id="4" name="Imagem 3"/>
+          <p:cNvPicPr>
+            <a:picLocks noChangeAspect="1"/>
+          </p:cNvPicPr>
+          <p:nvPr/>
+        </p:nvPicPr>
+        <p:blipFill>
+          <a:blip r:embed="rId3"/>
+          <a:stretch>
+            <a:fillRect/>
+          </a:stretch>
+        </p:blipFill>
+        <p:spPr>
+          <a:xfrm>
+            <a:off x="1" y="-6101"/>
+            <a:ext cx="12192000" cy="6870199"/>
+          </a:xfrm>
+          <a:prstGeom prst="rect">
+            <a:avLst/>
+          </a:prstGeom>
+        </p:spPr>
+      </p:pic>
     </p:spTree>
     <p:extLst>
       <p:ext uri="{BB962C8B-B14F-4D97-AF65-F5344CB8AC3E}">
@@ -3295,10 +7147,17 @@
   <p:clrMapOvr>
     <a:masterClrMapping/>
   </p:clrMapOvr>
+  <p:timing>
+    <p:tnLst>
+      <p:par>
+        <p:cTn id="1" dur="indefinite" restart="never" nodeType="tmRoot"/>
+      </p:par>
+    </p:tnLst>
+  </p:timing>
 </p:sld>
 </file>
 
-<file path=ppt/slides/slide3.xml><?xml version="1.0" encoding="utf-8"?>
+<file path=ppt/slides/slide6.xml><?xml version="1.0" encoding="utf-8"?>
 <p:sld xmlns:a="http://schemas.openxmlformats.org/drawingml/2006/main" xmlns:r="http://schemas.openxmlformats.org/officeDocument/2006/relationships" xmlns:p="http://schemas.openxmlformats.org/presentationml/2006/main">
   <p:cSld>
     <p:spTree>
@@ -3331,8 +7190,95 @@
         </p:blipFill>
         <p:spPr>
           <a:xfrm>
-            <a:off x="2405289" y="2169703"/>
-            <a:ext cx="7711169" cy="4377600"/>
+            <a:off x="2157094" y="0"/>
+            <a:ext cx="9066060" cy="5146766"/>
+          </a:xfrm>
+          <a:prstGeom prst="rect">
+            <a:avLst/>
+          </a:prstGeom>
+        </p:spPr>
+      </p:pic>
+      <p:cxnSp>
+        <p:nvCxnSpPr>
+          <p:cNvPr id="3" name="Conector de Seta Reta 2"/>
+          <p:cNvCxnSpPr/>
+          <p:nvPr/>
+        </p:nvCxnSpPr>
+        <p:spPr>
+          <a:xfrm flipH="1">
+            <a:off x="3605350" y="4284617"/>
+            <a:ext cx="1090748" cy="1201782"/>
+          </a:xfrm>
+          <a:prstGeom prst="straightConnector1">
+            <a:avLst/>
+          </a:prstGeom>
+          <a:ln w="38100">
+            <a:tailEnd type="triangle"/>
+          </a:ln>
+        </p:spPr>
+        <p:style>
+          <a:lnRef idx="1">
+            <a:schemeClr val="dk1"/>
+          </a:lnRef>
+          <a:fillRef idx="0">
+            <a:schemeClr val="dk1"/>
+          </a:fillRef>
+          <a:effectRef idx="0">
+            <a:schemeClr val="dk1"/>
+          </a:effectRef>
+          <a:fontRef idx="minor">
+            <a:schemeClr val="tx1"/>
+          </a:fontRef>
+        </p:style>
+      </p:cxnSp>
+      <p:sp>
+        <p:nvSpPr>
+          <p:cNvPr id="4" name="CaixaDeTexto 3"/>
+          <p:cNvSpPr txBox="1"/>
+          <p:nvPr/>
+        </p:nvSpPr>
+        <p:spPr>
+          <a:xfrm>
+            <a:off x="1208315" y="5486399"/>
+            <a:ext cx="3487783" cy="584775"/>
+          </a:xfrm>
+          <a:prstGeom prst="rect">
+            <a:avLst/>
+          </a:prstGeom>
+          <a:noFill/>
+        </p:spPr>
+        <p:txBody>
+          <a:bodyPr wrap="square" rtlCol="0">
+            <a:spAutoFit/>
+          </a:bodyPr>
+          <a:lstStyle/>
+          <a:p>
+            <a:r>
+              <a:rPr lang="pt-BR" sz="3200" dirty="0" smtClean="0"/>
+              <a:t>CAMPO DE LOGIN</a:t>
+            </a:r>
+            <a:endParaRPr lang="pt-BR" sz="3200" dirty="0"/>
+          </a:p>
+        </p:txBody>
+      </p:sp>
+      <p:pic>
+        <p:nvPicPr>
+          <p:cNvPr id="2" name="Imagem 1"/>
+          <p:cNvPicPr>
+            <a:picLocks noChangeAspect="1"/>
+          </p:cNvPicPr>
+          <p:nvPr/>
+        </p:nvPicPr>
+        <p:blipFill>
+          <a:blip r:embed="rId3"/>
+          <a:stretch>
+            <a:fillRect/>
+          </a:stretch>
+        </p:blipFill>
+        <p:spPr>
+          <a:xfrm>
+            <a:off x="0" y="0"/>
+            <a:ext cx="12192000" cy="6890564"/>
           </a:xfrm>
           <a:prstGeom prst="rect">
             <a:avLst/>
@@ -3349,10 +7295,17 @@
   <p:clrMapOvr>
     <a:masterClrMapping/>
   </p:clrMapOvr>
+  <p:timing>
+    <p:tnLst>
+      <p:par>
+        <p:cTn id="1" dur="indefinite" restart="never" nodeType="tmRoot"/>
+      </p:par>
+    </p:tnLst>
+  </p:timing>
 </p:sld>
 </file>
 
-<file path=ppt/slides/slide4.xml><?xml version="1.0" encoding="utf-8"?>
+<file path=ppt/slides/slide7.xml><?xml version="1.0" encoding="utf-8"?>
 <p:sld xmlns:a="http://schemas.openxmlformats.org/drawingml/2006/main" xmlns:r="http://schemas.openxmlformats.org/officeDocument/2006/relationships" xmlns:p="http://schemas.openxmlformats.org/presentationml/2006/main">
   <p:cSld>
     <p:spTree>
@@ -3371,7 +7324,7 @@
       </p:grpSpPr>
       <p:pic>
         <p:nvPicPr>
-          <p:cNvPr id="14" name="Imagem 13"/>
+          <p:cNvPr id="4" name="Imagem 3"/>
           <p:cNvPicPr>
             <a:picLocks noChangeAspect="1"/>
           </p:cNvPicPr>
@@ -3385,8 +7338,347 @@
         </p:blipFill>
         <p:spPr>
           <a:xfrm>
-            <a:off x="2458811" y="2288787"/>
-            <a:ext cx="7614104" cy="4302059"/>
+            <a:off x="1905546" y="0"/>
+            <a:ext cx="8464234" cy="4767943"/>
+          </a:xfrm>
+          <a:prstGeom prst="rect">
+            <a:avLst/>
+          </a:prstGeom>
+        </p:spPr>
+      </p:pic>
+      <p:cxnSp>
+        <p:nvCxnSpPr>
+          <p:cNvPr id="6" name="Conector de Seta Reta 5"/>
+          <p:cNvCxnSpPr/>
+          <p:nvPr/>
+        </p:nvCxnSpPr>
+        <p:spPr>
+          <a:xfrm flipH="1" flipV="1">
+            <a:off x="1267097" y="2168434"/>
+            <a:ext cx="638449" cy="914400"/>
+          </a:xfrm>
+          <a:prstGeom prst="straightConnector1">
+            <a:avLst/>
+          </a:prstGeom>
+          <a:ln w="38100">
+            <a:tailEnd type="triangle"/>
+          </a:ln>
+        </p:spPr>
+        <p:style>
+          <a:lnRef idx="1">
+            <a:schemeClr val="dk1"/>
+          </a:lnRef>
+          <a:fillRef idx="0">
+            <a:schemeClr val="dk1"/>
+          </a:fillRef>
+          <a:effectRef idx="0">
+            <a:schemeClr val="dk1"/>
+          </a:effectRef>
+          <a:fontRef idx="minor">
+            <a:schemeClr val="tx1"/>
+          </a:fontRef>
+        </p:style>
+      </p:cxnSp>
+      <p:cxnSp>
+        <p:nvCxnSpPr>
+          <p:cNvPr id="8" name="Conector de Seta Reta 7"/>
+          <p:cNvCxnSpPr/>
+          <p:nvPr/>
+        </p:nvCxnSpPr>
+        <p:spPr>
+          <a:xfrm flipH="1" flipV="1">
+            <a:off x="1267097" y="3468188"/>
+            <a:ext cx="638449" cy="315686"/>
+          </a:xfrm>
+          <a:prstGeom prst="straightConnector1">
+            <a:avLst/>
+          </a:prstGeom>
+          <a:ln w="38100">
+            <a:tailEnd type="triangle"/>
+          </a:ln>
+        </p:spPr>
+        <p:style>
+          <a:lnRef idx="1">
+            <a:schemeClr val="dk1"/>
+          </a:lnRef>
+          <a:fillRef idx="0">
+            <a:schemeClr val="dk1"/>
+          </a:fillRef>
+          <a:effectRef idx="0">
+            <a:schemeClr val="dk1"/>
+          </a:effectRef>
+          <a:fontRef idx="minor">
+            <a:schemeClr val="tx1"/>
+          </a:fontRef>
+        </p:style>
+      </p:cxnSp>
+      <p:cxnSp>
+        <p:nvCxnSpPr>
+          <p:cNvPr id="10" name="Conector de Seta Reta 9"/>
+          <p:cNvCxnSpPr/>
+          <p:nvPr/>
+        </p:nvCxnSpPr>
+        <p:spPr>
+          <a:xfrm flipH="1">
+            <a:off x="1147425" y="4169228"/>
+            <a:ext cx="877791" cy="1051016"/>
+          </a:xfrm>
+          <a:prstGeom prst="straightConnector1">
+            <a:avLst/>
+          </a:prstGeom>
+          <a:ln w="38100">
+            <a:tailEnd type="triangle"/>
+          </a:ln>
+        </p:spPr>
+        <p:style>
+          <a:lnRef idx="1">
+            <a:schemeClr val="dk1"/>
+          </a:lnRef>
+          <a:fillRef idx="0">
+            <a:schemeClr val="dk1"/>
+          </a:fillRef>
+          <a:effectRef idx="0">
+            <a:schemeClr val="dk1"/>
+          </a:effectRef>
+          <a:fontRef idx="minor">
+            <a:schemeClr val="tx1"/>
+          </a:fontRef>
+        </p:style>
+      </p:cxnSp>
+      <p:cxnSp>
+        <p:nvCxnSpPr>
+          <p:cNvPr id="13" name="Conector de Seta Reta 12"/>
+          <p:cNvCxnSpPr/>
+          <p:nvPr/>
+        </p:nvCxnSpPr>
+        <p:spPr>
+          <a:xfrm flipH="1">
+            <a:off x="4585063" y="4594995"/>
+            <a:ext cx="699411" cy="969782"/>
+          </a:xfrm>
+          <a:prstGeom prst="straightConnector1">
+            <a:avLst/>
+          </a:prstGeom>
+          <a:ln w="38100">
+            <a:tailEnd type="triangle"/>
+          </a:ln>
+        </p:spPr>
+        <p:style>
+          <a:lnRef idx="1">
+            <a:schemeClr val="dk1"/>
+          </a:lnRef>
+          <a:fillRef idx="0">
+            <a:schemeClr val="dk1"/>
+          </a:fillRef>
+          <a:effectRef idx="0">
+            <a:schemeClr val="dk1"/>
+          </a:effectRef>
+          <a:fontRef idx="minor">
+            <a:schemeClr val="tx1"/>
+          </a:fontRef>
+        </p:style>
+      </p:cxnSp>
+      <p:cxnSp>
+        <p:nvCxnSpPr>
+          <p:cNvPr id="16" name="Conector de Seta Reta 15"/>
+          <p:cNvCxnSpPr/>
+          <p:nvPr/>
+        </p:nvCxnSpPr>
+        <p:spPr>
+          <a:xfrm>
+            <a:off x="8626937" y="4517300"/>
+            <a:ext cx="752194" cy="953588"/>
+          </a:xfrm>
+          <a:prstGeom prst="straightConnector1">
+            <a:avLst/>
+          </a:prstGeom>
+          <a:ln w="38100">
+            <a:tailEnd type="triangle"/>
+          </a:ln>
+        </p:spPr>
+        <p:style>
+          <a:lnRef idx="1">
+            <a:schemeClr val="dk1"/>
+          </a:lnRef>
+          <a:fillRef idx="0">
+            <a:schemeClr val="dk1"/>
+          </a:fillRef>
+          <a:effectRef idx="0">
+            <a:schemeClr val="dk1"/>
+          </a:effectRef>
+          <a:fontRef idx="minor">
+            <a:schemeClr val="tx1"/>
+          </a:fontRef>
+        </p:style>
+      </p:cxnSp>
+      <p:sp>
+        <p:nvSpPr>
+          <p:cNvPr id="19" name="CaixaDeTexto 18"/>
+          <p:cNvSpPr txBox="1"/>
+          <p:nvPr/>
+        </p:nvSpPr>
+        <p:spPr>
+          <a:xfrm>
+            <a:off x="7955280" y="5577840"/>
+            <a:ext cx="3566159" cy="461665"/>
+          </a:xfrm>
+          <a:prstGeom prst="rect">
+            <a:avLst/>
+          </a:prstGeom>
+          <a:noFill/>
+        </p:spPr>
+        <p:txBody>
+          <a:bodyPr wrap="square" rtlCol="0">
+            <a:spAutoFit/>
+          </a:bodyPr>
+          <a:lstStyle/>
+          <a:p>
+            <a:r>
+              <a:rPr lang="pt-BR" sz="2400" dirty="0" smtClean="0"/>
+              <a:t>MAPA COM LOCALIZAÇÃO</a:t>
+            </a:r>
+            <a:endParaRPr lang="pt-BR" sz="2400" dirty="0"/>
+          </a:p>
+        </p:txBody>
+      </p:sp>
+      <p:sp>
+        <p:nvSpPr>
+          <p:cNvPr id="21" name="CaixaDeTexto 20"/>
+          <p:cNvSpPr txBox="1"/>
+          <p:nvPr/>
+        </p:nvSpPr>
+        <p:spPr>
+          <a:xfrm>
+            <a:off x="2572003" y="5208507"/>
+            <a:ext cx="2958737" cy="1200329"/>
+          </a:xfrm>
+          <a:prstGeom prst="rect">
+            <a:avLst/>
+          </a:prstGeom>
+          <a:noFill/>
+        </p:spPr>
+        <p:txBody>
+          <a:bodyPr wrap="square" rtlCol="0">
+            <a:spAutoFit/>
+          </a:bodyPr>
+          <a:lstStyle/>
+          <a:p>
+            <a:r>
+              <a:rPr lang="pt-BR" sz="2400" dirty="0" smtClean="0"/>
+              <a:t>CAMPO PARA ENVIAR MENSAGENS, TIRAR DÚVIDAS, ETC</a:t>
+            </a:r>
+            <a:endParaRPr lang="pt-BR" sz="2400" dirty="0"/>
+          </a:p>
+        </p:txBody>
+      </p:sp>
+      <p:sp>
+        <p:nvSpPr>
+          <p:cNvPr id="22" name="CaixaDeTexto 21"/>
+          <p:cNvSpPr txBox="1"/>
+          <p:nvPr/>
+        </p:nvSpPr>
+        <p:spPr>
+          <a:xfrm>
+            <a:off x="156752" y="1627253"/>
+            <a:ext cx="1868463" cy="461665"/>
+          </a:xfrm>
+          <a:prstGeom prst="rect">
+            <a:avLst/>
+          </a:prstGeom>
+          <a:noFill/>
+        </p:spPr>
+        <p:txBody>
+          <a:bodyPr wrap="square" rtlCol="0">
+            <a:spAutoFit/>
+          </a:bodyPr>
+          <a:lstStyle/>
+          <a:p>
+            <a:r>
+              <a:rPr lang="pt-BR" sz="2400" dirty="0" smtClean="0"/>
+              <a:t>ENDEREÇO</a:t>
+            </a:r>
+            <a:endParaRPr lang="pt-BR" sz="2400" dirty="0"/>
+          </a:p>
+        </p:txBody>
+      </p:sp>
+      <p:sp>
+        <p:nvSpPr>
+          <p:cNvPr id="23" name="CaixaDeTexto 22"/>
+          <p:cNvSpPr txBox="1"/>
+          <p:nvPr/>
+        </p:nvSpPr>
+        <p:spPr>
+          <a:xfrm>
+            <a:off x="0" y="3139062"/>
+            <a:ext cx="1375954" cy="584775"/>
+          </a:xfrm>
+          <a:prstGeom prst="rect">
+            <a:avLst/>
+          </a:prstGeom>
+          <a:noFill/>
+        </p:spPr>
+        <p:txBody>
+          <a:bodyPr wrap="square" rtlCol="0">
+            <a:spAutoFit/>
+          </a:bodyPr>
+          <a:lstStyle/>
+          <a:p>
+            <a:r>
+              <a:rPr lang="pt-BR" sz="3200" dirty="0" smtClean="0"/>
+              <a:t>E-mail</a:t>
+            </a:r>
+            <a:endParaRPr lang="pt-BR" sz="3200" dirty="0"/>
+          </a:p>
+        </p:txBody>
+      </p:sp>
+      <p:sp>
+        <p:nvSpPr>
+          <p:cNvPr id="24" name="CaixaDeTexto 23"/>
+          <p:cNvSpPr txBox="1"/>
+          <p:nvPr/>
+        </p:nvSpPr>
+        <p:spPr>
+          <a:xfrm>
+            <a:off x="4354" y="5362460"/>
+            <a:ext cx="2183923" cy="523220"/>
+          </a:xfrm>
+          <a:prstGeom prst="rect">
+            <a:avLst/>
+          </a:prstGeom>
+          <a:noFill/>
+        </p:spPr>
+        <p:txBody>
+          <a:bodyPr wrap="square" rtlCol="0">
+            <a:spAutoFit/>
+          </a:bodyPr>
+          <a:lstStyle/>
+          <a:p>
+            <a:r>
+              <a:rPr lang="pt-BR" sz="2800" dirty="0" smtClean="0"/>
+              <a:t>TELEFONE</a:t>
+            </a:r>
+            <a:endParaRPr lang="pt-BR" sz="2800" dirty="0"/>
+          </a:p>
+        </p:txBody>
+      </p:sp>
+      <p:pic>
+        <p:nvPicPr>
+          <p:cNvPr id="2" name="Imagem 1"/>
+          <p:cNvPicPr>
+            <a:picLocks noChangeAspect="1"/>
+          </p:cNvPicPr>
+          <p:nvPr/>
+        </p:nvPicPr>
+        <p:blipFill>
+          <a:blip r:embed="rId3"/>
+          <a:stretch>
+            <a:fillRect/>
+          </a:stretch>
+        </p:blipFill>
+        <p:spPr>
+          <a:xfrm>
+            <a:off x="1" y="-1"/>
+            <a:ext cx="12165874" cy="6870141"/>
           </a:xfrm>
           <a:prstGeom prst="rect">
             <a:avLst/>
@@ -3403,13 +7695,20 @@
   <p:clrMapOvr>
     <a:masterClrMapping/>
   </p:clrMapOvr>
+  <p:timing>
+    <p:tnLst>
+      <p:par>
+        <p:cTn id="1" dur="indefinite" restart="never" nodeType="tmRoot"/>
+      </p:par>
+    </p:tnLst>
+  </p:timing>
 </p:sld>
 </file>
 
 <file path=ppt/theme/theme1.xml><?xml version="1.0" encoding="utf-8"?>
-<a:theme xmlns:a="http://schemas.openxmlformats.org/drawingml/2006/main" name="Tema do Office">
+<a:theme xmlns:a="http://schemas.openxmlformats.org/drawingml/2006/main" name="Profundidade">
   <a:themeElements>
-    <a:clrScheme name="Office">
+    <a:clrScheme name="Profundidade">
       <a:dk1>
         <a:sysClr val="windowText" lastClr="000000"/>
       </a:dk1>
@@ -3417,52 +7716,52 @@
         <a:sysClr val="window" lastClr="FFFFFF"/>
       </a:lt1>
       <a:dk2>
-        <a:srgbClr val="44546A"/>
+        <a:srgbClr val="455F51"/>
       </a:dk2>
       <a:lt2>
-        <a:srgbClr val="E7E6E6"/>
+        <a:srgbClr val="94D7E4"/>
       </a:lt2>
       <a:accent1>
-        <a:srgbClr val="5B9BD5"/>
+        <a:srgbClr val="41AEBD"/>
       </a:accent1>
       <a:accent2>
-        <a:srgbClr val="ED7D31"/>
+        <a:srgbClr val="97E9D5"/>
       </a:accent2>
       <a:accent3>
-        <a:srgbClr val="A5A5A5"/>
+        <a:srgbClr val="A2CF49"/>
       </a:accent3>
       <a:accent4>
-        <a:srgbClr val="FFC000"/>
+        <a:srgbClr val="608F3D"/>
       </a:accent4>
       <a:accent5>
-        <a:srgbClr val="4472C4"/>
+        <a:srgbClr val="F4DE3A"/>
       </a:accent5>
       <a:accent6>
-        <a:srgbClr val="70AD47"/>
+        <a:srgbClr val="FCB11C"/>
       </a:accent6>
       <a:hlink>
-        <a:srgbClr val="0563C1"/>
+        <a:srgbClr val="FBCA98"/>
       </a:hlink>
       <a:folHlink>
-        <a:srgbClr val="954F72"/>
+        <a:srgbClr val="D3B86D"/>
       </a:folHlink>
     </a:clrScheme>
-    <a:fontScheme name="Office">
+    <a:fontScheme name="Profundidade">
       <a:majorFont>
-        <a:latin typeface="Calibri Light" panose="020F0302020204030204"/>
+        <a:latin typeface="Corbel" panose="020B0503020204020204"/>
         <a:ea typeface=""/>
         <a:cs typeface=""/>
-        <a:font script="Jpan" typeface="游ゴシック Light"/>
-        <a:font script="Hang" typeface="맑은 고딕"/>
-        <a:font script="Hans" typeface="等线 Light"/>
+        <a:font script="Jpan" typeface="HGｺﾞｼｯｸM"/>
+        <a:font script="Hang" typeface="HY엽서L"/>
+        <a:font script="Hans" typeface="华文楷体"/>
         <a:font script="Hant" typeface="新細明體"/>
-        <a:font script="Arab" typeface="Times New Roman"/>
-        <a:font script="Hebr" typeface="Times New Roman"/>
-        <a:font script="Thai" typeface="Angsana New"/>
+        <a:font script="Arab" typeface="Tahoma"/>
+        <a:font script="Hebr" typeface="Miriam"/>
+        <a:font script="Thai" typeface="DilleniaUPC"/>
         <a:font script="Ethi" typeface="Nyala"/>
         <a:font script="Beng" typeface="Vrinda"/>
         <a:font script="Gujr" typeface="Shruti"/>
-        <a:font script="Khmr" typeface="MoolBoran"/>
+        <a:font script="Khmr" typeface="DaunPenh"/>
         <a:font script="Knda" typeface="Tunga"/>
         <a:font script="Guru" typeface="Raavi"/>
         <a:font script="Cans" typeface="Euphemia"/>
@@ -3479,21 +7778,21 @@
         <a:font script="Laoo" typeface="DokChampa"/>
         <a:font script="Sinh" typeface="Iskoola Pota"/>
         <a:font script="Mong" typeface="Mongolian Baiti"/>
-        <a:font script="Viet" typeface="Times New Roman"/>
+        <a:font script="Viet" typeface="Arial"/>
         <a:font script="Uigh" typeface="Microsoft Uighur"/>
         <a:font script="Geor" typeface="Sylfaen"/>
       </a:majorFont>
       <a:minorFont>
-        <a:latin typeface="Calibri" panose="020F0502020204030204"/>
+        <a:latin typeface="Corbel" panose="020B0503020204020204"/>
         <a:ea typeface=""/>
         <a:cs typeface=""/>
-        <a:font script="Jpan" typeface="游ゴシック"/>
-        <a:font script="Hang" typeface="맑은 고딕"/>
-        <a:font script="Hans" typeface="等线"/>
+        <a:font script="Jpan" typeface="HGｺﾞｼｯｸM"/>
+        <a:font script="Hang" typeface="HY엽서L"/>
+        <a:font script="Hans" typeface="华文楷体"/>
         <a:font script="Hant" typeface="新細明體"/>
-        <a:font script="Arab" typeface="Arial"/>
-        <a:font script="Hebr" typeface="Arial"/>
-        <a:font script="Thai" typeface="Cordia New"/>
+        <a:font script="Arab" typeface="Tahoma"/>
+        <a:font script="Hebr" typeface="Miriam"/>
+        <a:font script="Thai" typeface="DilleniaUPC"/>
         <a:font script="Ethi" typeface="Nyala"/>
         <a:font script="Beng" typeface="Vrinda"/>
         <a:font script="Gujr" typeface="Shruti"/>
@@ -3519,7 +7818,7 @@
         <a:font script="Geor" typeface="Sylfaen"/>
       </a:minorFont>
     </a:fontScheme>
-    <a:fmtScheme name="Office">
+    <a:fmtScheme name="Profundidade">
       <a:fillStyleLst>
         <a:solidFill>
           <a:schemeClr val="phClr"/>
@@ -3661,7 +7960,7 @@
   <a:extraClrSchemeLst/>
   <a:extLst>
     <a:ext uri="{05A4C25C-085E-4340-85A3-A5531E510DB2}">
-      <thm15:themeFamily xmlns:thm15="http://schemas.microsoft.com/office/thememl/2012/main" name="Office Theme" id="{62F939B6-93AF-4DB8-9C6B-D6C7DFDC589F}" vid="{4A3C46E8-61CC-4603-A589-7422A47A8E4A}"/>
+      <thm15:themeFamily xmlns:thm15="http://schemas.microsoft.com/office/thememl/2012/main" name="Depth" id="{7BEAFC2A-325C-49C4-AC08-2B765DA903F9}" vid="{1735E755-43E6-43AA-ABA2-C989ECC79AF5}"/>
     </a:ext>
   </a:extLst>
 </a:theme>
